--- a/Doku/Dokumentation/Präsentation/Präsentation1.pptx
+++ b/Doku/Dokumentation/Präsentation/Präsentation1.pptx
@@ -202,7 +202,7 @@
           <a:p>
             <a:fld id="{3C5C1F87-A553-D54A-8D92-982D0D8B1973}" type="datetime1">
               <a:rPr lang="de-DE" smtClean="0"/>
-              <a:t>27.07.15</a:t>
+              <a:t>29.07.15</a:t>
             </a:fld>
             <a:endParaRPr lang="de-DE"/>
           </a:p>
@@ -268,7 +268,7 @@
           <a:p>
             <a:fld id="{431B8F80-19F3-4945-B239-7477821F02B5}" type="slidenum">
               <a:rPr lang="de-DE" smtClean="0"/>
-              <a:t>‹#›</a:t>
+              <a:t>‹Nr.›</a:t>
             </a:fld>
             <a:endParaRPr lang="de-DE"/>
           </a:p>
@@ -368,7 +368,7 @@
           <a:p>
             <a:fld id="{5EBEB032-4C8F-D14A-8C9D-7EF290BC175F}" type="datetime1">
               <a:rPr lang="de-DE" smtClean="0"/>
-              <a:t>27.07.15</a:t>
+              <a:t>29.07.15</a:t>
             </a:fld>
             <a:endParaRPr lang="de-DE"/>
           </a:p>
@@ -527,7 +527,7 @@
           <a:p>
             <a:fld id="{3C8D0F26-E54A-6B4C-9639-65B577CA5DAC}" type="slidenum">
               <a:rPr lang="de-DE" smtClean="0"/>
-              <a:t>‹#›</a:t>
+              <a:t>‹Nr.›</a:t>
             </a:fld>
             <a:endParaRPr lang="de-DE"/>
           </a:p>
@@ -1406,7 +1406,7 @@
           <a:p>
             <a:fld id="{1C409EFA-92D1-2F45-84E5-8C09624895D8}" type="datetime1">
               <a:rPr lang="de-DE" smtClean="0"/>
-              <a:t>27.07.15</a:t>
+              <a:t>29.07.15</a:t>
             </a:fld>
             <a:endParaRPr lang="de-DE"/>
           </a:p>
@@ -1448,7 +1448,7 @@
           <a:p>
             <a:fld id="{CD958BD3-45DB-3A44-9016-E9DE6C097A8B}" type="slidenum">
               <a:rPr lang="de-DE" smtClean="0"/>
-              <a:t>‹#›</a:t>
+              <a:t>‹Nr.›</a:t>
             </a:fld>
             <a:endParaRPr lang="de-DE"/>
           </a:p>
@@ -1576,7 +1576,7 @@
           <a:p>
             <a:fld id="{CC9C6B11-0577-8246-A3BA-B300B0F499A5}" type="datetime1">
               <a:rPr lang="de-DE" smtClean="0"/>
-              <a:t>27.07.15</a:t>
+              <a:t>29.07.15</a:t>
             </a:fld>
             <a:endParaRPr lang="de-DE"/>
           </a:p>
@@ -1618,7 +1618,7 @@
           <a:p>
             <a:fld id="{CD958BD3-45DB-3A44-9016-E9DE6C097A8B}" type="slidenum">
               <a:rPr lang="de-DE" smtClean="0"/>
-              <a:t>‹#›</a:t>
+              <a:t>‹Nr.›</a:t>
             </a:fld>
             <a:endParaRPr lang="de-DE"/>
           </a:p>
@@ -1756,7 +1756,7 @@
           <a:p>
             <a:fld id="{6902ABF9-E8A2-8E4D-B50D-9137CB1F6782}" type="datetime1">
               <a:rPr lang="de-DE" smtClean="0"/>
-              <a:t>27.07.15</a:t>
+              <a:t>29.07.15</a:t>
             </a:fld>
             <a:endParaRPr lang="de-DE"/>
           </a:p>
@@ -1798,7 +1798,7 @@
           <a:p>
             <a:fld id="{CD958BD3-45DB-3A44-9016-E9DE6C097A8B}" type="slidenum">
               <a:rPr lang="de-DE" smtClean="0"/>
-              <a:t>‹#›</a:t>
+              <a:t>‹Nr.›</a:t>
             </a:fld>
             <a:endParaRPr lang="de-DE"/>
           </a:p>
@@ -1926,7 +1926,7 @@
           <a:p>
             <a:fld id="{A2C708EA-969E-8C41-86B2-F6AEDE275753}" type="datetime1">
               <a:rPr lang="de-DE" smtClean="0"/>
-              <a:t>27.07.15</a:t>
+              <a:t>29.07.15</a:t>
             </a:fld>
             <a:endParaRPr lang="de-DE"/>
           </a:p>
@@ -1968,7 +1968,7 @@
           <a:p>
             <a:fld id="{CD958BD3-45DB-3A44-9016-E9DE6C097A8B}" type="slidenum">
               <a:rPr lang="de-DE" smtClean="0"/>
-              <a:t>‹#›</a:t>
+              <a:t>‹Nr.›</a:t>
             </a:fld>
             <a:endParaRPr lang="de-DE"/>
           </a:p>
@@ -2172,7 +2172,7 @@
           <a:p>
             <a:fld id="{AEAE3140-3677-294F-BB1A-0172ED5847FC}" type="datetime1">
               <a:rPr lang="de-DE" smtClean="0"/>
-              <a:t>27.07.15</a:t>
+              <a:t>29.07.15</a:t>
             </a:fld>
             <a:endParaRPr lang="de-DE"/>
           </a:p>
@@ -2214,7 +2214,7 @@
           <a:p>
             <a:fld id="{CD958BD3-45DB-3A44-9016-E9DE6C097A8B}" type="slidenum">
               <a:rPr lang="de-DE" smtClean="0"/>
-              <a:t>‹#›</a:t>
+              <a:t>‹Nr.›</a:t>
             </a:fld>
             <a:endParaRPr lang="de-DE"/>
           </a:p>
@@ -2460,7 +2460,7 @@
           <a:p>
             <a:fld id="{1ACAACC3-F3C9-824E-B495-1FDE64EF99BD}" type="datetime1">
               <a:rPr lang="de-DE" smtClean="0"/>
-              <a:t>27.07.15</a:t>
+              <a:t>29.07.15</a:t>
             </a:fld>
             <a:endParaRPr lang="de-DE"/>
           </a:p>
@@ -2502,7 +2502,7 @@
           <a:p>
             <a:fld id="{CD958BD3-45DB-3A44-9016-E9DE6C097A8B}" type="slidenum">
               <a:rPr lang="de-DE" smtClean="0"/>
-              <a:t>‹#›</a:t>
+              <a:t>‹Nr.›</a:t>
             </a:fld>
             <a:endParaRPr lang="de-DE"/>
           </a:p>
@@ -2882,7 +2882,7 @@
           <a:p>
             <a:fld id="{71DB1126-796D-D447-B9E8-151D005B0148}" type="datetime1">
               <a:rPr lang="de-DE" smtClean="0"/>
-              <a:t>27.07.15</a:t>
+              <a:t>29.07.15</a:t>
             </a:fld>
             <a:endParaRPr lang="de-DE"/>
           </a:p>
@@ -2924,7 +2924,7 @@
           <a:p>
             <a:fld id="{CD958BD3-45DB-3A44-9016-E9DE6C097A8B}" type="slidenum">
               <a:rPr lang="de-DE" smtClean="0"/>
-              <a:t>‹#›</a:t>
+              <a:t>‹Nr.›</a:t>
             </a:fld>
             <a:endParaRPr lang="de-DE"/>
           </a:p>
@@ -3000,7 +3000,7 @@
           <a:p>
             <a:fld id="{4CF1641E-36A7-7A48-BECA-119086F567EF}" type="datetime1">
               <a:rPr lang="de-DE" smtClean="0"/>
-              <a:t>27.07.15</a:t>
+              <a:t>29.07.15</a:t>
             </a:fld>
             <a:endParaRPr lang="de-DE"/>
           </a:p>
@@ -3042,7 +3042,7 @@
           <a:p>
             <a:fld id="{CD958BD3-45DB-3A44-9016-E9DE6C097A8B}" type="slidenum">
               <a:rPr lang="de-DE" smtClean="0"/>
-              <a:t>‹#›</a:t>
+              <a:t>‹Nr.›</a:t>
             </a:fld>
             <a:endParaRPr lang="de-DE"/>
           </a:p>
@@ -3095,7 +3095,7 @@
           <a:p>
             <a:fld id="{35F65FC4-9A5E-7749-B2FE-88A153ECB593}" type="datetime1">
               <a:rPr lang="de-DE" smtClean="0"/>
-              <a:t>27.07.15</a:t>
+              <a:t>29.07.15</a:t>
             </a:fld>
             <a:endParaRPr lang="de-DE"/>
           </a:p>
@@ -3137,7 +3137,7 @@
           <a:p>
             <a:fld id="{CD958BD3-45DB-3A44-9016-E9DE6C097A8B}" type="slidenum">
               <a:rPr lang="de-DE" smtClean="0"/>
-              <a:t>‹#›</a:t>
+              <a:t>‹Nr.›</a:t>
             </a:fld>
             <a:endParaRPr lang="de-DE"/>
           </a:p>
@@ -3372,7 +3372,7 @@
           <a:p>
             <a:fld id="{B03973DD-0E77-DA46-B1C6-B169DCECB667}" type="datetime1">
               <a:rPr lang="de-DE" smtClean="0"/>
-              <a:t>27.07.15</a:t>
+              <a:t>29.07.15</a:t>
             </a:fld>
             <a:endParaRPr lang="de-DE"/>
           </a:p>
@@ -3414,7 +3414,7 @@
           <a:p>
             <a:fld id="{CD958BD3-45DB-3A44-9016-E9DE6C097A8B}" type="slidenum">
               <a:rPr lang="de-DE" smtClean="0"/>
-              <a:t>‹#›</a:t>
+              <a:t>‹Nr.›</a:t>
             </a:fld>
             <a:endParaRPr lang="de-DE"/>
           </a:p>
@@ -3625,7 +3625,7 @@
           <a:p>
             <a:fld id="{FDA4983A-5DE4-D64A-9ECF-D3D9C6C15267}" type="datetime1">
               <a:rPr lang="de-DE" smtClean="0"/>
-              <a:t>27.07.15</a:t>
+              <a:t>29.07.15</a:t>
             </a:fld>
             <a:endParaRPr lang="de-DE"/>
           </a:p>
@@ -3667,7 +3667,7 @@
           <a:p>
             <a:fld id="{CD958BD3-45DB-3A44-9016-E9DE6C097A8B}" type="slidenum">
               <a:rPr lang="de-DE" smtClean="0"/>
-              <a:t>‹#›</a:t>
+              <a:t>‹Nr.›</a:t>
             </a:fld>
             <a:endParaRPr lang="de-DE"/>
           </a:p>
@@ -3838,7 +3838,7 @@
           <a:p>
             <a:fld id="{999BCF29-3F8F-2D4D-85F8-AC23766BD627}" type="datetime1">
               <a:rPr lang="de-DE" smtClean="0"/>
-              <a:t>27.07.15</a:t>
+              <a:t>29.07.15</a:t>
             </a:fld>
             <a:endParaRPr lang="de-DE"/>
           </a:p>
@@ -3916,7 +3916,7 @@
           <a:p>
             <a:fld id="{CD958BD3-45DB-3A44-9016-E9DE6C097A8B}" type="slidenum">
               <a:rPr lang="de-DE" smtClean="0"/>
-              <a:t>‹#›</a:t>
+              <a:t>‹Nr.›</a:t>
             </a:fld>
             <a:endParaRPr lang="de-DE"/>
           </a:p>
@@ -4231,107 +4231,6 @@
           <p:nvPr/>
         </p:nvPicPr>
         <p:blipFill>
-          <a:blip r:embed="rId2">
-            <a:extLst>
-              <a:ext uri="{28A0092B-C50C-407E-A947-70E740481C1C}">
-                <a14:useLocalDpi xmlns:a14="http://schemas.microsoft.com/office/drawing/2010/main" val="0"/>
-              </a:ext>
-            </a:extLst>
-          </a:blip>
-          <a:stretch>
-            <a:fillRect/>
-          </a:stretch>
-        </p:blipFill>
-        <p:spPr>
-          <a:xfrm>
-            <a:off x="6894671" y="0"/>
-            <a:ext cx="3771900" cy="1041400"/>
-          </a:xfrm>
-          <a:prstGeom prst="rect">
-            <a:avLst/>
-          </a:prstGeom>
-        </p:spPr>
-      </p:pic>
-      <p:sp>
-        <p:nvSpPr>
-          <p:cNvPr id="7" name="Rechteck 6"/>
-          <p:cNvSpPr/>
-          <p:nvPr/>
-        </p:nvSpPr>
-        <p:spPr>
-          <a:xfrm>
-            <a:off x="2590800" y="4480450"/>
-            <a:ext cx="3868274" cy="1754327"/>
-          </a:xfrm>
-          <a:prstGeom prst="rect">
-            <a:avLst/>
-          </a:prstGeom>
-        </p:spPr>
-        <p:txBody>
-          <a:bodyPr wrap="square">
-            <a:spAutoFit/>
-          </a:bodyPr>
-          <a:lstStyle/>
-          <a:p>
-            <a:r>
-              <a:rPr lang="it-IT" dirty="0" err="1" smtClean="0"/>
-              <a:t>Gruppe</a:t>
-            </a:r>
-            <a:r>
-              <a:rPr lang="it-IT" dirty="0" smtClean="0"/>
-              <a:t> 09:</a:t>
-            </a:r>
-          </a:p>
-          <a:p>
-            <a:r>
-              <a:rPr lang="it-IT" dirty="0" smtClean="0"/>
-              <a:t>Fabian </a:t>
-            </a:r>
-            <a:r>
-              <a:rPr lang="it-IT" dirty="0" err="1" smtClean="0"/>
-              <a:t>Redecker</a:t>
-            </a:r>
-            <a:r>
-              <a:rPr lang="it-IT" dirty="0" smtClean="0"/>
-              <a:t> (375750)</a:t>
-            </a:r>
-          </a:p>
-          <a:p>
-            <a:r>
-              <a:rPr lang="it-IT" dirty="0" smtClean="0"/>
-              <a:t>Marco</a:t>
-            </a:r>
-          </a:p>
-          <a:p>
-            <a:r>
-              <a:rPr lang="it-IT" dirty="0" smtClean="0"/>
-              <a:t>Oli</a:t>
-            </a:r>
-          </a:p>
-          <a:p>
-            <a:r>
-              <a:rPr lang="it-IT" dirty="0" smtClean="0"/>
-              <a:t>Mike</a:t>
-            </a:r>
-          </a:p>
-          <a:p>
-            <a:r>
-              <a:rPr lang="it-IT" dirty="0" smtClean="0"/>
-              <a:t>Konrad</a:t>
-            </a:r>
-            <a:endParaRPr lang="it-IT" dirty="0"/>
-          </a:p>
-        </p:txBody>
-      </p:sp>
-      <p:pic>
-        <p:nvPicPr>
-          <p:cNvPr id="9" name="Bild 8" descr="DatenbankLogo.png"/>
-          <p:cNvPicPr>
-            <a:picLocks noChangeAspect="1"/>
-          </p:cNvPicPr>
-          <p:nvPr/>
-        </p:nvPicPr>
-        <p:blipFill>
           <a:blip r:embed="rId3">
             <a:extLst>
               <a:ext uri="{28A0092B-C50C-407E-A947-70E740481C1C}">
@@ -4345,14 +4244,101 @@
         </p:blipFill>
         <p:spPr>
           <a:xfrm>
-            <a:off x="759967" y="1731264"/>
-            <a:ext cx="7443531" cy="2231136"/>
+            <a:off x="6894671" y="0"/>
+            <a:ext cx="3771900" cy="1041400"/>
           </a:xfrm>
           <a:prstGeom prst="rect">
             <a:avLst/>
           </a:prstGeom>
         </p:spPr>
       </p:pic>
+      <p:pic>
+        <p:nvPicPr>
+          <p:cNvPr id="9" name="Bild 8" descr="DatenbankLogo.png"/>
+          <p:cNvPicPr>
+            <a:picLocks noChangeAspect="1"/>
+          </p:cNvPicPr>
+          <p:nvPr/>
+        </p:nvPicPr>
+        <p:blipFill>
+          <a:blip r:embed="rId4">
+            <a:extLst>
+              <a:ext uri="{28A0092B-C50C-407E-A947-70E740481C1C}">
+                <a14:useLocalDpi xmlns:a14="http://schemas.microsoft.com/office/drawing/2010/main" val="0"/>
+              </a:ext>
+            </a:extLst>
+          </a:blip>
+          <a:stretch>
+            <a:fillRect/>
+          </a:stretch>
+        </p:blipFill>
+        <p:spPr>
+          <a:xfrm>
+            <a:off x="759967" y="1731264"/>
+            <a:ext cx="7443531" cy="2231136"/>
+          </a:xfrm>
+          <a:prstGeom prst="rect">
+            <a:avLst/>
+          </a:prstGeom>
+        </p:spPr>
+      </p:pic>
+      <p:graphicFrame>
+        <p:nvGraphicFramePr>
+          <p:cNvPr id="2" name="Objekt 1"/>
+          <p:cNvGraphicFramePr>
+            <a:graphicFrameLocks noChangeAspect="1"/>
+          </p:cNvGraphicFramePr>
+          <p:nvPr>
+            <p:extLst>
+              <p:ext uri="{D42A27DB-BD31-4B8C-83A1-F6EECF244321}">
+                <p14:modId xmlns:p14="http://schemas.microsoft.com/office/powerpoint/2010/main" val="3588683580"/>
+              </p:ext>
+            </p:extLst>
+          </p:nvPr>
+        </p:nvGraphicFramePr>
+        <p:xfrm>
+          <a:off x="1504950" y="4181475"/>
+          <a:ext cx="6134100" cy="2438400"/>
+        </p:xfrm>
+        <a:graphic>
+          <a:graphicData uri="http://schemas.openxmlformats.org/presentationml/2006/ole">
+            <mc:AlternateContent xmlns:mc="http://schemas.openxmlformats.org/markup-compatibility/2006">
+              <mc:Choice xmlns:v="urn:schemas-microsoft-com:vml" Requires="v">
+                <p:oleObj spid="_x0000_s1025" name="Dokument" r:id="rId5" imgW="6134100" imgH="2438400" progId="Word.Document.12">
+                  <p:embed/>
+                </p:oleObj>
+              </mc:Choice>
+              <mc:Fallback>
+                <p:oleObj name="Dokument" r:id="rId5" imgW="6134100" imgH="2438400" progId="Word.Document.12">
+                  <p:embed/>
+                  <p:pic>
+                    <p:nvPicPr>
+                      <p:cNvPr id="0" name=""/>
+                      <p:cNvPicPr/>
+                      <p:nvPr/>
+                    </p:nvPicPr>
+                    <p:blipFill>
+                      <a:blip r:embed="rId6"/>
+                      <a:stretch>
+                        <a:fillRect/>
+                      </a:stretch>
+                    </p:blipFill>
+                    <p:spPr>
+                      <a:xfrm>
+                        <a:off x="1504950" y="4181475"/>
+                        <a:ext cx="6134100" cy="2438400"/>
+                      </a:xfrm>
+                      <a:prstGeom prst="rect">
+                        <a:avLst/>
+                      </a:prstGeom>
+                    </p:spPr>
+                  </p:pic>
+                </p:oleObj>
+              </mc:Fallback>
+            </mc:AlternateContent>
+          </a:graphicData>
+        </a:graphic>
+      </p:graphicFrame>
     </p:spTree>
     <p:extLst>
       <p:ext uri="{BB962C8B-B14F-4D97-AF65-F5344CB8AC3E}">

--- a/Doku/Dokumentation/Präsentation/Präsentation1.pptx
+++ b/Doku/Dokumentation/Präsentation/Präsentation1.pptx
@@ -4304,7 +4304,7 @@
           <a:graphicData uri="http://schemas.openxmlformats.org/presentationml/2006/ole">
             <mc:AlternateContent xmlns:mc="http://schemas.openxmlformats.org/markup-compatibility/2006">
               <mc:Choice xmlns:v="urn:schemas-microsoft-com:vml" Requires="v">
-                <p:oleObj spid="_x0000_s1025" name="Dokument" r:id="rId5" imgW="6134100" imgH="2438400" progId="Word.Document.12">
+                <p:oleObj spid="_x0000_s1028" name="Dokument" r:id="rId5" imgW="6134100" imgH="2438400" progId="Word.Document.12">
                   <p:embed/>
                 </p:oleObj>
               </mc:Choice>
@@ -4910,7 +4910,7 @@
                 <a:latin typeface="Helvetica"/>
                 <a:cs typeface="Helvetica"/>
               </a:rPr>
-              <a:t>Gliederung</a:t>
+              <a:t>5. Projektarchitektur</a:t>
             </a:r>
             <a:endParaRPr lang="de-DE" sz="2800" dirty="0">
               <a:latin typeface="Helvetica"/>
@@ -4919,16 +4919,46 @@
           </a:p>
         </p:txBody>
       </p:sp>
-      <p:sp>
-        <p:nvSpPr>
-          <p:cNvPr id="13" name="Textfeld 12"/>
+      <p:pic>
+        <p:nvPicPr>
+          <p:cNvPr id="5" name="Bild 4" descr="Drei-Schichten-Architektur.png"/>
+          <p:cNvPicPr>
+            <a:picLocks noChangeAspect="1"/>
+          </p:cNvPicPr>
+          <p:nvPr/>
+        </p:nvPicPr>
+        <p:blipFill>
+          <a:blip r:embed="rId4">
+            <a:extLst>
+              <a:ext uri="{28A0092B-C50C-407E-A947-70E740481C1C}">
+                <a14:useLocalDpi xmlns:a14="http://schemas.microsoft.com/office/drawing/2010/main" val="0"/>
+              </a:ext>
+            </a:extLst>
+          </a:blip>
+          <a:stretch>
+            <a:fillRect/>
+          </a:stretch>
+        </p:blipFill>
+        <p:spPr>
+          <a:xfrm>
+            <a:off x="5159234" y="1337488"/>
+            <a:ext cx="2671778" cy="4693423"/>
+          </a:xfrm>
+          <a:prstGeom prst="rect">
+            <a:avLst/>
+          </a:prstGeom>
+        </p:spPr>
+      </p:pic>
+      <p:sp>
+        <p:nvSpPr>
+          <p:cNvPr id="6" name="Textfeld 5"/>
           <p:cNvSpPr txBox="1"/>
           <p:nvPr/>
         </p:nvSpPr>
         <p:spPr>
           <a:xfrm>
-            <a:off x="250158" y="972764"/>
-            <a:ext cx="8695409" cy="369332"/>
+            <a:off x="573569" y="3176095"/>
+            <a:ext cx="4172937" cy="523220"/>
           </a:xfrm>
           <a:prstGeom prst="rect">
             <a:avLst/>
@@ -4936,18 +4966,16 @@
           <a:noFill/>
         </p:spPr>
         <p:txBody>
-          <a:bodyPr wrap="square" rtlCol="0">
+          <a:bodyPr wrap="none" rtlCol="0">
             <a:spAutoFit/>
           </a:bodyPr>
           <a:lstStyle/>
           <a:p>
             <a:r>
-              <a:rPr lang="de-DE" dirty="0" smtClean="0">
-                <a:latin typeface="Helvetica"/>
-                <a:cs typeface="Helvetica"/>
-              </a:rPr>
-              <a:t>Inhalt</a:t>
-            </a:r>
+              <a:rPr lang="de-DE" sz="2800" b="1" dirty="0" smtClean="0"/>
+              <a:t>Drei-Schichten-Architektur</a:t>
+            </a:r>
+            <a:endParaRPr lang="de-DE" sz="2800" b="1" dirty="0"/>
           </a:p>
         </p:txBody>
       </p:sp>
@@ -4961,6 +4989,13 @@
   <p:clrMapOvr>
     <a:masterClrMapping/>
   </p:clrMapOvr>
+  <p:timing>
+    <p:tnLst>
+      <p:par>
+        <p:cTn xmlns:p14="http://schemas.microsoft.com/office/powerpoint/2010/main" id="1" dur="indefinite" restart="never" nodeType="tmRoot"/>
+      </p:par>
+    </p:tnLst>
+  </p:timing>
 </p:sld>
 </file>
 
@@ -5161,11 +5196,11 @@
           <a:lstStyle/>
           <a:p>
             <a:r>
-              <a:rPr lang="de-DE" sz="2800" dirty="0" smtClean="0">
+              <a:rPr lang="de-DE" sz="2800" dirty="0">
                 <a:latin typeface="Helvetica"/>
                 <a:cs typeface="Helvetica"/>
               </a:rPr>
-              <a:t>Gliederung</a:t>
+              <a:t>5. Projektarchitektur</a:t>
             </a:r>
             <a:endParaRPr lang="de-DE" sz="2800" dirty="0">
               <a:latin typeface="Helvetica"/>
@@ -5176,14 +5211,14 @@
       </p:sp>
       <p:sp>
         <p:nvSpPr>
-          <p:cNvPr id="13" name="Textfeld 12"/>
+          <p:cNvPr id="12" name="Textfeld 11"/>
           <p:cNvSpPr txBox="1"/>
           <p:nvPr/>
         </p:nvSpPr>
         <p:spPr>
           <a:xfrm>
-            <a:off x="250158" y="972764"/>
-            <a:ext cx="8695409" cy="369332"/>
+            <a:off x="573569" y="3176095"/>
+            <a:ext cx="2454518" cy="523220"/>
           </a:xfrm>
           <a:prstGeom prst="rect">
             <a:avLst/>
@@ -5191,21 +5226,49 @@
           <a:noFill/>
         </p:spPr>
         <p:txBody>
-          <a:bodyPr wrap="square" rtlCol="0">
+          <a:bodyPr wrap="none" rtlCol="0">
             <a:spAutoFit/>
           </a:bodyPr>
           <a:lstStyle/>
           <a:p>
             <a:r>
-              <a:rPr lang="de-DE" dirty="0" smtClean="0">
-                <a:latin typeface="Helvetica"/>
-                <a:cs typeface="Helvetica"/>
-              </a:rPr>
-              <a:t>Inhalt</a:t>
-            </a:r>
-          </a:p>
-        </p:txBody>
-      </p:sp>
+              <a:rPr lang="de-DE" sz="2800" b="1" dirty="0" smtClean="0"/>
+              <a:t>Ordnerstruktur</a:t>
+            </a:r>
+            <a:endParaRPr lang="de-DE" sz="2800" b="1" dirty="0"/>
+          </a:p>
+        </p:txBody>
+      </p:sp>
+      <p:pic>
+        <p:nvPicPr>
+          <p:cNvPr id="6" name="Bild 5" descr="Ordnerstruktur.jpg"/>
+          <p:cNvPicPr>
+            <a:picLocks noChangeAspect="1"/>
+          </p:cNvPicPr>
+          <p:nvPr/>
+        </p:nvPicPr>
+        <p:blipFill>
+          <a:blip r:embed="rId4">
+            <a:extLst>
+              <a:ext uri="{28A0092B-C50C-407E-A947-70E740481C1C}">
+                <a14:useLocalDpi xmlns:a14="http://schemas.microsoft.com/office/drawing/2010/main" val="0"/>
+              </a:ext>
+            </a:extLst>
+          </a:blip>
+          <a:stretch>
+            <a:fillRect/>
+          </a:stretch>
+        </p:blipFill>
+        <p:spPr>
+          <a:xfrm>
+            <a:off x="3972548" y="1310856"/>
+            <a:ext cx="3553561" cy="4776918"/>
+          </a:xfrm>
+          <a:prstGeom prst="rect">
+            <a:avLst/>
+          </a:prstGeom>
+        </p:spPr>
+      </p:pic>
     </p:spTree>
     <p:extLst>
       <p:ext uri="{BB962C8B-B14F-4D97-AF65-F5344CB8AC3E}">

--- a/Doku/Dokumentation/Präsentation/Präsentation1.pptx
+++ b/Doku/Dokumentation/Präsentation/Präsentation1.pptx
@@ -5,10 +5,10 @@
     <p:sldMasterId id="2147483648" r:id="rId1"/>
   </p:sldMasterIdLst>
   <p:notesMasterIdLst>
-    <p:notesMasterId r:id="rId10"/>
+    <p:notesMasterId r:id="rId9"/>
   </p:notesMasterIdLst>
   <p:handoutMasterIdLst>
-    <p:handoutMasterId r:id="rId11"/>
+    <p:handoutMasterId r:id="rId10"/>
   </p:handoutMasterIdLst>
   <p:sldIdLst>
     <p:sldId id="256" r:id="rId2"/>
@@ -18,7 +18,6 @@
     <p:sldId id="260" r:id="rId6"/>
     <p:sldId id="261" r:id="rId7"/>
     <p:sldId id="262" r:id="rId8"/>
-    <p:sldId id="263" r:id="rId9"/>
   </p:sldIdLst>
   <p:sldSz cx="9144000" cy="6858000" type="screen4x3"/>
   <p:notesSz cx="6858000" cy="9144000"/>
@@ -202,7 +201,7 @@
           <a:p>
             <a:fld id="{3C5C1F87-A553-D54A-8D92-982D0D8B1973}" type="datetime1">
               <a:rPr lang="de-DE" smtClean="0"/>
-              <a:t>29.07.15</a:t>
+              <a:t>30.07.15</a:t>
             </a:fld>
             <a:endParaRPr lang="de-DE"/>
           </a:p>
@@ -368,7 +367,7 @@
           <a:p>
             <a:fld id="{5EBEB032-4C8F-D14A-8C9D-7EF290BC175F}" type="datetime1">
               <a:rPr lang="de-DE" smtClean="0"/>
-              <a:t>29.07.15</a:t>
+              <a:t>30.07.15</a:t>
             </a:fld>
             <a:endParaRPr lang="de-DE"/>
           </a:p>
@@ -1141,90 +1140,6 @@
 </p:notes>
 </file>
 
-<file path=ppt/notesSlides/notesSlide7.xml><?xml version="1.0" encoding="utf-8"?>
-<p:notes xmlns:a="http://schemas.openxmlformats.org/drawingml/2006/main" xmlns:r="http://schemas.openxmlformats.org/officeDocument/2006/relationships" xmlns:p="http://schemas.openxmlformats.org/presentationml/2006/main">
-  <p:cSld>
-    <p:spTree>
-      <p:nvGrpSpPr>
-        <p:cNvPr id="1" name=""/>
-        <p:cNvGrpSpPr/>
-        <p:nvPr/>
-      </p:nvGrpSpPr>
-      <p:grpSpPr>
-        <a:xfrm>
-          <a:off x="0" y="0"/>
-          <a:ext cx="0" cy="0"/>
-          <a:chOff x="0" y="0"/>
-          <a:chExt cx="0" cy="0"/>
-        </a:xfrm>
-      </p:grpSpPr>
-      <p:sp>
-        <p:nvSpPr>
-          <p:cNvPr id="2" name="Folienbildplatzhalter 1"/>
-          <p:cNvSpPr>
-            <a:spLocks noGrp="1" noRot="1" noChangeAspect="1"/>
-          </p:cNvSpPr>
-          <p:nvPr>
-            <p:ph type="sldImg"/>
-          </p:nvPr>
-        </p:nvSpPr>
-        <p:spPr/>
-      </p:sp>
-      <p:sp>
-        <p:nvSpPr>
-          <p:cNvPr id="3" name="Notizenplatzhalter 2"/>
-          <p:cNvSpPr>
-            <a:spLocks noGrp="1"/>
-          </p:cNvSpPr>
-          <p:nvPr>
-            <p:ph type="body" idx="1"/>
-          </p:nvPr>
-        </p:nvSpPr>
-        <p:spPr/>
-        <p:txBody>
-          <a:bodyPr/>
-          <a:lstStyle/>
-          <a:p>
-            <a:endParaRPr lang="de-DE"/>
-          </a:p>
-        </p:txBody>
-      </p:sp>
-      <p:sp>
-        <p:nvSpPr>
-          <p:cNvPr id="4" name="Foliennummernplatzhalter 3"/>
-          <p:cNvSpPr>
-            <a:spLocks noGrp="1"/>
-          </p:cNvSpPr>
-          <p:nvPr>
-            <p:ph type="sldNum" sz="quarter" idx="10"/>
-          </p:nvPr>
-        </p:nvSpPr>
-        <p:spPr/>
-        <p:txBody>
-          <a:bodyPr/>
-          <a:lstStyle/>
-          <a:p>
-            <a:fld id="{3C8D0F26-E54A-6B4C-9639-65B577CA5DAC}" type="slidenum">
-              <a:rPr lang="de-DE" smtClean="0"/>
-              <a:t>8</a:t>
-            </a:fld>
-            <a:endParaRPr lang="de-DE"/>
-          </a:p>
-        </p:txBody>
-      </p:sp>
-    </p:spTree>
-    <p:extLst>
-      <p:ext uri="{BB962C8B-B14F-4D97-AF65-F5344CB8AC3E}">
-        <p14:creationId xmlns:p14="http://schemas.microsoft.com/office/powerpoint/2010/main" val="2472944022"/>
-      </p:ext>
-    </p:extLst>
-  </p:cSld>
-  <p:clrMapOvr>
-    <a:masterClrMapping/>
-  </p:clrMapOvr>
-</p:notes>
-</file>
-
 <file path=ppt/slideLayouts/slideLayout1.xml><?xml version="1.0" encoding="utf-8"?>
 <p:sldLayout xmlns:a="http://schemas.openxmlformats.org/drawingml/2006/main" xmlns:r="http://schemas.openxmlformats.org/officeDocument/2006/relationships" xmlns:p="http://schemas.openxmlformats.org/presentationml/2006/main" type="title" preserve="1">
   <p:cSld name="Titelfolie">
@@ -1406,7 +1321,7 @@
           <a:p>
             <a:fld id="{1C409EFA-92D1-2F45-84E5-8C09624895D8}" type="datetime1">
               <a:rPr lang="de-DE" smtClean="0"/>
-              <a:t>29.07.15</a:t>
+              <a:t>30.07.15</a:t>
             </a:fld>
             <a:endParaRPr lang="de-DE"/>
           </a:p>
@@ -1576,7 +1491,7 @@
           <a:p>
             <a:fld id="{CC9C6B11-0577-8246-A3BA-B300B0F499A5}" type="datetime1">
               <a:rPr lang="de-DE" smtClean="0"/>
-              <a:t>29.07.15</a:t>
+              <a:t>30.07.15</a:t>
             </a:fld>
             <a:endParaRPr lang="de-DE"/>
           </a:p>
@@ -1756,7 +1671,7 @@
           <a:p>
             <a:fld id="{6902ABF9-E8A2-8E4D-B50D-9137CB1F6782}" type="datetime1">
               <a:rPr lang="de-DE" smtClean="0"/>
-              <a:t>29.07.15</a:t>
+              <a:t>30.07.15</a:t>
             </a:fld>
             <a:endParaRPr lang="de-DE"/>
           </a:p>
@@ -1926,7 +1841,7 @@
           <a:p>
             <a:fld id="{A2C708EA-969E-8C41-86B2-F6AEDE275753}" type="datetime1">
               <a:rPr lang="de-DE" smtClean="0"/>
-              <a:t>29.07.15</a:t>
+              <a:t>30.07.15</a:t>
             </a:fld>
             <a:endParaRPr lang="de-DE"/>
           </a:p>
@@ -2172,7 +2087,7 @@
           <a:p>
             <a:fld id="{AEAE3140-3677-294F-BB1A-0172ED5847FC}" type="datetime1">
               <a:rPr lang="de-DE" smtClean="0"/>
-              <a:t>29.07.15</a:t>
+              <a:t>30.07.15</a:t>
             </a:fld>
             <a:endParaRPr lang="de-DE"/>
           </a:p>
@@ -2460,7 +2375,7 @@
           <a:p>
             <a:fld id="{1ACAACC3-F3C9-824E-B495-1FDE64EF99BD}" type="datetime1">
               <a:rPr lang="de-DE" smtClean="0"/>
-              <a:t>29.07.15</a:t>
+              <a:t>30.07.15</a:t>
             </a:fld>
             <a:endParaRPr lang="de-DE"/>
           </a:p>
@@ -2882,7 +2797,7 @@
           <a:p>
             <a:fld id="{71DB1126-796D-D447-B9E8-151D005B0148}" type="datetime1">
               <a:rPr lang="de-DE" smtClean="0"/>
-              <a:t>29.07.15</a:t>
+              <a:t>30.07.15</a:t>
             </a:fld>
             <a:endParaRPr lang="de-DE"/>
           </a:p>
@@ -3000,7 +2915,7 @@
           <a:p>
             <a:fld id="{4CF1641E-36A7-7A48-BECA-119086F567EF}" type="datetime1">
               <a:rPr lang="de-DE" smtClean="0"/>
-              <a:t>29.07.15</a:t>
+              <a:t>30.07.15</a:t>
             </a:fld>
             <a:endParaRPr lang="de-DE"/>
           </a:p>
@@ -3095,7 +3010,7 @@
           <a:p>
             <a:fld id="{35F65FC4-9A5E-7749-B2FE-88A153ECB593}" type="datetime1">
               <a:rPr lang="de-DE" smtClean="0"/>
-              <a:t>29.07.15</a:t>
+              <a:t>30.07.15</a:t>
             </a:fld>
             <a:endParaRPr lang="de-DE"/>
           </a:p>
@@ -3372,7 +3287,7 @@
           <a:p>
             <a:fld id="{B03973DD-0E77-DA46-B1C6-B169DCECB667}" type="datetime1">
               <a:rPr lang="de-DE" smtClean="0"/>
-              <a:t>29.07.15</a:t>
+              <a:t>30.07.15</a:t>
             </a:fld>
             <a:endParaRPr lang="de-DE"/>
           </a:p>
@@ -3625,7 +3540,7 @@
           <a:p>
             <a:fld id="{FDA4983A-5DE4-D64A-9ECF-D3D9C6C15267}" type="datetime1">
               <a:rPr lang="de-DE" smtClean="0"/>
-              <a:t>29.07.15</a:t>
+              <a:t>30.07.15</a:t>
             </a:fld>
             <a:endParaRPr lang="de-DE"/>
           </a:p>
@@ -3838,7 +3753,7 @@
           <a:p>
             <a:fld id="{999BCF29-3F8F-2D4D-85F8-AC23766BD627}" type="datetime1">
               <a:rPr lang="de-DE" smtClean="0"/>
-              <a:t>29.07.15</a:t>
+              <a:t>30.07.15</a:t>
             </a:fld>
             <a:endParaRPr lang="de-DE"/>
           </a:p>
@@ -4304,12 +4219,12 @@
           <a:graphicData uri="http://schemas.openxmlformats.org/presentationml/2006/ole">
             <mc:AlternateContent xmlns:mc="http://schemas.openxmlformats.org/markup-compatibility/2006">
               <mc:Choice xmlns:v="urn:schemas-microsoft-com:vml" Requires="v">
-                <p:oleObj spid="_x0000_s1028" name="Dokument" r:id="rId5" imgW="6134100" imgH="2438400" progId="Word.Document.12">
+                <p:oleObj spid="_x0000_s1030" name="Dokument" r:id="rId6" imgW="6134100" imgH="2438400" progId="Word.Document.12">
                   <p:embed/>
                 </p:oleObj>
               </mc:Choice>
               <mc:Fallback>
-                <p:oleObj name="Dokument" r:id="rId5" imgW="6134100" imgH="2438400" progId="Word.Document.12">
+                <p:oleObj name="Dokument" r:id="rId6" imgW="6134100" imgH="2438400" progId="Word.Document.12">
                   <p:embed/>
                   <p:pic>
                     <p:nvPicPr>
@@ -4318,7 +4233,7 @@
                       <p:nvPr/>
                     </p:nvPicPr>
                     <p:blipFill>
-                      <a:blip r:embed="rId6"/>
+                      <a:blip r:embed="rId7"/>
                       <a:stretch>
                         <a:fillRect/>
                       </a:stretch>
@@ -5202,10 +5117,6 @@
               </a:rPr>
               <a:t>5. Projektarchitektur</a:t>
             </a:r>
-            <a:endParaRPr lang="de-DE" sz="2800" dirty="0">
-              <a:latin typeface="Helvetica"/>
-              <a:cs typeface="Helvetica"/>
-            </a:endParaRPr>
           </a:p>
         </p:txBody>
       </p:sp>
@@ -6111,328 +6022,6 @@
     <p:extLst>
       <p:ext uri="{BB962C8B-B14F-4D97-AF65-F5344CB8AC3E}">
         <p14:creationId xmlns:p14="http://schemas.microsoft.com/office/powerpoint/2010/main" val="2821605111"/>
-      </p:ext>
-    </p:extLst>
-  </p:cSld>
-  <p:clrMapOvr>
-    <a:masterClrMapping/>
-  </p:clrMapOvr>
-</p:sld>
-</file>
-
-<file path=ppt/slides/slide8.xml><?xml version="1.0" encoding="utf-8"?>
-<p:sld xmlns:a="http://schemas.openxmlformats.org/drawingml/2006/main" xmlns:r="http://schemas.openxmlformats.org/officeDocument/2006/relationships" xmlns:p="http://schemas.openxmlformats.org/presentationml/2006/main">
-  <p:cSld>
-    <p:spTree>
-      <p:nvGrpSpPr>
-        <p:cNvPr id="1" name=""/>
-        <p:cNvGrpSpPr/>
-        <p:nvPr/>
-      </p:nvGrpSpPr>
-      <p:grpSpPr>
-        <a:xfrm>
-          <a:off x="0" y="0"/>
-          <a:ext cx="0" cy="0"/>
-          <a:chOff x="0" y="0"/>
-          <a:chExt cx="0" cy="0"/>
-        </a:xfrm>
-      </p:grpSpPr>
-      <p:sp>
-        <p:nvSpPr>
-          <p:cNvPr id="10" name="Textfeld 9"/>
-          <p:cNvSpPr txBox="1"/>
-          <p:nvPr/>
-        </p:nvSpPr>
-        <p:spPr>
-          <a:xfrm>
-            <a:off x="4561840" y="5252720"/>
-            <a:ext cx="184666" cy="369332"/>
-          </a:xfrm>
-          <a:prstGeom prst="rect">
-            <a:avLst/>
-          </a:prstGeom>
-          <a:noFill/>
-        </p:spPr>
-        <p:txBody>
-          <a:bodyPr wrap="none" rtlCol="0">
-            <a:spAutoFit/>
-          </a:bodyPr>
-          <a:lstStyle/>
-          <a:p>
-            <a:endParaRPr lang="de-DE" dirty="0"/>
-          </a:p>
-        </p:txBody>
-      </p:sp>
-      <p:pic>
-        <p:nvPicPr>
-          <p:cNvPr id="2" name="Bild 1" descr="logoDatenbankMitHSB.png"/>
-          <p:cNvPicPr>
-            <a:picLocks noChangeAspect="1"/>
-          </p:cNvPicPr>
-          <p:nvPr/>
-        </p:nvPicPr>
-        <p:blipFill>
-          <a:blip r:embed="rId3">
-            <a:extLst>
-              <a:ext uri="{28A0092B-C50C-407E-A947-70E740481C1C}">
-                <a14:useLocalDpi xmlns:a14="http://schemas.microsoft.com/office/drawing/2010/main" val="0"/>
-              </a:ext>
-            </a:extLst>
-          </a:blip>
-          <a:stretch>
-            <a:fillRect/>
-          </a:stretch>
-        </p:blipFill>
-        <p:spPr>
-          <a:xfrm>
-            <a:off x="6419279" y="215531"/>
-            <a:ext cx="2526288" cy="757233"/>
-          </a:xfrm>
-          <a:prstGeom prst="rect">
-            <a:avLst/>
-          </a:prstGeom>
-        </p:spPr>
-      </p:pic>
-      <p:sp>
-        <p:nvSpPr>
-          <p:cNvPr id="3" name="Textfeld 2"/>
-          <p:cNvSpPr txBox="1"/>
-          <p:nvPr/>
-        </p:nvSpPr>
-        <p:spPr>
-          <a:xfrm>
-            <a:off x="109137" y="6518200"/>
-            <a:ext cx="5050097" cy="246221"/>
-          </a:xfrm>
-          <a:prstGeom prst="rect">
-            <a:avLst/>
-          </a:prstGeom>
-          <a:noFill/>
-        </p:spPr>
-        <p:txBody>
-          <a:bodyPr wrap="square" rtlCol="0">
-            <a:spAutoFit/>
-          </a:bodyPr>
-          <a:lstStyle/>
-          <a:p>
-            <a:r>
-              <a:rPr lang="de-DE" sz="1000" dirty="0" smtClean="0">
-                <a:latin typeface="Helvetica"/>
-                <a:cs typeface="Helvetica"/>
-              </a:rPr>
-              <a:t>Datenbankbasierte Web-Anwendungen (</a:t>
-            </a:r>
-            <a:r>
-              <a:rPr lang="de-DE" sz="1000" dirty="0" err="1" smtClean="0">
-                <a:latin typeface="Helvetica"/>
-                <a:cs typeface="Helvetica"/>
-              </a:rPr>
-              <a:t>SoSe</a:t>
-            </a:r>
-            <a:r>
-              <a:rPr lang="de-DE" sz="1000" dirty="0" smtClean="0">
-                <a:latin typeface="Helvetica"/>
-                <a:cs typeface="Helvetica"/>
-              </a:rPr>
-              <a:t> 15)			Gruppe 09</a:t>
-            </a:r>
-            <a:endParaRPr lang="de-DE" sz="1000" dirty="0">
-              <a:latin typeface="Helvetica"/>
-              <a:cs typeface="Helvetica"/>
-            </a:endParaRPr>
-          </a:p>
-        </p:txBody>
-      </p:sp>
-      <p:sp>
-        <p:nvSpPr>
-          <p:cNvPr id="8" name="Textfeld 7"/>
-          <p:cNvSpPr txBox="1"/>
-          <p:nvPr/>
-        </p:nvSpPr>
-        <p:spPr>
-          <a:xfrm>
-            <a:off x="8375993" y="6518200"/>
-            <a:ext cx="569574" cy="246221"/>
-          </a:xfrm>
-          <a:prstGeom prst="rect">
-            <a:avLst/>
-          </a:prstGeom>
-          <a:noFill/>
-        </p:spPr>
-        <p:txBody>
-          <a:bodyPr wrap="none" rtlCol="0">
-            <a:spAutoFit/>
-          </a:bodyPr>
-          <a:lstStyle/>
-          <a:p>
-            <a:r>
-              <a:rPr lang="de-DE" sz="1000" dirty="0" smtClean="0">
-                <a:latin typeface="Helvetica"/>
-                <a:cs typeface="Helvetica"/>
-              </a:rPr>
-              <a:t>Folie </a:t>
-            </a:r>
-            <a:fld id="{80772B1C-95EE-FF4C-9138-2FEA01DFD2C9}" type="slidenum">
-              <a:rPr lang="de-DE" sz="1000" smtClean="0">
-                <a:latin typeface="Helvetica"/>
-                <a:cs typeface="Helvetica"/>
-              </a:rPr>
-              <a:t>8</a:t>
-            </a:fld>
-            <a:endParaRPr lang="de-DE" sz="1000" dirty="0">
-              <a:latin typeface="Helvetica"/>
-              <a:cs typeface="Helvetica"/>
-            </a:endParaRPr>
-          </a:p>
-        </p:txBody>
-      </p:sp>
-      <p:sp>
-        <p:nvSpPr>
-          <p:cNvPr id="11" name="Textfeld 10"/>
-          <p:cNvSpPr txBox="1"/>
-          <p:nvPr/>
-        </p:nvSpPr>
-        <p:spPr>
-          <a:xfrm>
-            <a:off x="109136" y="215531"/>
-            <a:ext cx="5788821" cy="523220"/>
-          </a:xfrm>
-          <a:prstGeom prst="rect">
-            <a:avLst/>
-          </a:prstGeom>
-          <a:noFill/>
-        </p:spPr>
-        <p:txBody>
-          <a:bodyPr wrap="square" rtlCol="0">
-            <a:spAutoFit/>
-          </a:bodyPr>
-          <a:lstStyle/>
-          <a:p>
-            <a:r>
-              <a:rPr lang="de-DE" sz="2800" dirty="0" smtClean="0">
-                <a:latin typeface="Helvetica"/>
-                <a:cs typeface="Helvetica"/>
-              </a:rPr>
-              <a:t>Fazit</a:t>
-            </a:r>
-            <a:endParaRPr lang="de-DE" sz="2800" dirty="0">
-              <a:latin typeface="Helvetica"/>
-              <a:cs typeface="Helvetica"/>
-            </a:endParaRPr>
-          </a:p>
-        </p:txBody>
-      </p:sp>
-      <p:sp>
-        <p:nvSpPr>
-          <p:cNvPr id="5" name="Title 4"/>
-          <p:cNvSpPr>
-            <a:spLocks noGrp="1"/>
-          </p:cNvSpPr>
-          <p:nvPr>
-            <p:ph type="title"/>
-          </p:nvPr>
-        </p:nvSpPr>
-        <p:spPr/>
-        <p:txBody>
-          <a:bodyPr/>
-          <a:lstStyle/>
-          <a:p>
-            <a:endParaRPr lang="en-US" dirty="0"/>
-          </a:p>
-        </p:txBody>
-      </p:sp>
-      <p:sp>
-        <p:nvSpPr>
-          <p:cNvPr id="6" name="Content Placeholder 5"/>
-          <p:cNvSpPr>
-            <a:spLocks noGrp="1"/>
-          </p:cNvSpPr>
-          <p:nvPr>
-            <p:ph idx="1"/>
-          </p:nvPr>
-        </p:nvSpPr>
-        <p:spPr/>
-        <p:txBody>
-          <a:bodyPr/>
-          <a:lstStyle/>
-          <a:p>
-            <a:pPr marL="457200" lvl="1" indent="0">
-              <a:buNone/>
-            </a:pPr>
-            <a:endParaRPr lang="en-US" dirty="0" smtClean="0"/>
-          </a:p>
-          <a:p>
-            <a:pPr marL="457200" lvl="1" indent="0">
-              <a:buNone/>
-            </a:pPr>
-            <a:r>
-              <a:rPr lang="en-US" dirty="0" smtClean="0"/>
-              <a:t>-</a:t>
-            </a:r>
-            <a:r>
-              <a:rPr lang="en-US" dirty="0" err="1" smtClean="0"/>
-              <a:t>Gruppengröße</a:t>
-            </a:r>
-            <a:r>
-              <a:rPr lang="en-US" dirty="0" smtClean="0"/>
-              <a:t> </a:t>
-            </a:r>
-            <a:r>
-              <a:rPr lang="en-US" dirty="0" err="1" smtClean="0"/>
-              <a:t>schwer</a:t>
-            </a:r>
-            <a:r>
-              <a:rPr lang="en-US" dirty="0" smtClean="0"/>
-              <a:t> </a:t>
-            </a:r>
-            <a:r>
-              <a:rPr lang="en-US" dirty="0" err="1" smtClean="0"/>
-              <a:t>zu</a:t>
-            </a:r>
-            <a:r>
-              <a:rPr lang="en-US" dirty="0" smtClean="0"/>
-              <a:t> </a:t>
-            </a:r>
-            <a:r>
-              <a:rPr lang="en-US" dirty="0" err="1" smtClean="0"/>
-              <a:t>vereinbaren</a:t>
-            </a:r>
-            <a:endParaRPr lang="en-US" dirty="0" smtClean="0"/>
-          </a:p>
-          <a:p>
-            <a:pPr marL="457200" lvl="1" indent="0">
-              <a:buNone/>
-            </a:pPr>
-            <a:r>
-              <a:rPr lang="en-US" dirty="0" smtClean="0"/>
-              <a:t>-</a:t>
-            </a:r>
-            <a:r>
-              <a:rPr lang="en-US" dirty="0" err="1" smtClean="0"/>
-              <a:t>tolles</a:t>
-            </a:r>
-            <a:r>
-              <a:rPr lang="en-US" dirty="0" smtClean="0"/>
-              <a:t> </a:t>
-            </a:r>
-            <a:r>
-              <a:rPr lang="en-US" dirty="0" err="1" smtClean="0"/>
-              <a:t>Produkt</a:t>
-            </a:r>
-            <a:endParaRPr lang="en-US" smtClean="0"/>
-          </a:p>
-          <a:p>
-            <a:pPr marL="457200" lvl="1" indent="0">
-              <a:buNone/>
-            </a:pPr>
-            <a:endParaRPr lang="en-US" dirty="0"/>
-          </a:p>
-        </p:txBody>
-      </p:sp>
-    </p:spTree>
-    <p:extLst>
-      <p:ext uri="{BB962C8B-B14F-4D97-AF65-F5344CB8AC3E}">
-        <p14:creationId xmlns:p14="http://schemas.microsoft.com/office/powerpoint/2010/main" val="2080749278"/>
       </p:ext>
     </p:extLst>
   </p:cSld>

--- a/Doku/Dokumentation/Präsentation/Präsentation1.pptx
+++ b/Doku/Dokumentation/Präsentation/Präsentation1.pptx
@@ -5,19 +5,22 @@
     <p:sldMasterId id="2147483648" r:id="rId1"/>
   </p:sldMasterIdLst>
   <p:notesMasterIdLst>
-    <p:notesMasterId r:id="rId9"/>
+    <p:notesMasterId r:id="rId12"/>
   </p:notesMasterIdLst>
   <p:handoutMasterIdLst>
-    <p:handoutMasterId r:id="rId10"/>
+    <p:handoutMasterId r:id="rId13"/>
   </p:handoutMasterIdLst>
   <p:sldIdLst>
     <p:sldId id="256" r:id="rId2"/>
     <p:sldId id="257" r:id="rId3"/>
-    <p:sldId id="258" r:id="rId4"/>
-    <p:sldId id="259" r:id="rId5"/>
+    <p:sldId id="263" r:id="rId4"/>
+    <p:sldId id="264" r:id="rId5"/>
     <p:sldId id="260" r:id="rId6"/>
     <p:sldId id="261" r:id="rId7"/>
-    <p:sldId id="262" r:id="rId8"/>
+    <p:sldId id="258" r:id="rId8"/>
+    <p:sldId id="259" r:id="rId9"/>
+    <p:sldId id="265" r:id="rId10"/>
+    <p:sldId id="262" r:id="rId11"/>
   </p:sldIdLst>
   <p:sldSz cx="9144000" cy="6858000" type="screen4x3"/>
   <p:notesSz cx="6858000" cy="9144000"/>
@@ -201,7 +204,7 @@
           <a:p>
             <a:fld id="{3C5C1F87-A553-D54A-8D92-982D0D8B1973}" type="datetime1">
               <a:rPr lang="de-DE" smtClean="0"/>
-              <a:t>30.07.15</a:t>
+              <a:t>02.08.15</a:t>
             </a:fld>
             <a:endParaRPr lang="de-DE"/>
           </a:p>
@@ -367,7 +370,7 @@
           <a:p>
             <a:fld id="{5EBEB032-4C8F-D14A-8C9D-7EF290BC175F}" type="datetime1">
               <a:rPr lang="de-DE" smtClean="0"/>
-              <a:t>30.07.15</a:t>
+              <a:t>02.08.15</a:t>
             </a:fld>
             <a:endParaRPr lang="de-DE"/>
           </a:p>
@@ -1140,6 +1143,258 @@
 </p:notes>
 </file>
 
+<file path=ppt/notesSlides/notesSlide7.xml><?xml version="1.0" encoding="utf-8"?>
+<p:notes xmlns:a="http://schemas.openxmlformats.org/drawingml/2006/main" xmlns:r="http://schemas.openxmlformats.org/officeDocument/2006/relationships" xmlns:p="http://schemas.openxmlformats.org/presentationml/2006/main">
+  <p:cSld>
+    <p:spTree>
+      <p:nvGrpSpPr>
+        <p:cNvPr id="1" name=""/>
+        <p:cNvGrpSpPr/>
+        <p:nvPr/>
+      </p:nvGrpSpPr>
+      <p:grpSpPr>
+        <a:xfrm>
+          <a:off x="0" y="0"/>
+          <a:ext cx="0" cy="0"/>
+          <a:chOff x="0" y="0"/>
+          <a:chExt cx="0" cy="0"/>
+        </a:xfrm>
+      </p:grpSpPr>
+      <p:sp>
+        <p:nvSpPr>
+          <p:cNvPr id="2" name="Folienbildplatzhalter 1"/>
+          <p:cNvSpPr>
+            <a:spLocks noGrp="1" noRot="1" noChangeAspect="1"/>
+          </p:cNvSpPr>
+          <p:nvPr>
+            <p:ph type="sldImg"/>
+          </p:nvPr>
+        </p:nvSpPr>
+        <p:spPr/>
+      </p:sp>
+      <p:sp>
+        <p:nvSpPr>
+          <p:cNvPr id="3" name="Notizenplatzhalter 2"/>
+          <p:cNvSpPr>
+            <a:spLocks noGrp="1"/>
+          </p:cNvSpPr>
+          <p:nvPr>
+            <p:ph type="body" idx="1"/>
+          </p:nvPr>
+        </p:nvSpPr>
+        <p:spPr/>
+        <p:txBody>
+          <a:bodyPr/>
+          <a:lstStyle/>
+          <a:p>
+            <a:endParaRPr lang="de-DE"/>
+          </a:p>
+        </p:txBody>
+      </p:sp>
+      <p:sp>
+        <p:nvSpPr>
+          <p:cNvPr id="4" name="Foliennummernplatzhalter 3"/>
+          <p:cNvSpPr>
+            <a:spLocks noGrp="1"/>
+          </p:cNvSpPr>
+          <p:nvPr>
+            <p:ph type="sldNum" sz="quarter" idx="10"/>
+          </p:nvPr>
+        </p:nvSpPr>
+        <p:spPr/>
+        <p:txBody>
+          <a:bodyPr/>
+          <a:lstStyle/>
+          <a:p>
+            <a:fld id="{3C8D0F26-E54A-6B4C-9639-65B577CA5DAC}" type="slidenum">
+              <a:rPr lang="de-DE" smtClean="0"/>
+              <a:t>8</a:t>
+            </a:fld>
+            <a:endParaRPr lang="de-DE"/>
+          </a:p>
+        </p:txBody>
+      </p:sp>
+    </p:spTree>
+    <p:extLst>
+      <p:ext uri="{BB962C8B-B14F-4D97-AF65-F5344CB8AC3E}">
+        <p14:creationId xmlns:p14="http://schemas.microsoft.com/office/powerpoint/2010/main" val="2472944022"/>
+      </p:ext>
+    </p:extLst>
+  </p:cSld>
+  <p:clrMapOvr>
+    <a:masterClrMapping/>
+  </p:clrMapOvr>
+</p:notes>
+</file>
+
+<file path=ppt/notesSlides/notesSlide8.xml><?xml version="1.0" encoding="utf-8"?>
+<p:notes xmlns:a="http://schemas.openxmlformats.org/drawingml/2006/main" xmlns:r="http://schemas.openxmlformats.org/officeDocument/2006/relationships" xmlns:p="http://schemas.openxmlformats.org/presentationml/2006/main">
+  <p:cSld>
+    <p:spTree>
+      <p:nvGrpSpPr>
+        <p:cNvPr id="1" name=""/>
+        <p:cNvGrpSpPr/>
+        <p:nvPr/>
+      </p:nvGrpSpPr>
+      <p:grpSpPr>
+        <a:xfrm>
+          <a:off x="0" y="0"/>
+          <a:ext cx="0" cy="0"/>
+          <a:chOff x="0" y="0"/>
+          <a:chExt cx="0" cy="0"/>
+        </a:xfrm>
+      </p:grpSpPr>
+      <p:sp>
+        <p:nvSpPr>
+          <p:cNvPr id="2" name="Folienbildplatzhalter 1"/>
+          <p:cNvSpPr>
+            <a:spLocks noGrp="1" noRot="1" noChangeAspect="1"/>
+          </p:cNvSpPr>
+          <p:nvPr>
+            <p:ph type="sldImg"/>
+          </p:nvPr>
+        </p:nvSpPr>
+        <p:spPr/>
+      </p:sp>
+      <p:sp>
+        <p:nvSpPr>
+          <p:cNvPr id="3" name="Notizenplatzhalter 2"/>
+          <p:cNvSpPr>
+            <a:spLocks noGrp="1"/>
+          </p:cNvSpPr>
+          <p:nvPr>
+            <p:ph type="body" idx="1"/>
+          </p:nvPr>
+        </p:nvSpPr>
+        <p:spPr/>
+        <p:txBody>
+          <a:bodyPr/>
+          <a:lstStyle/>
+          <a:p>
+            <a:endParaRPr lang="de-DE"/>
+          </a:p>
+        </p:txBody>
+      </p:sp>
+      <p:sp>
+        <p:nvSpPr>
+          <p:cNvPr id="4" name="Foliennummernplatzhalter 3"/>
+          <p:cNvSpPr>
+            <a:spLocks noGrp="1"/>
+          </p:cNvSpPr>
+          <p:nvPr>
+            <p:ph type="sldNum" sz="quarter" idx="10"/>
+          </p:nvPr>
+        </p:nvSpPr>
+        <p:spPr/>
+        <p:txBody>
+          <a:bodyPr/>
+          <a:lstStyle/>
+          <a:p>
+            <a:fld id="{3C8D0F26-E54A-6B4C-9639-65B577CA5DAC}" type="slidenum">
+              <a:rPr lang="de-DE" smtClean="0"/>
+              <a:t>9</a:t>
+            </a:fld>
+            <a:endParaRPr lang="de-DE"/>
+          </a:p>
+        </p:txBody>
+      </p:sp>
+    </p:spTree>
+    <p:extLst>
+      <p:ext uri="{BB962C8B-B14F-4D97-AF65-F5344CB8AC3E}">
+        <p14:creationId xmlns:p14="http://schemas.microsoft.com/office/powerpoint/2010/main" val="2472944022"/>
+      </p:ext>
+    </p:extLst>
+  </p:cSld>
+  <p:clrMapOvr>
+    <a:masterClrMapping/>
+  </p:clrMapOvr>
+</p:notes>
+</file>
+
+<file path=ppt/notesSlides/notesSlide9.xml><?xml version="1.0" encoding="utf-8"?>
+<p:notes xmlns:a="http://schemas.openxmlformats.org/drawingml/2006/main" xmlns:r="http://schemas.openxmlformats.org/officeDocument/2006/relationships" xmlns:p="http://schemas.openxmlformats.org/presentationml/2006/main">
+  <p:cSld>
+    <p:spTree>
+      <p:nvGrpSpPr>
+        <p:cNvPr id="1" name=""/>
+        <p:cNvGrpSpPr/>
+        <p:nvPr/>
+      </p:nvGrpSpPr>
+      <p:grpSpPr>
+        <a:xfrm>
+          <a:off x="0" y="0"/>
+          <a:ext cx="0" cy="0"/>
+          <a:chOff x="0" y="0"/>
+          <a:chExt cx="0" cy="0"/>
+        </a:xfrm>
+      </p:grpSpPr>
+      <p:sp>
+        <p:nvSpPr>
+          <p:cNvPr id="2" name="Folienbildplatzhalter 1"/>
+          <p:cNvSpPr>
+            <a:spLocks noGrp="1" noRot="1" noChangeAspect="1"/>
+          </p:cNvSpPr>
+          <p:nvPr>
+            <p:ph type="sldImg"/>
+          </p:nvPr>
+        </p:nvSpPr>
+        <p:spPr/>
+      </p:sp>
+      <p:sp>
+        <p:nvSpPr>
+          <p:cNvPr id="3" name="Notizenplatzhalter 2"/>
+          <p:cNvSpPr>
+            <a:spLocks noGrp="1"/>
+          </p:cNvSpPr>
+          <p:nvPr>
+            <p:ph type="body" idx="1"/>
+          </p:nvPr>
+        </p:nvSpPr>
+        <p:spPr/>
+        <p:txBody>
+          <a:bodyPr/>
+          <a:lstStyle/>
+          <a:p>
+            <a:endParaRPr lang="de-DE"/>
+          </a:p>
+        </p:txBody>
+      </p:sp>
+      <p:sp>
+        <p:nvSpPr>
+          <p:cNvPr id="4" name="Foliennummernplatzhalter 3"/>
+          <p:cNvSpPr>
+            <a:spLocks noGrp="1"/>
+          </p:cNvSpPr>
+          <p:nvPr>
+            <p:ph type="sldNum" sz="quarter" idx="10"/>
+          </p:nvPr>
+        </p:nvSpPr>
+        <p:spPr/>
+        <p:txBody>
+          <a:bodyPr/>
+          <a:lstStyle/>
+          <a:p>
+            <a:fld id="{3C8D0F26-E54A-6B4C-9639-65B577CA5DAC}" type="slidenum">
+              <a:rPr lang="de-DE" smtClean="0"/>
+              <a:t>10</a:t>
+            </a:fld>
+            <a:endParaRPr lang="de-DE"/>
+          </a:p>
+        </p:txBody>
+      </p:sp>
+    </p:spTree>
+    <p:extLst>
+      <p:ext uri="{BB962C8B-B14F-4D97-AF65-F5344CB8AC3E}">
+        <p14:creationId xmlns:p14="http://schemas.microsoft.com/office/powerpoint/2010/main" val="2472944022"/>
+      </p:ext>
+    </p:extLst>
+  </p:cSld>
+  <p:clrMapOvr>
+    <a:masterClrMapping/>
+  </p:clrMapOvr>
+</p:notes>
+</file>
+
 <file path=ppt/slideLayouts/slideLayout1.xml><?xml version="1.0" encoding="utf-8"?>
 <p:sldLayout xmlns:a="http://schemas.openxmlformats.org/drawingml/2006/main" xmlns:r="http://schemas.openxmlformats.org/officeDocument/2006/relationships" xmlns:p="http://schemas.openxmlformats.org/presentationml/2006/main" type="title" preserve="1">
   <p:cSld name="Titelfolie">
@@ -1321,7 +1576,7 @@
           <a:p>
             <a:fld id="{1C409EFA-92D1-2F45-84E5-8C09624895D8}" type="datetime1">
               <a:rPr lang="de-DE" smtClean="0"/>
-              <a:t>30.07.15</a:t>
+              <a:t>02.08.15</a:t>
             </a:fld>
             <a:endParaRPr lang="de-DE"/>
           </a:p>
@@ -1491,7 +1746,7 @@
           <a:p>
             <a:fld id="{CC9C6B11-0577-8246-A3BA-B300B0F499A5}" type="datetime1">
               <a:rPr lang="de-DE" smtClean="0"/>
-              <a:t>30.07.15</a:t>
+              <a:t>02.08.15</a:t>
             </a:fld>
             <a:endParaRPr lang="de-DE"/>
           </a:p>
@@ -1671,7 +1926,7 @@
           <a:p>
             <a:fld id="{6902ABF9-E8A2-8E4D-B50D-9137CB1F6782}" type="datetime1">
               <a:rPr lang="de-DE" smtClean="0"/>
-              <a:t>30.07.15</a:t>
+              <a:t>02.08.15</a:t>
             </a:fld>
             <a:endParaRPr lang="de-DE"/>
           </a:p>
@@ -1841,7 +2096,7 @@
           <a:p>
             <a:fld id="{A2C708EA-969E-8C41-86B2-F6AEDE275753}" type="datetime1">
               <a:rPr lang="de-DE" smtClean="0"/>
-              <a:t>30.07.15</a:t>
+              <a:t>02.08.15</a:t>
             </a:fld>
             <a:endParaRPr lang="de-DE"/>
           </a:p>
@@ -2087,7 +2342,7 @@
           <a:p>
             <a:fld id="{AEAE3140-3677-294F-BB1A-0172ED5847FC}" type="datetime1">
               <a:rPr lang="de-DE" smtClean="0"/>
-              <a:t>30.07.15</a:t>
+              <a:t>02.08.15</a:t>
             </a:fld>
             <a:endParaRPr lang="de-DE"/>
           </a:p>
@@ -2375,7 +2630,7 @@
           <a:p>
             <a:fld id="{1ACAACC3-F3C9-824E-B495-1FDE64EF99BD}" type="datetime1">
               <a:rPr lang="de-DE" smtClean="0"/>
-              <a:t>30.07.15</a:t>
+              <a:t>02.08.15</a:t>
             </a:fld>
             <a:endParaRPr lang="de-DE"/>
           </a:p>
@@ -2797,7 +3052,7 @@
           <a:p>
             <a:fld id="{71DB1126-796D-D447-B9E8-151D005B0148}" type="datetime1">
               <a:rPr lang="de-DE" smtClean="0"/>
-              <a:t>30.07.15</a:t>
+              <a:t>02.08.15</a:t>
             </a:fld>
             <a:endParaRPr lang="de-DE"/>
           </a:p>
@@ -2915,7 +3170,7 @@
           <a:p>
             <a:fld id="{4CF1641E-36A7-7A48-BECA-119086F567EF}" type="datetime1">
               <a:rPr lang="de-DE" smtClean="0"/>
-              <a:t>30.07.15</a:t>
+              <a:t>02.08.15</a:t>
             </a:fld>
             <a:endParaRPr lang="de-DE"/>
           </a:p>
@@ -3010,7 +3265,7 @@
           <a:p>
             <a:fld id="{35F65FC4-9A5E-7749-B2FE-88A153ECB593}" type="datetime1">
               <a:rPr lang="de-DE" smtClean="0"/>
-              <a:t>30.07.15</a:t>
+              <a:t>02.08.15</a:t>
             </a:fld>
             <a:endParaRPr lang="de-DE"/>
           </a:p>
@@ -3287,7 +3542,7 @@
           <a:p>
             <a:fld id="{B03973DD-0E77-DA46-B1C6-B169DCECB667}" type="datetime1">
               <a:rPr lang="de-DE" smtClean="0"/>
-              <a:t>30.07.15</a:t>
+              <a:t>02.08.15</a:t>
             </a:fld>
             <a:endParaRPr lang="de-DE"/>
           </a:p>
@@ -3540,7 +3795,7 @@
           <a:p>
             <a:fld id="{FDA4983A-5DE4-D64A-9ECF-D3D9C6C15267}" type="datetime1">
               <a:rPr lang="de-DE" smtClean="0"/>
-              <a:t>30.07.15</a:t>
+              <a:t>02.08.15</a:t>
             </a:fld>
             <a:endParaRPr lang="de-DE"/>
           </a:p>
@@ -3605,9 +3860,12 @@
 <p:sldMaster xmlns:a="http://schemas.openxmlformats.org/drawingml/2006/main" xmlns:r="http://schemas.openxmlformats.org/officeDocument/2006/relationships" xmlns:p="http://schemas.openxmlformats.org/presentationml/2006/main">
   <p:cSld>
     <p:bg>
-      <p:bgRef idx="1001">
-        <a:schemeClr val="bg1"/>
-      </p:bgRef>
+      <p:bgPr>
+        <a:solidFill>
+          <a:srgbClr val="F4F4F4"/>
+        </a:solidFill>
+        <a:effectLst/>
+      </p:bgPr>
     </p:bg>
     <p:spTree>
       <p:nvGrpSpPr>
@@ -3753,7 +4011,7 @@
           <a:p>
             <a:fld id="{999BCF29-3F8F-2D4D-85F8-AC23766BD627}" type="datetime1">
               <a:rPr lang="de-DE" smtClean="0"/>
-              <a:t>30.07.15</a:t>
+              <a:t>02.08.15</a:t>
             </a:fld>
             <a:endParaRPr lang="de-DE"/>
           </a:p>
@@ -4115,14 +4373,6 @@
 <file path=ppt/slides/slide1.xml><?xml version="1.0" encoding="utf-8"?>
 <p:sld xmlns:a="http://schemas.openxmlformats.org/drawingml/2006/main" xmlns:r="http://schemas.openxmlformats.org/officeDocument/2006/relationships" xmlns:p="http://schemas.openxmlformats.org/presentationml/2006/main">
   <p:cSld>
-    <p:bg>
-      <p:bgPr>
-        <a:solidFill>
-          <a:srgbClr val="F4F4F4"/>
-        </a:solidFill>
-        <a:effectLst/>
-      </p:bgPr>
-    </p:bg>
     <p:spTree>
       <p:nvGrpSpPr>
         <p:cNvPr id="1" name=""/>
@@ -4206,7 +4456,7 @@
           <p:nvPr>
             <p:extLst>
               <p:ext uri="{D42A27DB-BD31-4B8C-83A1-F6EECF244321}">
-                <p14:modId xmlns:p14="http://schemas.microsoft.com/office/powerpoint/2010/main" val="3588683580"/>
+                <p14:modId xmlns:p14="http://schemas.microsoft.com/office/powerpoint/2010/main" val="2790631427"/>
               </p:ext>
             </p:extLst>
           </p:nvPr>
@@ -4219,12 +4469,12 @@
           <a:graphicData uri="http://schemas.openxmlformats.org/presentationml/2006/ole">
             <mc:AlternateContent xmlns:mc="http://schemas.openxmlformats.org/markup-compatibility/2006">
               <mc:Choice xmlns:v="urn:schemas-microsoft-com:vml" Requires="v">
-                <p:oleObj spid="_x0000_s1030" name="Dokument" r:id="rId6" imgW="6134100" imgH="2438400" progId="Word.Document.12">
+                <p:oleObj spid="_x0000_s1035" name="Dokument" r:id="rId5" imgW="6134100" imgH="2438400" progId="Word.Document.12">
                   <p:embed/>
                 </p:oleObj>
               </mc:Choice>
               <mc:Fallback>
-                <p:oleObj name="Dokument" r:id="rId6" imgW="6134100" imgH="2438400" progId="Word.Document.12">
+                <p:oleObj name="Dokument" r:id="rId5" imgW="6134100" imgH="2438400" progId="Word.Document.12">
                   <p:embed/>
                   <p:pic>
                     <p:nvPicPr>
@@ -4233,7 +4483,7 @@
                       <p:nvPr/>
                     </p:nvPicPr>
                     <p:blipFill>
-                      <a:blip r:embed="rId7"/>
+                      <a:blip r:embed="rId6"/>
                       <a:stretch>
                         <a:fillRect/>
                       </a:stretch>
@@ -4264,20 +4514,19 @@
   <p:clrMapOvr>
     <a:masterClrMapping/>
   </p:clrMapOvr>
+  <p:timing>
+    <p:tnLst>
+      <p:par>
+        <p:cTn xmlns:p14="http://schemas.microsoft.com/office/powerpoint/2010/main" id="1" dur="indefinite" restart="never" nodeType="tmRoot"/>
+      </p:par>
+    </p:tnLst>
+  </p:timing>
 </p:sld>
 </file>
 
-<file path=ppt/slides/slide2.xml><?xml version="1.0" encoding="utf-8"?>
+<file path=ppt/slides/slide10.xml><?xml version="1.0" encoding="utf-8"?>
 <p:sld xmlns:a="http://schemas.openxmlformats.org/drawingml/2006/main" xmlns:r="http://schemas.openxmlformats.org/officeDocument/2006/relationships" xmlns:p="http://schemas.openxmlformats.org/presentationml/2006/main">
   <p:cSld>
-    <p:bg>
-      <p:bgPr>
-        <a:solidFill>
-          <a:srgbClr val="F4F4F4"/>
-        </a:solidFill>
-        <a:effectLst/>
-      </p:bgPr>
-    </p:bg>
     <p:spTree>
       <p:nvGrpSpPr>
         <p:cNvPr id="1" name=""/>
@@ -4432,7 +4681,7 @@
                 <a:latin typeface="Helvetica"/>
                 <a:cs typeface="Helvetica"/>
               </a:rPr>
-              <a:t>2</a:t>
+              <a:t>10</a:t>
             </a:fld>
             <a:endParaRPr lang="de-DE" sz="1000" dirty="0">
               <a:latin typeface="Helvetica"/>
@@ -4468,7 +4717,7 @@
                 <a:latin typeface="Helvetica"/>
                 <a:cs typeface="Helvetica"/>
               </a:rPr>
-              <a:t>Gliederung</a:t>
+              <a:t>Zusammenfassung</a:t>
             </a:r>
             <a:endParaRPr lang="de-DE" sz="2800" dirty="0">
               <a:latin typeface="Helvetica"/>
@@ -4479,162 +4728,113 @@
       </p:sp>
       <p:sp>
         <p:nvSpPr>
-          <p:cNvPr id="13" name="Textfeld 12"/>
-          <p:cNvSpPr txBox="1"/>
-          <p:nvPr/>
-        </p:nvSpPr>
-        <p:spPr>
-          <a:xfrm>
-            <a:off x="214135" y="1838734"/>
-            <a:ext cx="8695409" cy="2954655"/>
-          </a:xfrm>
-          <a:prstGeom prst="rect">
-            <a:avLst/>
-          </a:prstGeom>
-          <a:noFill/>
-        </p:spPr>
-        <p:txBody>
-          <a:bodyPr wrap="square" rtlCol="0">
-            <a:spAutoFit/>
-          </a:bodyPr>
-          <a:lstStyle/>
-          <a:p>
-            <a:pPr marL="342900" indent="-342900">
-              <a:buFont typeface="+mj-lt"/>
-              <a:buAutoNum type="arabicPeriod"/>
+          <p:cNvPr id="6" name="Content Placeholder 5"/>
+          <p:cNvSpPr>
+            <a:spLocks noGrp="1"/>
+          </p:cNvSpPr>
+          <p:nvPr>
+            <p:ph idx="1"/>
+          </p:nvPr>
+        </p:nvSpPr>
+        <p:spPr/>
+        <p:txBody>
+          <a:bodyPr/>
+          <a:lstStyle/>
+          <a:p>
+            <a:r>
+              <a:rPr lang="en-US" dirty="0" err="1" smtClean="0"/>
+              <a:t>Erfahrungen</a:t>
+            </a:r>
+            <a:r>
+              <a:rPr lang="en-US" dirty="0" smtClean="0"/>
+              <a:t> </a:t>
+            </a:r>
+            <a:r>
+              <a:rPr lang="en-US" dirty="0" err="1" smtClean="0"/>
+              <a:t>sammeln</a:t>
+            </a:r>
+            <a:r>
+              <a:rPr lang="en-US" dirty="0" smtClean="0"/>
+              <a:t>:</a:t>
+            </a:r>
+          </a:p>
+          <a:p>
+            <a:pPr lvl="1"/>
+            <a:endParaRPr lang="en-US" dirty="0" smtClean="0"/>
+          </a:p>
+          <a:p>
+            <a:pPr lvl="1"/>
+            <a:r>
+              <a:rPr lang="en-US" dirty="0" err="1" smtClean="0"/>
+              <a:t>IntelliJ</a:t>
+            </a:r>
+            <a:endParaRPr lang="en-US" dirty="0" smtClean="0"/>
+          </a:p>
+          <a:p>
+            <a:pPr lvl="1"/>
+            <a:r>
+              <a:rPr lang="en-US" dirty="0" err="1" smtClean="0"/>
+              <a:t>Gradle</a:t>
+            </a:r>
+            <a:endParaRPr lang="en-US" dirty="0" smtClean="0"/>
+          </a:p>
+          <a:p>
+            <a:pPr lvl="1"/>
+            <a:r>
+              <a:rPr lang="en-US" dirty="0" smtClean="0"/>
+              <a:t>JSP</a:t>
+            </a:r>
+          </a:p>
+          <a:p>
+            <a:pPr lvl="1"/>
+            <a:r>
+              <a:rPr lang="en-US" dirty="0" smtClean="0"/>
+              <a:t>Hibernate</a:t>
+            </a:r>
+          </a:p>
+          <a:p>
+            <a:pPr lvl="1"/>
+            <a:r>
+              <a:rPr lang="en-US" dirty="0" err="1" smtClean="0"/>
+              <a:t>Datenbanken</a:t>
+            </a:r>
+            <a:endParaRPr lang="en-US" dirty="0" smtClean="0"/>
+          </a:p>
+          <a:p>
+            <a:pPr lvl="1"/>
+            <a:endParaRPr lang="en-US" dirty="0" smtClean="0"/>
+          </a:p>
+          <a:p>
+            <a:pPr marL="457200" lvl="1" indent="0">
+              <a:buNone/>
             </a:pPr>
-            <a:r>
-              <a:rPr lang="de-DE" sz="2400" dirty="0" smtClean="0">
-                <a:latin typeface="Helvetica"/>
-                <a:cs typeface="Helvetica"/>
-              </a:rPr>
-              <a:t>Anforderungen &amp; </a:t>
-            </a:r>
-            <a:r>
-              <a:rPr lang="de-DE" sz="2400" dirty="0" err="1" smtClean="0">
-                <a:latin typeface="Helvetica"/>
-                <a:cs typeface="Helvetica"/>
-              </a:rPr>
-              <a:t>Use</a:t>
-            </a:r>
-            <a:r>
-              <a:rPr lang="de-DE" sz="2400" dirty="0" smtClean="0">
-                <a:latin typeface="Helvetica"/>
-                <a:cs typeface="Helvetica"/>
-              </a:rPr>
-              <a:t> Cases</a:t>
-            </a:r>
-          </a:p>
-          <a:p>
-            <a:pPr marL="342900" indent="-342900">
-              <a:buFont typeface="+mj-lt"/>
-              <a:buAutoNum type="arabicPeriod"/>
-            </a:pPr>
-            <a:r>
-              <a:rPr lang="de-DE" sz="2400" dirty="0" smtClean="0">
-                <a:latin typeface="Helvetica"/>
-                <a:cs typeface="Helvetica"/>
-              </a:rPr>
-              <a:t>MySQL Datenbank</a:t>
-            </a:r>
-          </a:p>
-          <a:p>
-            <a:pPr marL="342900" indent="-342900">
-              <a:buFont typeface="+mj-lt"/>
-              <a:buAutoNum type="arabicPeriod"/>
-            </a:pPr>
-            <a:r>
-              <a:rPr lang="de-DE" sz="2400" dirty="0" smtClean="0">
-                <a:latin typeface="Helvetica"/>
-                <a:cs typeface="Helvetica"/>
-              </a:rPr>
-              <a:t>Entwicklungsumgebung</a:t>
-            </a:r>
-          </a:p>
-          <a:p>
-            <a:pPr marL="342900" indent="-342900">
-              <a:buFont typeface="+mj-lt"/>
-              <a:buAutoNum type="arabicPeriod"/>
-            </a:pPr>
-            <a:r>
-              <a:rPr lang="de-DE" sz="2400" dirty="0" smtClean="0">
-                <a:latin typeface="Helvetica"/>
-                <a:cs typeface="Helvetica"/>
-              </a:rPr>
-              <a:t>Bibliotheken &amp; Frameworks</a:t>
-            </a:r>
-          </a:p>
-          <a:p>
-            <a:pPr marL="342900" indent="-342900">
-              <a:buFont typeface="+mj-lt"/>
-              <a:buAutoNum type="arabicPeriod"/>
-            </a:pPr>
-            <a:r>
-              <a:rPr lang="de-DE" sz="2400" dirty="0" smtClean="0">
-                <a:latin typeface="Helvetica"/>
-                <a:cs typeface="Helvetica"/>
-              </a:rPr>
-              <a:t>Projektarchitektur</a:t>
-            </a:r>
-          </a:p>
-          <a:p>
-            <a:pPr marL="342900" indent="-342900">
-              <a:buFont typeface="+mj-lt"/>
-              <a:buAutoNum type="arabicPeriod"/>
-            </a:pPr>
-            <a:r>
-              <a:rPr lang="de-DE" sz="2400" dirty="0" smtClean="0">
-                <a:latin typeface="Helvetica"/>
-                <a:cs typeface="Helvetica"/>
-              </a:rPr>
-              <a:t>Live Demo</a:t>
-            </a:r>
-          </a:p>
-          <a:p>
-            <a:pPr marL="342900" indent="-342900">
-              <a:buFont typeface="+mj-lt"/>
-              <a:buAutoNum type="arabicPeriod"/>
-            </a:pPr>
-            <a:r>
-              <a:rPr lang="de-DE" sz="2400" dirty="0" smtClean="0">
-                <a:latin typeface="Helvetica"/>
-                <a:cs typeface="Helvetica"/>
-              </a:rPr>
-              <a:t>Zusammenfassung &amp; Fazit </a:t>
-            </a:r>
-          </a:p>
-          <a:p>
-            <a:endParaRPr lang="de-DE" dirty="0" smtClean="0">
-              <a:latin typeface="Helvetica"/>
-              <a:cs typeface="Helvetica"/>
-            </a:endParaRPr>
+            <a:endParaRPr lang="en-US" dirty="0"/>
           </a:p>
         </p:txBody>
       </p:sp>
     </p:spTree>
     <p:extLst>
       <p:ext uri="{BB962C8B-B14F-4D97-AF65-F5344CB8AC3E}">
-        <p14:creationId xmlns:p14="http://schemas.microsoft.com/office/powerpoint/2010/main" val="782267700"/>
+        <p14:creationId xmlns:p14="http://schemas.microsoft.com/office/powerpoint/2010/main" val="2821605111"/>
       </p:ext>
     </p:extLst>
   </p:cSld>
   <p:clrMapOvr>
     <a:masterClrMapping/>
   </p:clrMapOvr>
+  <p:timing>
+    <p:tnLst>
+      <p:par>
+        <p:cTn xmlns:p14="http://schemas.microsoft.com/office/powerpoint/2010/main" id="1" dur="indefinite" restart="never" nodeType="tmRoot"/>
+      </p:par>
+    </p:tnLst>
+  </p:timing>
 </p:sld>
 </file>
 
-<file path=ppt/slides/slide3.xml><?xml version="1.0" encoding="utf-8"?>
+<file path=ppt/slides/slide2.xml><?xml version="1.0" encoding="utf-8"?>
 <p:sld xmlns:a="http://schemas.openxmlformats.org/drawingml/2006/main" xmlns:r="http://schemas.openxmlformats.org/officeDocument/2006/relationships" xmlns:p="http://schemas.openxmlformats.org/presentationml/2006/main">
   <p:cSld>
-    <p:bg>
-      <p:bgPr>
-        <a:solidFill>
-          <a:srgbClr val="F4F4F4"/>
-        </a:solidFill>
-        <a:effectLst/>
-      </p:bgPr>
-    </p:bg>
     <p:spTree>
       <p:nvGrpSpPr>
         <p:cNvPr id="1" name=""/>
@@ -4789,6 +4989,362 @@
                 <a:latin typeface="Helvetica"/>
                 <a:cs typeface="Helvetica"/>
               </a:rPr>
+              <a:t>2</a:t>
+            </a:fld>
+            <a:endParaRPr lang="de-DE" sz="1000" dirty="0">
+              <a:latin typeface="Helvetica"/>
+              <a:cs typeface="Helvetica"/>
+            </a:endParaRPr>
+          </a:p>
+        </p:txBody>
+      </p:sp>
+      <p:sp>
+        <p:nvSpPr>
+          <p:cNvPr id="11" name="Textfeld 10"/>
+          <p:cNvSpPr txBox="1"/>
+          <p:nvPr/>
+        </p:nvSpPr>
+        <p:spPr>
+          <a:xfrm>
+            <a:off x="109136" y="215531"/>
+            <a:ext cx="5788821" cy="523220"/>
+          </a:xfrm>
+          <a:prstGeom prst="rect">
+            <a:avLst/>
+          </a:prstGeom>
+          <a:noFill/>
+        </p:spPr>
+        <p:txBody>
+          <a:bodyPr wrap="square" rtlCol="0">
+            <a:spAutoFit/>
+          </a:bodyPr>
+          <a:lstStyle/>
+          <a:p>
+            <a:r>
+              <a:rPr lang="de-DE" sz="2800" dirty="0" smtClean="0">
+                <a:latin typeface="Helvetica"/>
+                <a:cs typeface="Helvetica"/>
+              </a:rPr>
+              <a:t>Gliederung</a:t>
+            </a:r>
+            <a:endParaRPr lang="de-DE" sz="2800" dirty="0">
+              <a:latin typeface="Helvetica"/>
+              <a:cs typeface="Helvetica"/>
+            </a:endParaRPr>
+          </a:p>
+        </p:txBody>
+      </p:sp>
+      <p:sp>
+        <p:nvSpPr>
+          <p:cNvPr id="13" name="Textfeld 12"/>
+          <p:cNvSpPr txBox="1"/>
+          <p:nvPr/>
+        </p:nvSpPr>
+        <p:spPr>
+          <a:xfrm>
+            <a:off x="214135" y="1838734"/>
+            <a:ext cx="8695409" cy="2954655"/>
+          </a:xfrm>
+          <a:prstGeom prst="rect">
+            <a:avLst/>
+          </a:prstGeom>
+          <a:noFill/>
+        </p:spPr>
+        <p:txBody>
+          <a:bodyPr wrap="square" rtlCol="0">
+            <a:spAutoFit/>
+          </a:bodyPr>
+          <a:lstStyle/>
+          <a:p>
+            <a:pPr marL="342900" indent="-342900">
+              <a:buFont typeface="+mj-lt"/>
+              <a:buAutoNum type="arabicPeriod"/>
+            </a:pPr>
+            <a:r>
+              <a:rPr lang="de-DE" sz="2400" dirty="0" smtClean="0">
+                <a:latin typeface="Helvetica"/>
+                <a:cs typeface="Helvetica"/>
+              </a:rPr>
+              <a:t>Anforderungen &amp; </a:t>
+            </a:r>
+            <a:r>
+              <a:rPr lang="de-DE" sz="2400" dirty="0" err="1" smtClean="0">
+                <a:latin typeface="Helvetica"/>
+                <a:cs typeface="Helvetica"/>
+              </a:rPr>
+              <a:t>Use</a:t>
+            </a:r>
+            <a:r>
+              <a:rPr lang="de-DE" sz="2400" dirty="0" smtClean="0">
+                <a:latin typeface="Helvetica"/>
+                <a:cs typeface="Helvetica"/>
+              </a:rPr>
+              <a:t> Cases</a:t>
+            </a:r>
+          </a:p>
+          <a:p>
+            <a:pPr marL="342900" indent="-342900">
+              <a:buFont typeface="+mj-lt"/>
+              <a:buAutoNum type="arabicPeriod"/>
+            </a:pPr>
+            <a:r>
+              <a:rPr lang="de-DE" sz="2400" dirty="0" smtClean="0">
+                <a:latin typeface="Helvetica"/>
+                <a:cs typeface="Helvetica"/>
+              </a:rPr>
+              <a:t>MySQL Datenbank</a:t>
+            </a:r>
+          </a:p>
+          <a:p>
+            <a:pPr marL="342900" indent="-342900">
+              <a:buFont typeface="+mj-lt"/>
+              <a:buAutoNum type="arabicPeriod"/>
+            </a:pPr>
+            <a:r>
+              <a:rPr lang="de-DE" sz="2400" dirty="0" smtClean="0">
+                <a:latin typeface="Helvetica"/>
+                <a:cs typeface="Helvetica"/>
+              </a:rPr>
+              <a:t>Entwicklungsumgebung</a:t>
+            </a:r>
+          </a:p>
+          <a:p>
+            <a:pPr marL="342900" indent="-342900">
+              <a:buFont typeface="+mj-lt"/>
+              <a:buAutoNum type="arabicPeriod"/>
+            </a:pPr>
+            <a:r>
+              <a:rPr lang="de-DE" sz="2400" dirty="0" smtClean="0">
+                <a:latin typeface="Helvetica"/>
+                <a:cs typeface="Helvetica"/>
+              </a:rPr>
+              <a:t>Bibliotheken &amp; Frameworks</a:t>
+            </a:r>
+          </a:p>
+          <a:p>
+            <a:pPr marL="342900" indent="-342900">
+              <a:buFont typeface="+mj-lt"/>
+              <a:buAutoNum type="arabicPeriod"/>
+            </a:pPr>
+            <a:r>
+              <a:rPr lang="de-DE" sz="2400" dirty="0" smtClean="0">
+                <a:latin typeface="Helvetica"/>
+                <a:cs typeface="Helvetica"/>
+              </a:rPr>
+              <a:t>Projektarchitektur</a:t>
+            </a:r>
+          </a:p>
+          <a:p>
+            <a:pPr marL="342900" indent="-342900">
+              <a:buFont typeface="+mj-lt"/>
+              <a:buAutoNum type="arabicPeriod"/>
+            </a:pPr>
+            <a:r>
+              <a:rPr lang="de-DE" sz="2400" dirty="0" smtClean="0">
+                <a:latin typeface="Helvetica"/>
+                <a:cs typeface="Helvetica"/>
+              </a:rPr>
+              <a:t>Live Demo</a:t>
+            </a:r>
+          </a:p>
+          <a:p>
+            <a:pPr marL="342900" indent="-342900">
+              <a:buFont typeface="+mj-lt"/>
+              <a:buAutoNum type="arabicPeriod"/>
+            </a:pPr>
+            <a:r>
+              <a:rPr lang="de-DE" sz="2400" dirty="0" smtClean="0">
+                <a:latin typeface="Helvetica"/>
+                <a:cs typeface="Helvetica"/>
+              </a:rPr>
+              <a:t>Zusammenfassung &amp; Fazit </a:t>
+            </a:r>
+          </a:p>
+          <a:p>
+            <a:endParaRPr lang="de-DE" dirty="0" smtClean="0">
+              <a:latin typeface="Helvetica"/>
+              <a:cs typeface="Helvetica"/>
+            </a:endParaRPr>
+          </a:p>
+        </p:txBody>
+      </p:sp>
+    </p:spTree>
+    <p:extLst>
+      <p:ext uri="{BB962C8B-B14F-4D97-AF65-F5344CB8AC3E}">
+        <p14:creationId xmlns:p14="http://schemas.microsoft.com/office/powerpoint/2010/main" val="782267700"/>
+      </p:ext>
+    </p:extLst>
+  </p:cSld>
+  <p:clrMapOvr>
+    <a:masterClrMapping/>
+  </p:clrMapOvr>
+  <p:timing>
+    <p:tnLst>
+      <p:par>
+        <p:cTn xmlns:p14="http://schemas.microsoft.com/office/powerpoint/2010/main" id="1" dur="indefinite" restart="never" nodeType="tmRoot"/>
+      </p:par>
+    </p:tnLst>
+  </p:timing>
+</p:sld>
+</file>
+
+<file path=ppt/slides/slide3.xml><?xml version="1.0" encoding="utf-8"?>
+<p:sld xmlns:a="http://schemas.openxmlformats.org/drawingml/2006/main" xmlns:r="http://schemas.openxmlformats.org/officeDocument/2006/relationships" xmlns:p="http://schemas.openxmlformats.org/presentationml/2006/main">
+  <p:cSld>
+    <p:spTree>
+      <p:nvGrpSpPr>
+        <p:cNvPr id="1" name=""/>
+        <p:cNvGrpSpPr/>
+        <p:nvPr/>
+      </p:nvGrpSpPr>
+      <p:grpSpPr>
+        <a:xfrm>
+          <a:off x="0" y="0"/>
+          <a:ext cx="0" cy="0"/>
+          <a:chOff x="0" y="0"/>
+          <a:chExt cx="0" cy="0"/>
+        </a:xfrm>
+      </p:grpSpPr>
+      <p:sp>
+        <p:nvSpPr>
+          <p:cNvPr id="10" name="Textfeld 9"/>
+          <p:cNvSpPr txBox="1"/>
+          <p:nvPr/>
+        </p:nvSpPr>
+        <p:spPr>
+          <a:xfrm>
+            <a:off x="4561840" y="5252720"/>
+            <a:ext cx="184666" cy="369332"/>
+          </a:xfrm>
+          <a:prstGeom prst="rect">
+            <a:avLst/>
+          </a:prstGeom>
+          <a:noFill/>
+        </p:spPr>
+        <p:txBody>
+          <a:bodyPr wrap="none" rtlCol="0">
+            <a:spAutoFit/>
+          </a:bodyPr>
+          <a:lstStyle/>
+          <a:p>
+            <a:endParaRPr lang="de-DE" dirty="0"/>
+          </a:p>
+        </p:txBody>
+      </p:sp>
+      <p:pic>
+        <p:nvPicPr>
+          <p:cNvPr id="2" name="Bild 1" descr="logoDatenbankMitHSB.png"/>
+          <p:cNvPicPr>
+            <a:picLocks noChangeAspect="1"/>
+          </p:cNvPicPr>
+          <p:nvPr/>
+        </p:nvPicPr>
+        <p:blipFill>
+          <a:blip r:embed="rId3">
+            <a:extLst>
+              <a:ext uri="{28A0092B-C50C-407E-A947-70E740481C1C}">
+                <a14:useLocalDpi xmlns:a14="http://schemas.microsoft.com/office/drawing/2010/main" val="0"/>
+              </a:ext>
+            </a:extLst>
+          </a:blip>
+          <a:stretch>
+            <a:fillRect/>
+          </a:stretch>
+        </p:blipFill>
+        <p:spPr>
+          <a:xfrm>
+            <a:off x="6419279" y="215531"/>
+            <a:ext cx="2526288" cy="757233"/>
+          </a:xfrm>
+          <a:prstGeom prst="rect">
+            <a:avLst/>
+          </a:prstGeom>
+        </p:spPr>
+      </p:pic>
+      <p:sp>
+        <p:nvSpPr>
+          <p:cNvPr id="3" name="Textfeld 2"/>
+          <p:cNvSpPr txBox="1"/>
+          <p:nvPr/>
+        </p:nvSpPr>
+        <p:spPr>
+          <a:xfrm>
+            <a:off x="109137" y="6518200"/>
+            <a:ext cx="5050097" cy="246221"/>
+          </a:xfrm>
+          <a:prstGeom prst="rect">
+            <a:avLst/>
+          </a:prstGeom>
+          <a:noFill/>
+        </p:spPr>
+        <p:txBody>
+          <a:bodyPr wrap="square" rtlCol="0">
+            <a:spAutoFit/>
+          </a:bodyPr>
+          <a:lstStyle/>
+          <a:p>
+            <a:r>
+              <a:rPr lang="de-DE" sz="1000" dirty="0" smtClean="0">
+                <a:latin typeface="Helvetica"/>
+                <a:cs typeface="Helvetica"/>
+              </a:rPr>
+              <a:t>Datenbankbasierte Web-Anwendungen (</a:t>
+            </a:r>
+            <a:r>
+              <a:rPr lang="de-DE" sz="1000" dirty="0" err="1" smtClean="0">
+                <a:latin typeface="Helvetica"/>
+                <a:cs typeface="Helvetica"/>
+              </a:rPr>
+              <a:t>SoSe</a:t>
+            </a:r>
+            <a:r>
+              <a:rPr lang="de-DE" sz="1000" dirty="0" smtClean="0">
+                <a:latin typeface="Helvetica"/>
+                <a:cs typeface="Helvetica"/>
+              </a:rPr>
+              <a:t> 15)			Gruppe 09</a:t>
+            </a:r>
+            <a:endParaRPr lang="de-DE" sz="1000" dirty="0">
+              <a:latin typeface="Helvetica"/>
+              <a:cs typeface="Helvetica"/>
+            </a:endParaRPr>
+          </a:p>
+        </p:txBody>
+      </p:sp>
+      <p:sp>
+        <p:nvSpPr>
+          <p:cNvPr id="8" name="Textfeld 7"/>
+          <p:cNvSpPr txBox="1"/>
+          <p:nvPr/>
+        </p:nvSpPr>
+        <p:spPr>
+          <a:xfrm>
+            <a:off x="8375993" y="6518200"/>
+            <a:ext cx="569574" cy="246221"/>
+          </a:xfrm>
+          <a:prstGeom prst="rect">
+            <a:avLst/>
+          </a:prstGeom>
+          <a:noFill/>
+        </p:spPr>
+        <p:txBody>
+          <a:bodyPr wrap="none" rtlCol="0">
+            <a:spAutoFit/>
+          </a:bodyPr>
+          <a:lstStyle/>
+          <a:p>
+            <a:r>
+              <a:rPr lang="de-DE" sz="1000" dirty="0" smtClean="0">
+                <a:latin typeface="Helvetica"/>
+                <a:cs typeface="Helvetica"/>
+              </a:rPr>
+              <a:t>Folie </a:t>
+            </a:r>
+            <a:fld id="{80772B1C-95EE-FF4C-9138-2FEA01DFD2C9}" type="slidenum">
+              <a:rPr lang="de-DE" sz="1000" smtClean="0">
+                <a:latin typeface="Helvetica"/>
+                <a:cs typeface="Helvetica"/>
+              </a:rPr>
               <a:t>3</a:t>
             </a:fld>
             <a:endParaRPr lang="de-DE" sz="1000" dirty="0">
@@ -4825,7 +5381,1114 @@
                 <a:latin typeface="Helvetica"/>
                 <a:cs typeface="Helvetica"/>
               </a:rPr>
-              <a:t>5. Projektarchitektur</a:t>
+              <a:t>Anforderungen</a:t>
+            </a:r>
+            <a:endParaRPr lang="de-DE" sz="2800" dirty="0">
+              <a:latin typeface="Helvetica"/>
+              <a:cs typeface="Helvetica"/>
+            </a:endParaRPr>
+          </a:p>
+        </p:txBody>
+      </p:sp>
+      <p:sp>
+        <p:nvSpPr>
+          <p:cNvPr id="13" name="Textfeld 12"/>
+          <p:cNvSpPr txBox="1"/>
+          <p:nvPr/>
+        </p:nvSpPr>
+        <p:spPr>
+          <a:xfrm>
+            <a:off x="250158" y="1800246"/>
+            <a:ext cx="8695409" cy="2308324"/>
+          </a:xfrm>
+          <a:prstGeom prst="rect">
+            <a:avLst/>
+          </a:prstGeom>
+          <a:noFill/>
+        </p:spPr>
+        <p:txBody>
+          <a:bodyPr wrap="square" rtlCol="0">
+            <a:spAutoFit/>
+          </a:bodyPr>
+          <a:lstStyle/>
+          <a:p>
+            <a:pPr marL="285750" indent="-285750">
+              <a:buFont typeface="Arial"/>
+              <a:buChar char="•"/>
+            </a:pPr>
+            <a:r>
+              <a:rPr lang="de-DE" sz="2400" dirty="0" smtClean="0">
+                <a:latin typeface="Helvetica"/>
+                <a:cs typeface="Helvetica"/>
+              </a:rPr>
+              <a:t>Serverseitige Webanwendung</a:t>
+            </a:r>
+          </a:p>
+          <a:p>
+            <a:pPr marL="285750" indent="-285750">
+              <a:buFont typeface="Arial"/>
+              <a:buChar char="•"/>
+            </a:pPr>
+            <a:r>
+              <a:rPr lang="de-DE" sz="2400" dirty="0" smtClean="0">
+                <a:latin typeface="Helvetica"/>
+                <a:cs typeface="Helvetica"/>
+              </a:rPr>
+              <a:t>Autovermietung</a:t>
+            </a:r>
+          </a:p>
+          <a:p>
+            <a:pPr marL="285750" indent="-285750">
+              <a:buFont typeface="Arial"/>
+              <a:buChar char="•"/>
+            </a:pPr>
+            <a:r>
+              <a:rPr lang="de-DE" sz="2400" dirty="0" smtClean="0">
+                <a:latin typeface="Helvetica"/>
+                <a:cs typeface="Helvetica"/>
+              </a:rPr>
+              <a:t>Relationalen Datenbank</a:t>
+            </a:r>
+            <a:endParaRPr lang="de-DE" sz="2400" dirty="0">
+              <a:latin typeface="Helvetica"/>
+              <a:cs typeface="Helvetica"/>
+            </a:endParaRPr>
+          </a:p>
+          <a:p>
+            <a:pPr marL="285750" indent="-285750">
+              <a:buFont typeface="Arial"/>
+              <a:buChar char="•"/>
+            </a:pPr>
+            <a:r>
+              <a:rPr lang="de-DE" sz="2400" dirty="0" smtClean="0">
+                <a:latin typeface="Helvetica"/>
+                <a:cs typeface="Helvetica"/>
+              </a:rPr>
+              <a:t>DBMS </a:t>
+            </a:r>
+            <a:r>
+              <a:rPr lang="de-DE" sz="2400" dirty="0" smtClean="0">
+                <a:latin typeface="Helvetica"/>
+                <a:cs typeface="Helvetica"/>
+                <a:sym typeface="Wingdings"/>
+              </a:rPr>
+              <a:t> </a:t>
+            </a:r>
+            <a:r>
+              <a:rPr lang="de-DE" sz="2400" dirty="0" smtClean="0">
+                <a:latin typeface="Helvetica"/>
+                <a:cs typeface="Helvetica"/>
+              </a:rPr>
+              <a:t>MySQL</a:t>
+            </a:r>
+          </a:p>
+          <a:p>
+            <a:pPr marL="285750" indent="-285750">
+              <a:buFont typeface="Arial"/>
+              <a:buChar char="•"/>
+            </a:pPr>
+            <a:r>
+              <a:rPr lang="de-DE" sz="2400" dirty="0" smtClean="0">
+                <a:latin typeface="Helvetica"/>
+                <a:cs typeface="Helvetica"/>
+              </a:rPr>
+              <a:t>Logik </a:t>
+            </a:r>
+            <a:r>
+              <a:rPr lang="de-DE" sz="2400" dirty="0" smtClean="0">
+                <a:latin typeface="Helvetica"/>
+                <a:cs typeface="Helvetica"/>
+                <a:sym typeface="Wingdings"/>
+              </a:rPr>
+              <a:t> Java</a:t>
+            </a:r>
+          </a:p>
+          <a:p>
+            <a:pPr marL="285750" indent="-285750">
+              <a:buFont typeface="Arial"/>
+              <a:buChar char="•"/>
+            </a:pPr>
+            <a:r>
+              <a:rPr lang="de-DE" sz="2400" dirty="0" smtClean="0">
+                <a:latin typeface="Helvetica"/>
+                <a:cs typeface="Helvetica"/>
+                <a:sym typeface="Wingdings"/>
+              </a:rPr>
+              <a:t>Frontend  JSP mit Bootstrap</a:t>
+            </a:r>
+          </a:p>
+        </p:txBody>
+      </p:sp>
+    </p:spTree>
+    <p:extLst>
+      <p:ext uri="{BB962C8B-B14F-4D97-AF65-F5344CB8AC3E}">
+        <p14:creationId xmlns:p14="http://schemas.microsoft.com/office/powerpoint/2010/main" val="1332396976"/>
+      </p:ext>
+    </p:extLst>
+  </p:cSld>
+  <p:clrMapOvr>
+    <a:masterClrMapping/>
+  </p:clrMapOvr>
+  <p:timing>
+    <p:tnLst>
+      <p:par>
+        <p:cTn xmlns:p14="http://schemas.microsoft.com/office/powerpoint/2010/main" id="1" dur="indefinite" restart="never" nodeType="tmRoot"/>
+      </p:par>
+    </p:tnLst>
+  </p:timing>
+</p:sld>
+</file>
+
+<file path=ppt/slides/slide4.xml><?xml version="1.0" encoding="utf-8"?>
+<p:sld xmlns:a="http://schemas.openxmlformats.org/drawingml/2006/main" xmlns:r="http://schemas.openxmlformats.org/officeDocument/2006/relationships" xmlns:p="http://schemas.openxmlformats.org/presentationml/2006/main">
+  <p:cSld>
+    <p:spTree>
+      <p:nvGrpSpPr>
+        <p:cNvPr id="1" name=""/>
+        <p:cNvGrpSpPr/>
+        <p:nvPr/>
+      </p:nvGrpSpPr>
+      <p:grpSpPr>
+        <a:xfrm>
+          <a:off x="0" y="0"/>
+          <a:ext cx="0" cy="0"/>
+          <a:chOff x="0" y="0"/>
+          <a:chExt cx="0" cy="0"/>
+        </a:xfrm>
+      </p:grpSpPr>
+      <p:sp>
+        <p:nvSpPr>
+          <p:cNvPr id="10" name="Textfeld 9"/>
+          <p:cNvSpPr txBox="1"/>
+          <p:nvPr/>
+        </p:nvSpPr>
+        <p:spPr>
+          <a:xfrm>
+            <a:off x="4561840" y="5252720"/>
+            <a:ext cx="184666" cy="369332"/>
+          </a:xfrm>
+          <a:prstGeom prst="rect">
+            <a:avLst/>
+          </a:prstGeom>
+          <a:noFill/>
+        </p:spPr>
+        <p:txBody>
+          <a:bodyPr wrap="none" rtlCol="0">
+            <a:spAutoFit/>
+          </a:bodyPr>
+          <a:lstStyle/>
+          <a:p>
+            <a:endParaRPr lang="de-DE" dirty="0"/>
+          </a:p>
+        </p:txBody>
+      </p:sp>
+      <p:pic>
+        <p:nvPicPr>
+          <p:cNvPr id="2" name="Bild 1" descr="logoDatenbankMitHSB.png"/>
+          <p:cNvPicPr>
+            <a:picLocks noChangeAspect="1"/>
+          </p:cNvPicPr>
+          <p:nvPr/>
+        </p:nvPicPr>
+        <p:blipFill>
+          <a:blip r:embed="rId3">
+            <a:extLst>
+              <a:ext uri="{28A0092B-C50C-407E-A947-70E740481C1C}">
+                <a14:useLocalDpi xmlns:a14="http://schemas.microsoft.com/office/drawing/2010/main" val="0"/>
+              </a:ext>
+            </a:extLst>
+          </a:blip>
+          <a:stretch>
+            <a:fillRect/>
+          </a:stretch>
+        </p:blipFill>
+        <p:spPr>
+          <a:xfrm>
+            <a:off x="6419279" y="215531"/>
+            <a:ext cx="2526288" cy="757233"/>
+          </a:xfrm>
+          <a:prstGeom prst="rect">
+            <a:avLst/>
+          </a:prstGeom>
+        </p:spPr>
+      </p:pic>
+      <p:sp>
+        <p:nvSpPr>
+          <p:cNvPr id="3" name="Textfeld 2"/>
+          <p:cNvSpPr txBox="1"/>
+          <p:nvPr/>
+        </p:nvSpPr>
+        <p:spPr>
+          <a:xfrm>
+            <a:off x="109137" y="6518200"/>
+            <a:ext cx="5050097" cy="246221"/>
+          </a:xfrm>
+          <a:prstGeom prst="rect">
+            <a:avLst/>
+          </a:prstGeom>
+          <a:noFill/>
+        </p:spPr>
+        <p:txBody>
+          <a:bodyPr wrap="square" rtlCol="0">
+            <a:spAutoFit/>
+          </a:bodyPr>
+          <a:lstStyle/>
+          <a:p>
+            <a:r>
+              <a:rPr lang="de-DE" sz="1000" dirty="0" smtClean="0">
+                <a:latin typeface="Helvetica"/>
+                <a:cs typeface="Helvetica"/>
+              </a:rPr>
+              <a:t>Datenbankbasierte Web-Anwendungen (</a:t>
+            </a:r>
+            <a:r>
+              <a:rPr lang="de-DE" sz="1000" dirty="0" err="1" smtClean="0">
+                <a:latin typeface="Helvetica"/>
+                <a:cs typeface="Helvetica"/>
+              </a:rPr>
+              <a:t>SoSe</a:t>
+            </a:r>
+            <a:r>
+              <a:rPr lang="de-DE" sz="1000" dirty="0" smtClean="0">
+                <a:latin typeface="Helvetica"/>
+                <a:cs typeface="Helvetica"/>
+              </a:rPr>
+              <a:t> 15)			Gruppe 09</a:t>
+            </a:r>
+            <a:endParaRPr lang="de-DE" sz="1000" dirty="0">
+              <a:latin typeface="Helvetica"/>
+              <a:cs typeface="Helvetica"/>
+            </a:endParaRPr>
+          </a:p>
+        </p:txBody>
+      </p:sp>
+      <p:sp>
+        <p:nvSpPr>
+          <p:cNvPr id="8" name="Textfeld 7"/>
+          <p:cNvSpPr txBox="1"/>
+          <p:nvPr/>
+        </p:nvSpPr>
+        <p:spPr>
+          <a:xfrm>
+            <a:off x="8375993" y="6518200"/>
+            <a:ext cx="569574" cy="246221"/>
+          </a:xfrm>
+          <a:prstGeom prst="rect">
+            <a:avLst/>
+          </a:prstGeom>
+          <a:noFill/>
+        </p:spPr>
+        <p:txBody>
+          <a:bodyPr wrap="none" rtlCol="0">
+            <a:spAutoFit/>
+          </a:bodyPr>
+          <a:lstStyle/>
+          <a:p>
+            <a:r>
+              <a:rPr lang="de-DE" sz="1000" dirty="0" smtClean="0">
+                <a:latin typeface="Helvetica"/>
+                <a:cs typeface="Helvetica"/>
+              </a:rPr>
+              <a:t>Folie </a:t>
+            </a:r>
+            <a:fld id="{80772B1C-95EE-FF4C-9138-2FEA01DFD2C9}" type="slidenum">
+              <a:rPr lang="de-DE" sz="1000" smtClean="0">
+                <a:latin typeface="Helvetica"/>
+                <a:cs typeface="Helvetica"/>
+              </a:rPr>
+              <a:t>4</a:t>
+            </a:fld>
+            <a:endParaRPr lang="de-DE" sz="1000" dirty="0">
+              <a:latin typeface="Helvetica"/>
+              <a:cs typeface="Helvetica"/>
+            </a:endParaRPr>
+          </a:p>
+        </p:txBody>
+      </p:sp>
+      <p:sp>
+        <p:nvSpPr>
+          <p:cNvPr id="11" name="Textfeld 10"/>
+          <p:cNvSpPr txBox="1"/>
+          <p:nvPr/>
+        </p:nvSpPr>
+        <p:spPr>
+          <a:xfrm>
+            <a:off x="109136" y="215531"/>
+            <a:ext cx="5788821" cy="523220"/>
+          </a:xfrm>
+          <a:prstGeom prst="rect">
+            <a:avLst/>
+          </a:prstGeom>
+          <a:noFill/>
+        </p:spPr>
+        <p:txBody>
+          <a:bodyPr wrap="square" rtlCol="0">
+            <a:spAutoFit/>
+          </a:bodyPr>
+          <a:lstStyle/>
+          <a:p>
+            <a:r>
+              <a:rPr lang="de-DE" sz="2800" smtClean="0">
+                <a:latin typeface="Helvetica"/>
+                <a:cs typeface="Helvetica"/>
+              </a:rPr>
+              <a:t>Anwendungsfälle</a:t>
+            </a:r>
+            <a:endParaRPr lang="de-DE" sz="2800" dirty="0">
+              <a:latin typeface="Helvetica"/>
+              <a:cs typeface="Helvetica"/>
+            </a:endParaRPr>
+          </a:p>
+        </p:txBody>
+      </p:sp>
+      <p:pic>
+        <p:nvPicPr>
+          <p:cNvPr id="4" name="Bild 3" descr="Umgesetzte Anforderungen.jpg"/>
+          <p:cNvPicPr>
+            <a:picLocks noChangeAspect="1"/>
+          </p:cNvPicPr>
+          <p:nvPr/>
+        </p:nvPicPr>
+        <p:blipFill>
+          <a:blip r:embed="rId4">
+            <a:extLst>
+              <a:ext uri="{28A0092B-C50C-407E-A947-70E740481C1C}">
+                <a14:useLocalDpi xmlns:a14="http://schemas.microsoft.com/office/drawing/2010/main" val="0"/>
+              </a:ext>
+            </a:extLst>
+          </a:blip>
+          <a:stretch>
+            <a:fillRect/>
+          </a:stretch>
+        </p:blipFill>
+        <p:spPr>
+          <a:xfrm>
+            <a:off x="526521" y="1048785"/>
+            <a:ext cx="8070637" cy="5440549"/>
+          </a:xfrm>
+          <a:prstGeom prst="rect">
+            <a:avLst/>
+          </a:prstGeom>
+        </p:spPr>
+      </p:pic>
+    </p:spTree>
+    <p:extLst>
+      <p:ext uri="{BB962C8B-B14F-4D97-AF65-F5344CB8AC3E}">
+        <p14:creationId xmlns:p14="http://schemas.microsoft.com/office/powerpoint/2010/main" val="1922024995"/>
+      </p:ext>
+    </p:extLst>
+  </p:cSld>
+  <p:clrMapOvr>
+    <a:masterClrMapping/>
+  </p:clrMapOvr>
+  <p:timing>
+    <p:tnLst>
+      <p:par>
+        <p:cTn xmlns:p14="http://schemas.microsoft.com/office/powerpoint/2010/main" id="1" dur="indefinite" restart="never" nodeType="tmRoot"/>
+      </p:par>
+    </p:tnLst>
+  </p:timing>
+</p:sld>
+</file>
+
+<file path=ppt/slides/slide5.xml><?xml version="1.0" encoding="utf-8"?>
+<p:sld xmlns:a="http://schemas.openxmlformats.org/drawingml/2006/main" xmlns:r="http://schemas.openxmlformats.org/officeDocument/2006/relationships" xmlns:p="http://schemas.openxmlformats.org/presentationml/2006/main">
+  <p:cSld>
+    <p:spTree>
+      <p:nvGrpSpPr>
+        <p:cNvPr id="1" name=""/>
+        <p:cNvGrpSpPr/>
+        <p:nvPr/>
+      </p:nvGrpSpPr>
+      <p:grpSpPr>
+        <a:xfrm>
+          <a:off x="0" y="0"/>
+          <a:ext cx="0" cy="0"/>
+          <a:chOff x="0" y="0"/>
+          <a:chExt cx="0" cy="0"/>
+        </a:xfrm>
+      </p:grpSpPr>
+      <p:sp>
+        <p:nvSpPr>
+          <p:cNvPr id="10" name="Textfeld 9"/>
+          <p:cNvSpPr txBox="1"/>
+          <p:nvPr/>
+        </p:nvSpPr>
+        <p:spPr>
+          <a:xfrm>
+            <a:off x="4561840" y="5252720"/>
+            <a:ext cx="184666" cy="369332"/>
+          </a:xfrm>
+          <a:prstGeom prst="rect">
+            <a:avLst/>
+          </a:prstGeom>
+          <a:noFill/>
+        </p:spPr>
+        <p:txBody>
+          <a:bodyPr wrap="none" rtlCol="0">
+            <a:spAutoFit/>
+          </a:bodyPr>
+          <a:lstStyle/>
+          <a:p>
+            <a:endParaRPr lang="de-DE" dirty="0"/>
+          </a:p>
+        </p:txBody>
+      </p:sp>
+      <p:pic>
+        <p:nvPicPr>
+          <p:cNvPr id="2" name="Bild 1" descr="logoDatenbankMitHSB.png"/>
+          <p:cNvPicPr>
+            <a:picLocks noChangeAspect="1"/>
+          </p:cNvPicPr>
+          <p:nvPr/>
+        </p:nvPicPr>
+        <p:blipFill>
+          <a:blip r:embed="rId3">
+            <a:extLst>
+              <a:ext uri="{28A0092B-C50C-407E-A947-70E740481C1C}">
+                <a14:useLocalDpi xmlns:a14="http://schemas.microsoft.com/office/drawing/2010/main" val="0"/>
+              </a:ext>
+            </a:extLst>
+          </a:blip>
+          <a:stretch>
+            <a:fillRect/>
+          </a:stretch>
+        </p:blipFill>
+        <p:spPr>
+          <a:xfrm>
+            <a:off x="6419279" y="215531"/>
+            <a:ext cx="2526288" cy="757233"/>
+          </a:xfrm>
+          <a:prstGeom prst="rect">
+            <a:avLst/>
+          </a:prstGeom>
+        </p:spPr>
+      </p:pic>
+      <p:sp>
+        <p:nvSpPr>
+          <p:cNvPr id="3" name="Textfeld 2"/>
+          <p:cNvSpPr txBox="1"/>
+          <p:nvPr/>
+        </p:nvSpPr>
+        <p:spPr>
+          <a:xfrm>
+            <a:off x="109137" y="6518200"/>
+            <a:ext cx="5050097" cy="246221"/>
+          </a:xfrm>
+          <a:prstGeom prst="rect">
+            <a:avLst/>
+          </a:prstGeom>
+          <a:noFill/>
+        </p:spPr>
+        <p:txBody>
+          <a:bodyPr wrap="square" rtlCol="0">
+            <a:spAutoFit/>
+          </a:bodyPr>
+          <a:lstStyle/>
+          <a:p>
+            <a:r>
+              <a:rPr lang="de-DE" sz="1000" dirty="0" smtClean="0">
+                <a:latin typeface="Helvetica"/>
+                <a:cs typeface="Helvetica"/>
+              </a:rPr>
+              <a:t>Datenbankbasierte Web-Anwendungen (</a:t>
+            </a:r>
+            <a:r>
+              <a:rPr lang="de-DE" sz="1000" dirty="0" err="1" smtClean="0">
+                <a:latin typeface="Helvetica"/>
+                <a:cs typeface="Helvetica"/>
+              </a:rPr>
+              <a:t>SoSe</a:t>
+            </a:r>
+            <a:r>
+              <a:rPr lang="de-DE" sz="1000" dirty="0" smtClean="0">
+                <a:latin typeface="Helvetica"/>
+                <a:cs typeface="Helvetica"/>
+              </a:rPr>
+              <a:t> 15)			Gruppe 09</a:t>
+            </a:r>
+            <a:endParaRPr lang="de-DE" sz="1000" dirty="0">
+              <a:latin typeface="Helvetica"/>
+              <a:cs typeface="Helvetica"/>
+            </a:endParaRPr>
+          </a:p>
+        </p:txBody>
+      </p:sp>
+      <p:sp>
+        <p:nvSpPr>
+          <p:cNvPr id="8" name="Textfeld 7"/>
+          <p:cNvSpPr txBox="1"/>
+          <p:nvPr/>
+        </p:nvSpPr>
+        <p:spPr>
+          <a:xfrm>
+            <a:off x="8375993" y="6518200"/>
+            <a:ext cx="569574" cy="246221"/>
+          </a:xfrm>
+          <a:prstGeom prst="rect">
+            <a:avLst/>
+          </a:prstGeom>
+          <a:noFill/>
+        </p:spPr>
+        <p:txBody>
+          <a:bodyPr wrap="none" rtlCol="0">
+            <a:spAutoFit/>
+          </a:bodyPr>
+          <a:lstStyle/>
+          <a:p>
+            <a:r>
+              <a:rPr lang="de-DE" sz="1000" dirty="0" smtClean="0">
+                <a:latin typeface="Helvetica"/>
+                <a:cs typeface="Helvetica"/>
+              </a:rPr>
+              <a:t>Folie </a:t>
+            </a:r>
+            <a:fld id="{80772B1C-95EE-FF4C-9138-2FEA01DFD2C9}" type="slidenum">
+              <a:rPr lang="de-DE" sz="1000" smtClean="0">
+                <a:latin typeface="Helvetica"/>
+                <a:cs typeface="Helvetica"/>
+              </a:rPr>
+              <a:t>5</a:t>
+            </a:fld>
+            <a:endParaRPr lang="de-DE" sz="1000" dirty="0">
+              <a:latin typeface="Helvetica"/>
+              <a:cs typeface="Helvetica"/>
+            </a:endParaRPr>
+          </a:p>
+        </p:txBody>
+      </p:sp>
+      <p:sp>
+        <p:nvSpPr>
+          <p:cNvPr id="11" name="Textfeld 10"/>
+          <p:cNvSpPr txBox="1"/>
+          <p:nvPr/>
+        </p:nvSpPr>
+        <p:spPr>
+          <a:xfrm>
+            <a:off x="109136" y="215531"/>
+            <a:ext cx="5788821" cy="523220"/>
+          </a:xfrm>
+          <a:prstGeom prst="rect">
+            <a:avLst/>
+          </a:prstGeom>
+          <a:noFill/>
+        </p:spPr>
+        <p:txBody>
+          <a:bodyPr wrap="square" rtlCol="0">
+            <a:spAutoFit/>
+          </a:bodyPr>
+          <a:lstStyle/>
+          <a:p>
+            <a:r>
+              <a:rPr lang="de-DE" sz="2800" dirty="0" smtClean="0">
+                <a:latin typeface="Helvetica"/>
+                <a:cs typeface="Helvetica"/>
+              </a:rPr>
+              <a:t>MySQL Datenbank</a:t>
+            </a:r>
+            <a:endParaRPr lang="de-DE" sz="2800" dirty="0">
+              <a:latin typeface="Helvetica"/>
+              <a:cs typeface="Helvetica"/>
+            </a:endParaRPr>
+          </a:p>
+        </p:txBody>
+      </p:sp>
+      <p:pic>
+        <p:nvPicPr>
+          <p:cNvPr id="9" name="Picture 3" descr="Screenshot 2015-08-01 12.40.22.png"/>
+          <p:cNvPicPr>
+            <a:picLocks noChangeAspect="1"/>
+          </p:cNvPicPr>
+          <p:nvPr/>
+        </p:nvPicPr>
+        <p:blipFill>
+          <a:blip r:embed="rId4">
+            <a:extLst>
+              <a:ext uri="{28A0092B-C50C-407E-A947-70E740481C1C}">
+                <a14:useLocalDpi xmlns:a14="http://schemas.microsoft.com/office/drawing/2010/main" val="0"/>
+              </a:ext>
+            </a:extLst>
+          </a:blip>
+          <a:stretch>
+            <a:fillRect/>
+          </a:stretch>
+        </p:blipFill>
+        <p:spPr>
+          <a:xfrm>
+            <a:off x="837725" y="1010345"/>
+            <a:ext cx="7269260" cy="5337074"/>
+          </a:xfrm>
+          <a:prstGeom prst="rect">
+            <a:avLst/>
+          </a:prstGeom>
+        </p:spPr>
+      </p:pic>
+    </p:spTree>
+    <p:extLst>
+      <p:ext uri="{BB962C8B-B14F-4D97-AF65-F5344CB8AC3E}">
+        <p14:creationId xmlns:p14="http://schemas.microsoft.com/office/powerpoint/2010/main" val="845671270"/>
+      </p:ext>
+    </p:extLst>
+  </p:cSld>
+  <p:clrMapOvr>
+    <a:masterClrMapping/>
+  </p:clrMapOvr>
+  <p:timing>
+    <p:tnLst>
+      <p:par>
+        <p:cTn xmlns:p14="http://schemas.microsoft.com/office/powerpoint/2010/main" id="1" dur="indefinite" restart="never" nodeType="tmRoot"/>
+      </p:par>
+    </p:tnLst>
+  </p:timing>
+</p:sld>
+</file>
+
+<file path=ppt/slides/slide6.xml><?xml version="1.0" encoding="utf-8"?>
+<p:sld xmlns:a="http://schemas.openxmlformats.org/drawingml/2006/main" xmlns:r="http://schemas.openxmlformats.org/officeDocument/2006/relationships" xmlns:p="http://schemas.openxmlformats.org/presentationml/2006/main">
+  <p:cSld>
+    <p:spTree>
+      <p:nvGrpSpPr>
+        <p:cNvPr id="1" name=""/>
+        <p:cNvGrpSpPr/>
+        <p:nvPr/>
+      </p:nvGrpSpPr>
+      <p:grpSpPr>
+        <a:xfrm>
+          <a:off x="0" y="0"/>
+          <a:ext cx="0" cy="0"/>
+          <a:chOff x="0" y="0"/>
+          <a:chExt cx="0" cy="0"/>
+        </a:xfrm>
+      </p:grpSpPr>
+      <p:sp>
+        <p:nvSpPr>
+          <p:cNvPr id="10" name="Textfeld 9"/>
+          <p:cNvSpPr txBox="1"/>
+          <p:nvPr/>
+        </p:nvSpPr>
+        <p:spPr>
+          <a:xfrm>
+            <a:off x="4561840" y="5252720"/>
+            <a:ext cx="184666" cy="369332"/>
+          </a:xfrm>
+          <a:prstGeom prst="rect">
+            <a:avLst/>
+          </a:prstGeom>
+          <a:noFill/>
+        </p:spPr>
+        <p:txBody>
+          <a:bodyPr wrap="none" rtlCol="0">
+            <a:spAutoFit/>
+          </a:bodyPr>
+          <a:lstStyle/>
+          <a:p>
+            <a:endParaRPr lang="de-DE" dirty="0"/>
+          </a:p>
+        </p:txBody>
+      </p:sp>
+      <p:pic>
+        <p:nvPicPr>
+          <p:cNvPr id="2" name="Bild 1" descr="logoDatenbankMitHSB.png"/>
+          <p:cNvPicPr>
+            <a:picLocks noChangeAspect="1"/>
+          </p:cNvPicPr>
+          <p:nvPr/>
+        </p:nvPicPr>
+        <p:blipFill>
+          <a:blip r:embed="rId3">
+            <a:extLst>
+              <a:ext uri="{28A0092B-C50C-407E-A947-70E740481C1C}">
+                <a14:useLocalDpi xmlns:a14="http://schemas.microsoft.com/office/drawing/2010/main" val="0"/>
+              </a:ext>
+            </a:extLst>
+          </a:blip>
+          <a:stretch>
+            <a:fillRect/>
+          </a:stretch>
+        </p:blipFill>
+        <p:spPr>
+          <a:xfrm>
+            <a:off x="6419279" y="215531"/>
+            <a:ext cx="2526288" cy="757233"/>
+          </a:xfrm>
+          <a:prstGeom prst="rect">
+            <a:avLst/>
+          </a:prstGeom>
+        </p:spPr>
+      </p:pic>
+      <p:sp>
+        <p:nvSpPr>
+          <p:cNvPr id="3" name="Textfeld 2"/>
+          <p:cNvSpPr txBox="1"/>
+          <p:nvPr/>
+        </p:nvSpPr>
+        <p:spPr>
+          <a:xfrm>
+            <a:off x="109137" y="6518200"/>
+            <a:ext cx="5050097" cy="246221"/>
+          </a:xfrm>
+          <a:prstGeom prst="rect">
+            <a:avLst/>
+          </a:prstGeom>
+          <a:noFill/>
+        </p:spPr>
+        <p:txBody>
+          <a:bodyPr wrap="square" rtlCol="0">
+            <a:spAutoFit/>
+          </a:bodyPr>
+          <a:lstStyle/>
+          <a:p>
+            <a:r>
+              <a:rPr lang="de-DE" sz="1000" dirty="0" smtClean="0">
+                <a:latin typeface="Helvetica"/>
+                <a:cs typeface="Helvetica"/>
+              </a:rPr>
+              <a:t>Datenbankbasierte Web-Anwendungen (</a:t>
+            </a:r>
+            <a:r>
+              <a:rPr lang="de-DE" sz="1000" dirty="0" err="1" smtClean="0">
+                <a:latin typeface="Helvetica"/>
+                <a:cs typeface="Helvetica"/>
+              </a:rPr>
+              <a:t>SoSe</a:t>
+            </a:r>
+            <a:r>
+              <a:rPr lang="de-DE" sz="1000" dirty="0" smtClean="0">
+                <a:latin typeface="Helvetica"/>
+                <a:cs typeface="Helvetica"/>
+              </a:rPr>
+              <a:t> 15)			Gruppe 09</a:t>
+            </a:r>
+            <a:endParaRPr lang="de-DE" sz="1000" dirty="0">
+              <a:latin typeface="Helvetica"/>
+              <a:cs typeface="Helvetica"/>
+            </a:endParaRPr>
+          </a:p>
+        </p:txBody>
+      </p:sp>
+      <p:sp>
+        <p:nvSpPr>
+          <p:cNvPr id="8" name="Textfeld 7"/>
+          <p:cNvSpPr txBox="1"/>
+          <p:nvPr/>
+        </p:nvSpPr>
+        <p:spPr>
+          <a:xfrm>
+            <a:off x="8375993" y="6518200"/>
+            <a:ext cx="569574" cy="246221"/>
+          </a:xfrm>
+          <a:prstGeom prst="rect">
+            <a:avLst/>
+          </a:prstGeom>
+          <a:noFill/>
+        </p:spPr>
+        <p:txBody>
+          <a:bodyPr wrap="none" rtlCol="0">
+            <a:spAutoFit/>
+          </a:bodyPr>
+          <a:lstStyle/>
+          <a:p>
+            <a:r>
+              <a:rPr lang="de-DE" sz="1000" dirty="0" smtClean="0">
+                <a:latin typeface="Helvetica"/>
+                <a:cs typeface="Helvetica"/>
+              </a:rPr>
+              <a:t>Folie </a:t>
+            </a:r>
+            <a:fld id="{80772B1C-95EE-FF4C-9138-2FEA01DFD2C9}" type="slidenum">
+              <a:rPr lang="de-DE" sz="1000" smtClean="0">
+                <a:latin typeface="Helvetica"/>
+                <a:cs typeface="Helvetica"/>
+              </a:rPr>
+              <a:t>6</a:t>
+            </a:fld>
+            <a:endParaRPr lang="de-DE" sz="1000" dirty="0">
+              <a:latin typeface="Helvetica"/>
+              <a:cs typeface="Helvetica"/>
+            </a:endParaRPr>
+          </a:p>
+        </p:txBody>
+      </p:sp>
+      <p:sp>
+        <p:nvSpPr>
+          <p:cNvPr id="11" name="Textfeld 10"/>
+          <p:cNvSpPr txBox="1"/>
+          <p:nvPr/>
+        </p:nvSpPr>
+        <p:spPr>
+          <a:xfrm>
+            <a:off x="109136" y="215531"/>
+            <a:ext cx="5788821" cy="523220"/>
+          </a:xfrm>
+          <a:prstGeom prst="rect">
+            <a:avLst/>
+          </a:prstGeom>
+          <a:noFill/>
+        </p:spPr>
+        <p:txBody>
+          <a:bodyPr wrap="square" rtlCol="0">
+            <a:spAutoFit/>
+          </a:bodyPr>
+          <a:lstStyle/>
+          <a:p>
+            <a:r>
+              <a:rPr lang="de-DE" sz="2800" dirty="0">
+                <a:latin typeface="Helvetica"/>
+                <a:cs typeface="Helvetica"/>
+              </a:rPr>
+              <a:t>MySQL Datenbank</a:t>
+            </a:r>
+            <a:endParaRPr lang="de-DE" sz="2800" dirty="0">
+              <a:latin typeface="Helvetica"/>
+              <a:cs typeface="Helvetica"/>
+            </a:endParaRPr>
+          </a:p>
+        </p:txBody>
+      </p:sp>
+      <p:pic>
+        <p:nvPicPr>
+          <p:cNvPr id="9" name="Picture 3" descr="Screenshot 2015-08-01 12.40.29.png"/>
+          <p:cNvPicPr>
+            <a:picLocks noChangeAspect="1"/>
+          </p:cNvPicPr>
+          <p:nvPr/>
+        </p:nvPicPr>
+        <p:blipFill>
+          <a:blip r:embed="rId4">
+            <a:extLst>
+              <a:ext uri="{28A0092B-C50C-407E-A947-70E740481C1C}">
+                <a14:useLocalDpi xmlns:a14="http://schemas.microsoft.com/office/drawing/2010/main" val="0"/>
+              </a:ext>
+            </a:extLst>
+          </a:blip>
+          <a:stretch>
+            <a:fillRect/>
+          </a:stretch>
+        </p:blipFill>
+        <p:spPr>
+          <a:xfrm>
+            <a:off x="823325" y="972764"/>
+            <a:ext cx="7499850" cy="5362945"/>
+          </a:xfrm>
+          <a:prstGeom prst="rect">
+            <a:avLst/>
+          </a:prstGeom>
+        </p:spPr>
+      </p:pic>
+    </p:spTree>
+    <p:extLst>
+      <p:ext uri="{BB962C8B-B14F-4D97-AF65-F5344CB8AC3E}">
+        <p14:creationId xmlns:p14="http://schemas.microsoft.com/office/powerpoint/2010/main" val="1475802209"/>
+      </p:ext>
+    </p:extLst>
+  </p:cSld>
+  <p:clrMapOvr>
+    <a:masterClrMapping/>
+  </p:clrMapOvr>
+  <p:timing>
+    <p:tnLst>
+      <p:par>
+        <p:cTn xmlns:p14="http://schemas.microsoft.com/office/powerpoint/2010/main" id="1" dur="indefinite" restart="never" nodeType="tmRoot"/>
+      </p:par>
+    </p:tnLst>
+  </p:timing>
+</p:sld>
+</file>
+
+<file path=ppt/slides/slide7.xml><?xml version="1.0" encoding="utf-8"?>
+<p:sld xmlns:a="http://schemas.openxmlformats.org/drawingml/2006/main" xmlns:r="http://schemas.openxmlformats.org/officeDocument/2006/relationships" xmlns:p="http://schemas.openxmlformats.org/presentationml/2006/main">
+  <p:cSld>
+    <p:spTree>
+      <p:nvGrpSpPr>
+        <p:cNvPr id="1" name=""/>
+        <p:cNvGrpSpPr/>
+        <p:nvPr/>
+      </p:nvGrpSpPr>
+      <p:grpSpPr>
+        <a:xfrm>
+          <a:off x="0" y="0"/>
+          <a:ext cx="0" cy="0"/>
+          <a:chOff x="0" y="0"/>
+          <a:chExt cx="0" cy="0"/>
+        </a:xfrm>
+      </p:grpSpPr>
+      <p:sp>
+        <p:nvSpPr>
+          <p:cNvPr id="10" name="Textfeld 9"/>
+          <p:cNvSpPr txBox="1"/>
+          <p:nvPr/>
+        </p:nvSpPr>
+        <p:spPr>
+          <a:xfrm>
+            <a:off x="4561840" y="5252720"/>
+            <a:ext cx="184666" cy="369332"/>
+          </a:xfrm>
+          <a:prstGeom prst="rect">
+            <a:avLst/>
+          </a:prstGeom>
+          <a:noFill/>
+        </p:spPr>
+        <p:txBody>
+          <a:bodyPr wrap="none" rtlCol="0">
+            <a:spAutoFit/>
+          </a:bodyPr>
+          <a:lstStyle/>
+          <a:p>
+            <a:endParaRPr lang="de-DE" dirty="0"/>
+          </a:p>
+        </p:txBody>
+      </p:sp>
+      <p:pic>
+        <p:nvPicPr>
+          <p:cNvPr id="2" name="Bild 1" descr="logoDatenbankMitHSB.png"/>
+          <p:cNvPicPr>
+            <a:picLocks noChangeAspect="1"/>
+          </p:cNvPicPr>
+          <p:nvPr/>
+        </p:nvPicPr>
+        <p:blipFill>
+          <a:blip r:embed="rId3">
+            <a:extLst>
+              <a:ext uri="{28A0092B-C50C-407E-A947-70E740481C1C}">
+                <a14:useLocalDpi xmlns:a14="http://schemas.microsoft.com/office/drawing/2010/main" val="0"/>
+              </a:ext>
+            </a:extLst>
+          </a:blip>
+          <a:stretch>
+            <a:fillRect/>
+          </a:stretch>
+        </p:blipFill>
+        <p:spPr>
+          <a:xfrm>
+            <a:off x="6419279" y="215531"/>
+            <a:ext cx="2526288" cy="757233"/>
+          </a:xfrm>
+          <a:prstGeom prst="rect">
+            <a:avLst/>
+          </a:prstGeom>
+        </p:spPr>
+      </p:pic>
+      <p:sp>
+        <p:nvSpPr>
+          <p:cNvPr id="3" name="Textfeld 2"/>
+          <p:cNvSpPr txBox="1"/>
+          <p:nvPr/>
+        </p:nvSpPr>
+        <p:spPr>
+          <a:xfrm>
+            <a:off x="109137" y="6518200"/>
+            <a:ext cx="5050097" cy="246221"/>
+          </a:xfrm>
+          <a:prstGeom prst="rect">
+            <a:avLst/>
+          </a:prstGeom>
+          <a:noFill/>
+        </p:spPr>
+        <p:txBody>
+          <a:bodyPr wrap="square" rtlCol="0">
+            <a:spAutoFit/>
+          </a:bodyPr>
+          <a:lstStyle/>
+          <a:p>
+            <a:r>
+              <a:rPr lang="de-DE" sz="1000" dirty="0" smtClean="0">
+                <a:latin typeface="Helvetica"/>
+                <a:cs typeface="Helvetica"/>
+              </a:rPr>
+              <a:t>Datenbankbasierte Web-Anwendungen (</a:t>
+            </a:r>
+            <a:r>
+              <a:rPr lang="de-DE" sz="1000" dirty="0" err="1" smtClean="0">
+                <a:latin typeface="Helvetica"/>
+                <a:cs typeface="Helvetica"/>
+              </a:rPr>
+              <a:t>SoSe</a:t>
+            </a:r>
+            <a:r>
+              <a:rPr lang="de-DE" sz="1000" dirty="0" smtClean="0">
+                <a:latin typeface="Helvetica"/>
+                <a:cs typeface="Helvetica"/>
+              </a:rPr>
+              <a:t> 15)			Gruppe 09</a:t>
+            </a:r>
+            <a:endParaRPr lang="de-DE" sz="1000" dirty="0">
+              <a:latin typeface="Helvetica"/>
+              <a:cs typeface="Helvetica"/>
+            </a:endParaRPr>
+          </a:p>
+        </p:txBody>
+      </p:sp>
+      <p:sp>
+        <p:nvSpPr>
+          <p:cNvPr id="8" name="Textfeld 7"/>
+          <p:cNvSpPr txBox="1"/>
+          <p:nvPr/>
+        </p:nvSpPr>
+        <p:spPr>
+          <a:xfrm>
+            <a:off x="8375993" y="6518200"/>
+            <a:ext cx="569574" cy="246221"/>
+          </a:xfrm>
+          <a:prstGeom prst="rect">
+            <a:avLst/>
+          </a:prstGeom>
+          <a:noFill/>
+        </p:spPr>
+        <p:txBody>
+          <a:bodyPr wrap="none" rtlCol="0">
+            <a:spAutoFit/>
+          </a:bodyPr>
+          <a:lstStyle/>
+          <a:p>
+            <a:r>
+              <a:rPr lang="de-DE" sz="1000" dirty="0" smtClean="0">
+                <a:latin typeface="Helvetica"/>
+                <a:cs typeface="Helvetica"/>
+              </a:rPr>
+              <a:t>Folie </a:t>
+            </a:r>
+            <a:fld id="{80772B1C-95EE-FF4C-9138-2FEA01DFD2C9}" type="slidenum">
+              <a:rPr lang="de-DE" sz="1000" smtClean="0">
+                <a:latin typeface="Helvetica"/>
+                <a:cs typeface="Helvetica"/>
+              </a:rPr>
+              <a:t>7</a:t>
+            </a:fld>
+            <a:endParaRPr lang="de-DE" sz="1000" dirty="0">
+              <a:latin typeface="Helvetica"/>
+              <a:cs typeface="Helvetica"/>
+            </a:endParaRPr>
+          </a:p>
+        </p:txBody>
+      </p:sp>
+      <p:sp>
+        <p:nvSpPr>
+          <p:cNvPr id="11" name="Textfeld 10"/>
+          <p:cNvSpPr txBox="1"/>
+          <p:nvPr/>
+        </p:nvSpPr>
+        <p:spPr>
+          <a:xfrm>
+            <a:off x="109136" y="215531"/>
+            <a:ext cx="5788821" cy="523220"/>
+          </a:xfrm>
+          <a:prstGeom prst="rect">
+            <a:avLst/>
+          </a:prstGeom>
+          <a:noFill/>
+        </p:spPr>
+        <p:txBody>
+          <a:bodyPr wrap="square" rtlCol="0">
+            <a:spAutoFit/>
+          </a:bodyPr>
+          <a:lstStyle/>
+          <a:p>
+            <a:r>
+              <a:rPr lang="de-DE" sz="2800" dirty="0" smtClean="0">
+                <a:latin typeface="Helvetica"/>
+                <a:cs typeface="Helvetica"/>
+              </a:rPr>
+              <a:t>Projektarchitektur</a:t>
             </a:r>
             <a:endParaRPr lang="de-DE" sz="2800" dirty="0">
               <a:latin typeface="Helvetica"/>
@@ -4914,17 +6577,9 @@
 </p:sld>
 </file>
 
-<file path=ppt/slides/slide4.xml><?xml version="1.0" encoding="utf-8"?>
+<file path=ppt/slides/slide8.xml><?xml version="1.0" encoding="utf-8"?>
 <p:sld xmlns:a="http://schemas.openxmlformats.org/drawingml/2006/main" xmlns:r="http://schemas.openxmlformats.org/officeDocument/2006/relationships" xmlns:p="http://schemas.openxmlformats.org/presentationml/2006/main">
   <p:cSld>
-    <p:bg>
-      <p:bgPr>
-        <a:solidFill>
-          <a:srgbClr val="F4F4F4"/>
-        </a:solidFill>
-        <a:effectLst/>
-      </p:bgPr>
-    </p:bg>
     <p:spTree>
       <p:nvGrpSpPr>
         <p:cNvPr id="1" name=""/>
@@ -5079,7 +6734,7 @@
                 <a:latin typeface="Helvetica"/>
                 <a:cs typeface="Helvetica"/>
               </a:rPr>
-              <a:t>4</a:t>
+              <a:t>8</a:t>
             </a:fld>
             <a:endParaRPr lang="de-DE" sz="1000" dirty="0">
               <a:latin typeface="Helvetica"/>
@@ -5111,12 +6766,16 @@
           <a:lstStyle/>
           <a:p>
             <a:r>
-              <a:rPr lang="de-DE" sz="2800" dirty="0">
+              <a:rPr lang="de-DE" sz="2800" dirty="0" smtClean="0">
                 <a:latin typeface="Helvetica"/>
                 <a:cs typeface="Helvetica"/>
               </a:rPr>
-              <a:t>5. Projektarchitektur</a:t>
-            </a:r>
+              <a:t>Projektarchitektur</a:t>
+            </a:r>
+            <a:endParaRPr lang="de-DE" sz="2800" dirty="0">
+              <a:latin typeface="Helvetica"/>
+              <a:cs typeface="Helvetica"/>
+            </a:endParaRPr>
           </a:p>
         </p:txBody>
       </p:sp>
@@ -5190,20 +6849,19 @@
   <p:clrMapOvr>
     <a:masterClrMapping/>
   </p:clrMapOvr>
+  <p:timing>
+    <p:tnLst>
+      <p:par>
+        <p:cTn xmlns:p14="http://schemas.microsoft.com/office/powerpoint/2010/main" id="1" dur="indefinite" restart="never" nodeType="tmRoot"/>
+      </p:par>
+    </p:tnLst>
+  </p:timing>
 </p:sld>
 </file>
 
-<file path=ppt/slides/slide5.xml><?xml version="1.0" encoding="utf-8"?>
+<file path=ppt/slides/slide9.xml><?xml version="1.0" encoding="utf-8"?>
 <p:sld xmlns:a="http://schemas.openxmlformats.org/drawingml/2006/main" xmlns:r="http://schemas.openxmlformats.org/officeDocument/2006/relationships" xmlns:p="http://schemas.openxmlformats.org/presentationml/2006/main">
   <p:cSld>
-    <p:bg>
-      <p:bgPr>
-        <a:solidFill>
-          <a:srgbClr val="F4F4F4"/>
-        </a:solidFill>
-        <a:effectLst/>
-      </p:bgPr>
-    </p:bg>
     <p:spTree>
       <p:nvGrpSpPr>
         <p:cNvPr id="1" name=""/>
@@ -5358,7 +7016,7 @@
                 <a:latin typeface="Helvetica"/>
                 <a:cs typeface="Helvetica"/>
               </a:rPr>
-              <a:t>5</a:t>
+              <a:t>9</a:t>
             </a:fld>
             <a:endParaRPr lang="de-DE" sz="1000" dirty="0">
               <a:latin typeface="Helvetica"/>
@@ -5369,14 +7027,14 @@
       </p:sp>
       <p:sp>
         <p:nvSpPr>
-          <p:cNvPr id="11" name="Textfeld 10"/>
+          <p:cNvPr id="13" name="Textfeld 12"/>
           <p:cNvSpPr txBox="1"/>
           <p:nvPr/>
         </p:nvSpPr>
         <p:spPr>
           <a:xfrm>
-            <a:off x="109136" y="215531"/>
-            <a:ext cx="5788821" cy="523220"/>
+            <a:off x="2898439" y="2735118"/>
+            <a:ext cx="8695409" cy="707886"/>
           </a:xfrm>
           <a:prstGeom prst="rect">
             <a:avLst/>
@@ -5390,644 +7048,37 @@
           <a:lstStyle/>
           <a:p>
             <a:r>
-              <a:rPr lang="de-DE" sz="2800" dirty="0" smtClean="0">
+              <a:rPr lang="de-DE" sz="4000" dirty="0" smtClean="0">
                 <a:latin typeface="Helvetica"/>
                 <a:cs typeface="Helvetica"/>
               </a:rPr>
-              <a:t>Gliederung</a:t>
-            </a:r>
-            <a:endParaRPr lang="de-DE" sz="2800" dirty="0">
+              <a:t>Live Demo</a:t>
+            </a:r>
+            <a:endParaRPr lang="de-DE" sz="4000" dirty="0" smtClean="0">
               <a:latin typeface="Helvetica"/>
               <a:cs typeface="Helvetica"/>
+              <a:sym typeface="Wingdings"/>
             </a:endParaRPr>
-          </a:p>
-        </p:txBody>
-      </p:sp>
-      <p:sp>
-        <p:nvSpPr>
-          <p:cNvPr id="13" name="Textfeld 12"/>
-          <p:cNvSpPr txBox="1"/>
-          <p:nvPr/>
-        </p:nvSpPr>
-        <p:spPr>
-          <a:xfrm>
-            <a:off x="250158" y="972764"/>
-            <a:ext cx="8695409" cy="369332"/>
-          </a:xfrm>
-          <a:prstGeom prst="rect">
-            <a:avLst/>
-          </a:prstGeom>
-          <a:noFill/>
-        </p:spPr>
-        <p:txBody>
-          <a:bodyPr wrap="square" rtlCol="0">
-            <a:spAutoFit/>
-          </a:bodyPr>
-          <a:lstStyle/>
-          <a:p>
-            <a:r>
-              <a:rPr lang="de-DE" dirty="0" smtClean="0">
-                <a:latin typeface="Helvetica"/>
-                <a:cs typeface="Helvetica"/>
-              </a:rPr>
-              <a:t>Inhalt</a:t>
-            </a:r>
           </a:p>
         </p:txBody>
       </p:sp>
     </p:spTree>
     <p:extLst>
       <p:ext uri="{BB962C8B-B14F-4D97-AF65-F5344CB8AC3E}">
-        <p14:creationId xmlns:p14="http://schemas.microsoft.com/office/powerpoint/2010/main" val="845671270"/>
+        <p14:creationId xmlns:p14="http://schemas.microsoft.com/office/powerpoint/2010/main" val="173220904"/>
       </p:ext>
     </p:extLst>
   </p:cSld>
   <p:clrMapOvr>
     <a:masterClrMapping/>
   </p:clrMapOvr>
-</p:sld>
-</file>
-
-<file path=ppt/slides/slide6.xml><?xml version="1.0" encoding="utf-8"?>
-<p:sld xmlns:a="http://schemas.openxmlformats.org/drawingml/2006/main" xmlns:r="http://schemas.openxmlformats.org/officeDocument/2006/relationships" xmlns:p="http://schemas.openxmlformats.org/presentationml/2006/main">
-  <p:cSld>
-    <p:bg>
-      <p:bgPr>
-        <a:solidFill>
-          <a:srgbClr val="F4F4F4"/>
-        </a:solidFill>
-        <a:effectLst/>
-      </p:bgPr>
-    </p:bg>
-    <p:spTree>
-      <p:nvGrpSpPr>
-        <p:cNvPr id="1" name=""/>
-        <p:cNvGrpSpPr/>
-        <p:nvPr/>
-      </p:nvGrpSpPr>
-      <p:grpSpPr>
-        <a:xfrm>
-          <a:off x="0" y="0"/>
-          <a:ext cx="0" cy="0"/>
-          <a:chOff x="0" y="0"/>
-          <a:chExt cx="0" cy="0"/>
-        </a:xfrm>
-      </p:grpSpPr>
-      <p:sp>
-        <p:nvSpPr>
-          <p:cNvPr id="10" name="Textfeld 9"/>
-          <p:cNvSpPr txBox="1"/>
-          <p:nvPr/>
-        </p:nvSpPr>
-        <p:spPr>
-          <a:xfrm>
-            <a:off x="4561840" y="5252720"/>
-            <a:ext cx="184666" cy="369332"/>
-          </a:xfrm>
-          <a:prstGeom prst="rect">
-            <a:avLst/>
-          </a:prstGeom>
-          <a:noFill/>
-        </p:spPr>
-        <p:txBody>
-          <a:bodyPr wrap="none" rtlCol="0">
-            <a:spAutoFit/>
-          </a:bodyPr>
-          <a:lstStyle/>
-          <a:p>
-            <a:endParaRPr lang="de-DE" dirty="0"/>
-          </a:p>
-        </p:txBody>
-      </p:sp>
-      <p:pic>
-        <p:nvPicPr>
-          <p:cNvPr id="2" name="Bild 1" descr="logoDatenbankMitHSB.png"/>
-          <p:cNvPicPr>
-            <a:picLocks noChangeAspect="1"/>
-          </p:cNvPicPr>
-          <p:nvPr/>
-        </p:nvPicPr>
-        <p:blipFill>
-          <a:blip r:embed="rId3">
-            <a:extLst>
-              <a:ext uri="{28A0092B-C50C-407E-A947-70E740481C1C}">
-                <a14:useLocalDpi xmlns:a14="http://schemas.microsoft.com/office/drawing/2010/main" val="0"/>
-              </a:ext>
-            </a:extLst>
-          </a:blip>
-          <a:stretch>
-            <a:fillRect/>
-          </a:stretch>
-        </p:blipFill>
-        <p:spPr>
-          <a:xfrm>
-            <a:off x="6419279" y="215531"/>
-            <a:ext cx="2526288" cy="757233"/>
-          </a:xfrm>
-          <a:prstGeom prst="rect">
-            <a:avLst/>
-          </a:prstGeom>
-        </p:spPr>
-      </p:pic>
-      <p:sp>
-        <p:nvSpPr>
-          <p:cNvPr id="3" name="Textfeld 2"/>
-          <p:cNvSpPr txBox="1"/>
-          <p:nvPr/>
-        </p:nvSpPr>
-        <p:spPr>
-          <a:xfrm>
-            <a:off x="109137" y="6518200"/>
-            <a:ext cx="5050097" cy="246221"/>
-          </a:xfrm>
-          <a:prstGeom prst="rect">
-            <a:avLst/>
-          </a:prstGeom>
-          <a:noFill/>
-        </p:spPr>
-        <p:txBody>
-          <a:bodyPr wrap="square" rtlCol="0">
-            <a:spAutoFit/>
-          </a:bodyPr>
-          <a:lstStyle/>
-          <a:p>
-            <a:r>
-              <a:rPr lang="de-DE" sz="1000" dirty="0" smtClean="0">
-                <a:latin typeface="Helvetica"/>
-                <a:cs typeface="Helvetica"/>
-              </a:rPr>
-              <a:t>Datenbankbasierte Web-Anwendungen (</a:t>
-            </a:r>
-            <a:r>
-              <a:rPr lang="de-DE" sz="1000" dirty="0" err="1" smtClean="0">
-                <a:latin typeface="Helvetica"/>
-                <a:cs typeface="Helvetica"/>
-              </a:rPr>
-              <a:t>SoSe</a:t>
-            </a:r>
-            <a:r>
-              <a:rPr lang="de-DE" sz="1000" dirty="0" smtClean="0">
-                <a:latin typeface="Helvetica"/>
-                <a:cs typeface="Helvetica"/>
-              </a:rPr>
-              <a:t> 15)			Gruppe 09</a:t>
-            </a:r>
-            <a:endParaRPr lang="de-DE" sz="1000" dirty="0">
-              <a:latin typeface="Helvetica"/>
-              <a:cs typeface="Helvetica"/>
-            </a:endParaRPr>
-          </a:p>
-        </p:txBody>
-      </p:sp>
-      <p:sp>
-        <p:nvSpPr>
-          <p:cNvPr id="8" name="Textfeld 7"/>
-          <p:cNvSpPr txBox="1"/>
-          <p:nvPr/>
-        </p:nvSpPr>
-        <p:spPr>
-          <a:xfrm>
-            <a:off x="8375993" y="6518200"/>
-            <a:ext cx="569574" cy="246221"/>
-          </a:xfrm>
-          <a:prstGeom prst="rect">
-            <a:avLst/>
-          </a:prstGeom>
-          <a:noFill/>
-        </p:spPr>
-        <p:txBody>
-          <a:bodyPr wrap="none" rtlCol="0">
-            <a:spAutoFit/>
-          </a:bodyPr>
-          <a:lstStyle/>
-          <a:p>
-            <a:r>
-              <a:rPr lang="de-DE" sz="1000" dirty="0" smtClean="0">
-                <a:latin typeface="Helvetica"/>
-                <a:cs typeface="Helvetica"/>
-              </a:rPr>
-              <a:t>Folie </a:t>
-            </a:r>
-            <a:fld id="{80772B1C-95EE-FF4C-9138-2FEA01DFD2C9}" type="slidenum">
-              <a:rPr lang="de-DE" sz="1000" smtClean="0">
-                <a:latin typeface="Helvetica"/>
-                <a:cs typeface="Helvetica"/>
-              </a:rPr>
-              <a:t>6</a:t>
-            </a:fld>
-            <a:endParaRPr lang="de-DE" sz="1000" dirty="0">
-              <a:latin typeface="Helvetica"/>
-              <a:cs typeface="Helvetica"/>
-            </a:endParaRPr>
-          </a:p>
-        </p:txBody>
-      </p:sp>
-      <p:sp>
-        <p:nvSpPr>
-          <p:cNvPr id="11" name="Textfeld 10"/>
-          <p:cNvSpPr txBox="1"/>
-          <p:nvPr/>
-        </p:nvSpPr>
-        <p:spPr>
-          <a:xfrm>
-            <a:off x="109136" y="215531"/>
-            <a:ext cx="5788821" cy="523220"/>
-          </a:xfrm>
-          <a:prstGeom prst="rect">
-            <a:avLst/>
-          </a:prstGeom>
-          <a:noFill/>
-        </p:spPr>
-        <p:txBody>
-          <a:bodyPr wrap="square" rtlCol="0">
-            <a:spAutoFit/>
-          </a:bodyPr>
-          <a:lstStyle/>
-          <a:p>
-            <a:r>
-              <a:rPr lang="de-DE" sz="2800" dirty="0" smtClean="0">
-                <a:latin typeface="Helvetica"/>
-                <a:cs typeface="Helvetica"/>
-              </a:rPr>
-              <a:t>Gliederung</a:t>
-            </a:r>
-            <a:endParaRPr lang="de-DE" sz="2800" dirty="0">
-              <a:latin typeface="Helvetica"/>
-              <a:cs typeface="Helvetica"/>
-            </a:endParaRPr>
-          </a:p>
-        </p:txBody>
-      </p:sp>
-      <p:sp>
-        <p:nvSpPr>
-          <p:cNvPr id="13" name="Textfeld 12"/>
-          <p:cNvSpPr txBox="1"/>
-          <p:nvPr/>
-        </p:nvSpPr>
-        <p:spPr>
-          <a:xfrm>
-            <a:off x="250158" y="972764"/>
-            <a:ext cx="8695409" cy="369332"/>
-          </a:xfrm>
-          <a:prstGeom prst="rect">
-            <a:avLst/>
-          </a:prstGeom>
-          <a:noFill/>
-        </p:spPr>
-        <p:txBody>
-          <a:bodyPr wrap="square" rtlCol="0">
-            <a:spAutoFit/>
-          </a:bodyPr>
-          <a:lstStyle/>
-          <a:p>
-            <a:r>
-              <a:rPr lang="de-DE" dirty="0" smtClean="0">
-                <a:latin typeface="Helvetica"/>
-                <a:cs typeface="Helvetica"/>
-              </a:rPr>
-              <a:t>Inhalt</a:t>
-            </a:r>
-          </a:p>
-        </p:txBody>
-      </p:sp>
-    </p:spTree>
-    <p:extLst>
-      <p:ext uri="{BB962C8B-B14F-4D97-AF65-F5344CB8AC3E}">
-        <p14:creationId xmlns:p14="http://schemas.microsoft.com/office/powerpoint/2010/main" val="1475802209"/>
-      </p:ext>
-    </p:extLst>
-  </p:cSld>
-  <p:clrMapOvr>
-    <a:masterClrMapping/>
-  </p:clrMapOvr>
-</p:sld>
-</file>
-
-<file path=ppt/slides/slide7.xml><?xml version="1.0" encoding="utf-8"?>
-<p:sld xmlns:a="http://schemas.openxmlformats.org/drawingml/2006/main" xmlns:r="http://schemas.openxmlformats.org/officeDocument/2006/relationships" xmlns:p="http://schemas.openxmlformats.org/presentationml/2006/main">
-  <p:cSld>
-    <p:bg>
-      <p:bgPr>
-        <a:solidFill>
-          <a:srgbClr val="F4F4F4"/>
-        </a:solidFill>
-        <a:effectLst/>
-      </p:bgPr>
-    </p:bg>
-    <p:spTree>
-      <p:nvGrpSpPr>
-        <p:cNvPr id="1" name=""/>
-        <p:cNvGrpSpPr/>
-        <p:nvPr/>
-      </p:nvGrpSpPr>
-      <p:grpSpPr>
-        <a:xfrm>
-          <a:off x="0" y="0"/>
-          <a:ext cx="0" cy="0"/>
-          <a:chOff x="0" y="0"/>
-          <a:chExt cx="0" cy="0"/>
-        </a:xfrm>
-      </p:grpSpPr>
-      <p:sp>
-        <p:nvSpPr>
-          <p:cNvPr id="10" name="Textfeld 9"/>
-          <p:cNvSpPr txBox="1"/>
-          <p:nvPr/>
-        </p:nvSpPr>
-        <p:spPr>
-          <a:xfrm>
-            <a:off x="4561840" y="5252720"/>
-            <a:ext cx="184666" cy="369332"/>
-          </a:xfrm>
-          <a:prstGeom prst="rect">
-            <a:avLst/>
-          </a:prstGeom>
-          <a:noFill/>
-        </p:spPr>
-        <p:txBody>
-          <a:bodyPr wrap="none" rtlCol="0">
-            <a:spAutoFit/>
-          </a:bodyPr>
-          <a:lstStyle/>
-          <a:p>
-            <a:endParaRPr lang="de-DE" dirty="0"/>
-          </a:p>
-        </p:txBody>
-      </p:sp>
-      <p:pic>
-        <p:nvPicPr>
-          <p:cNvPr id="2" name="Bild 1" descr="logoDatenbankMitHSB.png"/>
-          <p:cNvPicPr>
-            <a:picLocks noChangeAspect="1"/>
-          </p:cNvPicPr>
-          <p:nvPr/>
-        </p:nvPicPr>
-        <p:blipFill>
-          <a:blip r:embed="rId3">
-            <a:extLst>
-              <a:ext uri="{28A0092B-C50C-407E-A947-70E740481C1C}">
-                <a14:useLocalDpi xmlns:a14="http://schemas.microsoft.com/office/drawing/2010/main" val="0"/>
-              </a:ext>
-            </a:extLst>
-          </a:blip>
-          <a:stretch>
-            <a:fillRect/>
-          </a:stretch>
-        </p:blipFill>
-        <p:spPr>
-          <a:xfrm>
-            <a:off x="6419279" y="215531"/>
-            <a:ext cx="2526288" cy="757233"/>
-          </a:xfrm>
-          <a:prstGeom prst="rect">
-            <a:avLst/>
-          </a:prstGeom>
-        </p:spPr>
-      </p:pic>
-      <p:sp>
-        <p:nvSpPr>
-          <p:cNvPr id="3" name="Textfeld 2"/>
-          <p:cNvSpPr txBox="1"/>
-          <p:nvPr/>
-        </p:nvSpPr>
-        <p:spPr>
-          <a:xfrm>
-            <a:off x="109137" y="6518200"/>
-            <a:ext cx="5050097" cy="246221"/>
-          </a:xfrm>
-          <a:prstGeom prst="rect">
-            <a:avLst/>
-          </a:prstGeom>
-          <a:noFill/>
-        </p:spPr>
-        <p:txBody>
-          <a:bodyPr wrap="square" rtlCol="0">
-            <a:spAutoFit/>
-          </a:bodyPr>
-          <a:lstStyle/>
-          <a:p>
-            <a:r>
-              <a:rPr lang="de-DE" sz="1000" dirty="0" smtClean="0">
-                <a:latin typeface="Helvetica"/>
-                <a:cs typeface="Helvetica"/>
-              </a:rPr>
-              <a:t>Datenbankbasierte Web-Anwendungen (</a:t>
-            </a:r>
-            <a:r>
-              <a:rPr lang="de-DE" sz="1000" dirty="0" err="1" smtClean="0">
-                <a:latin typeface="Helvetica"/>
-                <a:cs typeface="Helvetica"/>
-              </a:rPr>
-              <a:t>SoSe</a:t>
-            </a:r>
-            <a:r>
-              <a:rPr lang="de-DE" sz="1000" dirty="0" smtClean="0">
-                <a:latin typeface="Helvetica"/>
-                <a:cs typeface="Helvetica"/>
-              </a:rPr>
-              <a:t> 15)			Gruppe 09</a:t>
-            </a:r>
-            <a:endParaRPr lang="de-DE" sz="1000" dirty="0">
-              <a:latin typeface="Helvetica"/>
-              <a:cs typeface="Helvetica"/>
-            </a:endParaRPr>
-          </a:p>
-        </p:txBody>
-      </p:sp>
-      <p:sp>
-        <p:nvSpPr>
-          <p:cNvPr id="8" name="Textfeld 7"/>
-          <p:cNvSpPr txBox="1"/>
-          <p:nvPr/>
-        </p:nvSpPr>
-        <p:spPr>
-          <a:xfrm>
-            <a:off x="8375993" y="6518200"/>
-            <a:ext cx="569574" cy="246221"/>
-          </a:xfrm>
-          <a:prstGeom prst="rect">
-            <a:avLst/>
-          </a:prstGeom>
-          <a:noFill/>
-        </p:spPr>
-        <p:txBody>
-          <a:bodyPr wrap="none" rtlCol="0">
-            <a:spAutoFit/>
-          </a:bodyPr>
-          <a:lstStyle/>
-          <a:p>
-            <a:r>
-              <a:rPr lang="de-DE" sz="1000" dirty="0" smtClean="0">
-                <a:latin typeface="Helvetica"/>
-                <a:cs typeface="Helvetica"/>
-              </a:rPr>
-              <a:t>Folie </a:t>
-            </a:r>
-            <a:fld id="{80772B1C-95EE-FF4C-9138-2FEA01DFD2C9}" type="slidenum">
-              <a:rPr lang="de-DE" sz="1000" smtClean="0">
-                <a:latin typeface="Helvetica"/>
-                <a:cs typeface="Helvetica"/>
-              </a:rPr>
-              <a:t>7</a:t>
-            </a:fld>
-            <a:endParaRPr lang="de-DE" sz="1000" dirty="0">
-              <a:latin typeface="Helvetica"/>
-              <a:cs typeface="Helvetica"/>
-            </a:endParaRPr>
-          </a:p>
-        </p:txBody>
-      </p:sp>
-      <p:sp>
-        <p:nvSpPr>
-          <p:cNvPr id="11" name="Textfeld 10"/>
-          <p:cNvSpPr txBox="1"/>
-          <p:nvPr/>
-        </p:nvSpPr>
-        <p:spPr>
-          <a:xfrm>
-            <a:off x="109136" y="215531"/>
-            <a:ext cx="5788821" cy="523220"/>
-          </a:xfrm>
-          <a:prstGeom prst="rect">
-            <a:avLst/>
-          </a:prstGeom>
-          <a:noFill/>
-        </p:spPr>
-        <p:txBody>
-          <a:bodyPr wrap="square" rtlCol="0">
-            <a:spAutoFit/>
-          </a:bodyPr>
-          <a:lstStyle/>
-          <a:p>
-            <a:r>
-              <a:rPr lang="de-DE" sz="2800" dirty="0" smtClean="0">
-                <a:latin typeface="Helvetica"/>
-                <a:cs typeface="Helvetica"/>
-              </a:rPr>
-              <a:t>Zusammenfassung</a:t>
-            </a:r>
-            <a:endParaRPr lang="de-DE" sz="2800" dirty="0">
-              <a:latin typeface="Helvetica"/>
-              <a:cs typeface="Helvetica"/>
-            </a:endParaRPr>
-          </a:p>
-        </p:txBody>
-      </p:sp>
-      <p:sp>
-        <p:nvSpPr>
-          <p:cNvPr id="5" name="Title 4"/>
-          <p:cNvSpPr>
-            <a:spLocks noGrp="1"/>
-          </p:cNvSpPr>
-          <p:nvPr>
-            <p:ph type="title"/>
-          </p:nvPr>
-        </p:nvSpPr>
-        <p:spPr/>
-        <p:txBody>
-          <a:bodyPr/>
-          <a:lstStyle/>
-          <a:p>
-            <a:endParaRPr lang="en-US" dirty="0"/>
-          </a:p>
-        </p:txBody>
-      </p:sp>
-      <p:sp>
-        <p:nvSpPr>
-          <p:cNvPr id="6" name="Content Placeholder 5"/>
-          <p:cNvSpPr>
-            <a:spLocks noGrp="1"/>
-          </p:cNvSpPr>
-          <p:nvPr>
-            <p:ph idx="1"/>
-          </p:nvPr>
-        </p:nvSpPr>
-        <p:spPr/>
-        <p:txBody>
-          <a:bodyPr/>
-          <a:lstStyle/>
-          <a:p>
-            <a:r>
-              <a:rPr lang="en-US" dirty="0" err="1" smtClean="0"/>
-              <a:t>Erfahrungen</a:t>
-            </a:r>
-            <a:r>
-              <a:rPr lang="en-US" dirty="0" smtClean="0"/>
-              <a:t> </a:t>
-            </a:r>
-            <a:r>
-              <a:rPr lang="en-US" dirty="0" err="1" smtClean="0"/>
-              <a:t>sammeln</a:t>
-            </a:r>
-            <a:r>
-              <a:rPr lang="en-US" dirty="0" smtClean="0"/>
-              <a:t>:</a:t>
-            </a:r>
-          </a:p>
-          <a:p>
-            <a:pPr lvl="1"/>
-            <a:endParaRPr lang="en-US" dirty="0" smtClean="0"/>
-          </a:p>
-          <a:p>
-            <a:pPr lvl="1"/>
-            <a:r>
-              <a:rPr lang="en-US" dirty="0" err="1" smtClean="0"/>
-              <a:t>IntelliJ</a:t>
-            </a:r>
-            <a:endParaRPr lang="en-US" dirty="0" smtClean="0"/>
-          </a:p>
-          <a:p>
-            <a:pPr lvl="1"/>
-            <a:r>
-              <a:rPr lang="en-US" dirty="0" err="1" smtClean="0"/>
-              <a:t>Gradle</a:t>
-            </a:r>
-            <a:endParaRPr lang="en-US" dirty="0" smtClean="0"/>
-          </a:p>
-          <a:p>
-            <a:pPr lvl="1"/>
-            <a:r>
-              <a:rPr lang="en-US" dirty="0" smtClean="0"/>
-              <a:t>JSP</a:t>
-            </a:r>
-          </a:p>
-          <a:p>
-            <a:pPr lvl="1"/>
-            <a:r>
-              <a:rPr lang="en-US" dirty="0" smtClean="0"/>
-              <a:t>Hibernate</a:t>
-            </a:r>
-          </a:p>
-          <a:p>
-            <a:pPr lvl="1"/>
-            <a:r>
-              <a:rPr lang="en-US" dirty="0" err="1" smtClean="0"/>
-              <a:t>Datenbanken</a:t>
-            </a:r>
-            <a:endParaRPr lang="en-US" dirty="0" smtClean="0"/>
-          </a:p>
-          <a:p>
-            <a:pPr lvl="1"/>
-            <a:endParaRPr lang="en-US" dirty="0" smtClean="0"/>
-          </a:p>
-          <a:p>
-            <a:pPr marL="457200" lvl="1" indent="0">
-              <a:buNone/>
-            </a:pPr>
-            <a:endParaRPr lang="en-US" dirty="0"/>
-          </a:p>
-        </p:txBody>
-      </p:sp>
-    </p:spTree>
-    <p:extLst>
-      <p:ext uri="{BB962C8B-B14F-4D97-AF65-F5344CB8AC3E}">
-        <p14:creationId xmlns:p14="http://schemas.microsoft.com/office/powerpoint/2010/main" val="2821605111"/>
-      </p:ext>
-    </p:extLst>
-  </p:cSld>
-  <p:clrMapOvr>
-    <a:masterClrMapping/>
-  </p:clrMapOvr>
+  <p:timing>
+    <p:tnLst>
+      <p:par>
+        <p:cTn xmlns:p14="http://schemas.microsoft.com/office/powerpoint/2010/main" id="1" dur="indefinite" restart="never" nodeType="tmRoot"/>
+      </p:par>
+    </p:tnLst>
+  </p:timing>
 </p:sld>
 </file>
 

--- a/Doku/Dokumentation/Präsentation/Präsentation1.pptx
+++ b/Doku/Dokumentation/Präsentation/Präsentation1.pptx
@@ -5,10 +5,10 @@
     <p:sldMasterId id="2147483648" r:id="rId1"/>
   </p:sldMasterIdLst>
   <p:notesMasterIdLst>
-    <p:notesMasterId r:id="rId12"/>
+    <p:notesMasterId r:id="rId16"/>
   </p:notesMasterIdLst>
   <p:handoutMasterIdLst>
-    <p:handoutMasterId r:id="rId13"/>
+    <p:handoutMasterId r:id="rId17"/>
   </p:handoutMasterIdLst>
   <p:sldIdLst>
     <p:sldId id="256" r:id="rId2"/>
@@ -17,10 +17,14 @@
     <p:sldId id="264" r:id="rId5"/>
     <p:sldId id="260" r:id="rId6"/>
     <p:sldId id="261" r:id="rId7"/>
-    <p:sldId id="258" r:id="rId8"/>
-    <p:sldId id="259" r:id="rId9"/>
-    <p:sldId id="265" r:id="rId10"/>
-    <p:sldId id="262" r:id="rId11"/>
+    <p:sldId id="266" r:id="rId8"/>
+    <p:sldId id="267" r:id="rId9"/>
+    <p:sldId id="268" r:id="rId10"/>
+    <p:sldId id="269" r:id="rId11"/>
+    <p:sldId id="258" r:id="rId12"/>
+    <p:sldId id="259" r:id="rId13"/>
+    <p:sldId id="265" r:id="rId14"/>
+    <p:sldId id="262" r:id="rId15"/>
   </p:sldIdLst>
   <p:sldSz cx="9144000" cy="6858000" type="screen4x3"/>
   <p:notesSz cx="6858000" cy="9144000"/>
@@ -705,6 +709,342 @@
             <a:fld id="{3C8D0F26-E54A-6B4C-9639-65B577CA5DAC}" type="slidenum">
               <a:rPr lang="de-DE" smtClean="0"/>
               <a:t>2</a:t>
+            </a:fld>
+            <a:endParaRPr lang="de-DE"/>
+          </a:p>
+        </p:txBody>
+      </p:sp>
+    </p:spTree>
+    <p:extLst>
+      <p:ext uri="{BB962C8B-B14F-4D97-AF65-F5344CB8AC3E}">
+        <p14:creationId xmlns:p14="http://schemas.microsoft.com/office/powerpoint/2010/main" val="2472944022"/>
+      </p:ext>
+    </p:extLst>
+  </p:cSld>
+  <p:clrMapOvr>
+    <a:masterClrMapping/>
+  </p:clrMapOvr>
+</p:notes>
+</file>
+
+<file path=ppt/notesSlides/notesSlide10.xml><?xml version="1.0" encoding="utf-8"?>
+<p:notes xmlns:a="http://schemas.openxmlformats.org/drawingml/2006/main" xmlns:r="http://schemas.openxmlformats.org/officeDocument/2006/relationships" xmlns:p="http://schemas.openxmlformats.org/presentationml/2006/main">
+  <p:cSld>
+    <p:spTree>
+      <p:nvGrpSpPr>
+        <p:cNvPr id="1" name=""/>
+        <p:cNvGrpSpPr/>
+        <p:nvPr/>
+      </p:nvGrpSpPr>
+      <p:grpSpPr>
+        <a:xfrm>
+          <a:off x="0" y="0"/>
+          <a:ext cx="0" cy="0"/>
+          <a:chOff x="0" y="0"/>
+          <a:chExt cx="0" cy="0"/>
+        </a:xfrm>
+      </p:grpSpPr>
+      <p:sp>
+        <p:nvSpPr>
+          <p:cNvPr id="2" name="Folienbildplatzhalter 1"/>
+          <p:cNvSpPr>
+            <a:spLocks noGrp="1" noRot="1" noChangeAspect="1"/>
+          </p:cNvSpPr>
+          <p:nvPr>
+            <p:ph type="sldImg"/>
+          </p:nvPr>
+        </p:nvSpPr>
+        <p:spPr/>
+      </p:sp>
+      <p:sp>
+        <p:nvSpPr>
+          <p:cNvPr id="3" name="Notizenplatzhalter 2"/>
+          <p:cNvSpPr>
+            <a:spLocks noGrp="1"/>
+          </p:cNvSpPr>
+          <p:nvPr>
+            <p:ph type="body" idx="1"/>
+          </p:nvPr>
+        </p:nvSpPr>
+        <p:spPr/>
+        <p:txBody>
+          <a:bodyPr/>
+          <a:lstStyle/>
+          <a:p>
+            <a:endParaRPr lang="de-DE"/>
+          </a:p>
+        </p:txBody>
+      </p:sp>
+      <p:sp>
+        <p:nvSpPr>
+          <p:cNvPr id="4" name="Foliennummernplatzhalter 3"/>
+          <p:cNvSpPr>
+            <a:spLocks noGrp="1"/>
+          </p:cNvSpPr>
+          <p:nvPr>
+            <p:ph type="sldNum" sz="quarter" idx="10"/>
+          </p:nvPr>
+        </p:nvSpPr>
+        <p:spPr/>
+        <p:txBody>
+          <a:bodyPr/>
+          <a:lstStyle/>
+          <a:p>
+            <a:fld id="{3C8D0F26-E54A-6B4C-9639-65B577CA5DAC}" type="slidenum">
+              <a:rPr lang="de-DE" smtClean="0"/>
+              <a:t>11</a:t>
+            </a:fld>
+            <a:endParaRPr lang="de-DE"/>
+          </a:p>
+        </p:txBody>
+      </p:sp>
+    </p:spTree>
+    <p:extLst>
+      <p:ext uri="{BB962C8B-B14F-4D97-AF65-F5344CB8AC3E}">
+        <p14:creationId xmlns:p14="http://schemas.microsoft.com/office/powerpoint/2010/main" val="2472944022"/>
+      </p:ext>
+    </p:extLst>
+  </p:cSld>
+  <p:clrMapOvr>
+    <a:masterClrMapping/>
+  </p:clrMapOvr>
+</p:notes>
+</file>
+
+<file path=ppt/notesSlides/notesSlide11.xml><?xml version="1.0" encoding="utf-8"?>
+<p:notes xmlns:a="http://schemas.openxmlformats.org/drawingml/2006/main" xmlns:r="http://schemas.openxmlformats.org/officeDocument/2006/relationships" xmlns:p="http://schemas.openxmlformats.org/presentationml/2006/main">
+  <p:cSld>
+    <p:spTree>
+      <p:nvGrpSpPr>
+        <p:cNvPr id="1" name=""/>
+        <p:cNvGrpSpPr/>
+        <p:nvPr/>
+      </p:nvGrpSpPr>
+      <p:grpSpPr>
+        <a:xfrm>
+          <a:off x="0" y="0"/>
+          <a:ext cx="0" cy="0"/>
+          <a:chOff x="0" y="0"/>
+          <a:chExt cx="0" cy="0"/>
+        </a:xfrm>
+      </p:grpSpPr>
+      <p:sp>
+        <p:nvSpPr>
+          <p:cNvPr id="2" name="Folienbildplatzhalter 1"/>
+          <p:cNvSpPr>
+            <a:spLocks noGrp="1" noRot="1" noChangeAspect="1"/>
+          </p:cNvSpPr>
+          <p:nvPr>
+            <p:ph type="sldImg"/>
+          </p:nvPr>
+        </p:nvSpPr>
+        <p:spPr/>
+      </p:sp>
+      <p:sp>
+        <p:nvSpPr>
+          <p:cNvPr id="3" name="Notizenplatzhalter 2"/>
+          <p:cNvSpPr>
+            <a:spLocks noGrp="1"/>
+          </p:cNvSpPr>
+          <p:nvPr>
+            <p:ph type="body" idx="1"/>
+          </p:nvPr>
+        </p:nvSpPr>
+        <p:spPr/>
+        <p:txBody>
+          <a:bodyPr/>
+          <a:lstStyle/>
+          <a:p>
+            <a:endParaRPr lang="de-DE"/>
+          </a:p>
+        </p:txBody>
+      </p:sp>
+      <p:sp>
+        <p:nvSpPr>
+          <p:cNvPr id="4" name="Foliennummernplatzhalter 3"/>
+          <p:cNvSpPr>
+            <a:spLocks noGrp="1"/>
+          </p:cNvSpPr>
+          <p:nvPr>
+            <p:ph type="sldNum" sz="quarter" idx="10"/>
+          </p:nvPr>
+        </p:nvSpPr>
+        <p:spPr/>
+        <p:txBody>
+          <a:bodyPr/>
+          <a:lstStyle/>
+          <a:p>
+            <a:fld id="{3C8D0F26-E54A-6B4C-9639-65B577CA5DAC}" type="slidenum">
+              <a:rPr lang="de-DE" smtClean="0"/>
+              <a:t>12</a:t>
+            </a:fld>
+            <a:endParaRPr lang="de-DE"/>
+          </a:p>
+        </p:txBody>
+      </p:sp>
+    </p:spTree>
+    <p:extLst>
+      <p:ext uri="{BB962C8B-B14F-4D97-AF65-F5344CB8AC3E}">
+        <p14:creationId xmlns:p14="http://schemas.microsoft.com/office/powerpoint/2010/main" val="2472944022"/>
+      </p:ext>
+    </p:extLst>
+  </p:cSld>
+  <p:clrMapOvr>
+    <a:masterClrMapping/>
+  </p:clrMapOvr>
+</p:notes>
+</file>
+
+<file path=ppt/notesSlides/notesSlide12.xml><?xml version="1.0" encoding="utf-8"?>
+<p:notes xmlns:a="http://schemas.openxmlformats.org/drawingml/2006/main" xmlns:r="http://schemas.openxmlformats.org/officeDocument/2006/relationships" xmlns:p="http://schemas.openxmlformats.org/presentationml/2006/main">
+  <p:cSld>
+    <p:spTree>
+      <p:nvGrpSpPr>
+        <p:cNvPr id="1" name=""/>
+        <p:cNvGrpSpPr/>
+        <p:nvPr/>
+      </p:nvGrpSpPr>
+      <p:grpSpPr>
+        <a:xfrm>
+          <a:off x="0" y="0"/>
+          <a:ext cx="0" cy="0"/>
+          <a:chOff x="0" y="0"/>
+          <a:chExt cx="0" cy="0"/>
+        </a:xfrm>
+      </p:grpSpPr>
+      <p:sp>
+        <p:nvSpPr>
+          <p:cNvPr id="2" name="Folienbildplatzhalter 1"/>
+          <p:cNvSpPr>
+            <a:spLocks noGrp="1" noRot="1" noChangeAspect="1"/>
+          </p:cNvSpPr>
+          <p:nvPr>
+            <p:ph type="sldImg"/>
+          </p:nvPr>
+        </p:nvSpPr>
+        <p:spPr/>
+      </p:sp>
+      <p:sp>
+        <p:nvSpPr>
+          <p:cNvPr id="3" name="Notizenplatzhalter 2"/>
+          <p:cNvSpPr>
+            <a:spLocks noGrp="1"/>
+          </p:cNvSpPr>
+          <p:nvPr>
+            <p:ph type="body" idx="1"/>
+          </p:nvPr>
+        </p:nvSpPr>
+        <p:spPr/>
+        <p:txBody>
+          <a:bodyPr/>
+          <a:lstStyle/>
+          <a:p>
+            <a:endParaRPr lang="de-DE"/>
+          </a:p>
+        </p:txBody>
+      </p:sp>
+      <p:sp>
+        <p:nvSpPr>
+          <p:cNvPr id="4" name="Foliennummernplatzhalter 3"/>
+          <p:cNvSpPr>
+            <a:spLocks noGrp="1"/>
+          </p:cNvSpPr>
+          <p:nvPr>
+            <p:ph type="sldNum" sz="quarter" idx="10"/>
+          </p:nvPr>
+        </p:nvSpPr>
+        <p:spPr/>
+        <p:txBody>
+          <a:bodyPr/>
+          <a:lstStyle/>
+          <a:p>
+            <a:fld id="{3C8D0F26-E54A-6B4C-9639-65B577CA5DAC}" type="slidenum">
+              <a:rPr lang="de-DE" smtClean="0"/>
+              <a:t>13</a:t>
+            </a:fld>
+            <a:endParaRPr lang="de-DE"/>
+          </a:p>
+        </p:txBody>
+      </p:sp>
+    </p:spTree>
+    <p:extLst>
+      <p:ext uri="{BB962C8B-B14F-4D97-AF65-F5344CB8AC3E}">
+        <p14:creationId xmlns:p14="http://schemas.microsoft.com/office/powerpoint/2010/main" val="2472944022"/>
+      </p:ext>
+    </p:extLst>
+  </p:cSld>
+  <p:clrMapOvr>
+    <a:masterClrMapping/>
+  </p:clrMapOvr>
+</p:notes>
+</file>
+
+<file path=ppt/notesSlides/notesSlide13.xml><?xml version="1.0" encoding="utf-8"?>
+<p:notes xmlns:a="http://schemas.openxmlformats.org/drawingml/2006/main" xmlns:r="http://schemas.openxmlformats.org/officeDocument/2006/relationships" xmlns:p="http://schemas.openxmlformats.org/presentationml/2006/main">
+  <p:cSld>
+    <p:spTree>
+      <p:nvGrpSpPr>
+        <p:cNvPr id="1" name=""/>
+        <p:cNvGrpSpPr/>
+        <p:nvPr/>
+      </p:nvGrpSpPr>
+      <p:grpSpPr>
+        <a:xfrm>
+          <a:off x="0" y="0"/>
+          <a:ext cx="0" cy="0"/>
+          <a:chOff x="0" y="0"/>
+          <a:chExt cx="0" cy="0"/>
+        </a:xfrm>
+      </p:grpSpPr>
+      <p:sp>
+        <p:nvSpPr>
+          <p:cNvPr id="2" name="Folienbildplatzhalter 1"/>
+          <p:cNvSpPr>
+            <a:spLocks noGrp="1" noRot="1" noChangeAspect="1"/>
+          </p:cNvSpPr>
+          <p:nvPr>
+            <p:ph type="sldImg"/>
+          </p:nvPr>
+        </p:nvSpPr>
+        <p:spPr/>
+      </p:sp>
+      <p:sp>
+        <p:nvSpPr>
+          <p:cNvPr id="3" name="Notizenplatzhalter 2"/>
+          <p:cNvSpPr>
+            <a:spLocks noGrp="1"/>
+          </p:cNvSpPr>
+          <p:nvPr>
+            <p:ph type="body" idx="1"/>
+          </p:nvPr>
+        </p:nvSpPr>
+        <p:spPr/>
+        <p:txBody>
+          <a:bodyPr/>
+          <a:lstStyle/>
+          <a:p>
+            <a:endParaRPr lang="de-DE"/>
+          </a:p>
+        </p:txBody>
+      </p:sp>
+      <p:sp>
+        <p:nvSpPr>
+          <p:cNvPr id="4" name="Foliennummernplatzhalter 3"/>
+          <p:cNvSpPr>
+            <a:spLocks noGrp="1"/>
+          </p:cNvSpPr>
+          <p:nvPr>
+            <p:ph type="sldNum" sz="quarter" idx="10"/>
+          </p:nvPr>
+        </p:nvSpPr>
+        <p:spPr/>
+        <p:txBody>
+          <a:bodyPr/>
+          <a:lstStyle/>
+          <a:p>
+            <a:fld id="{3C8D0F26-E54A-6B4C-9639-65B577CA5DAC}" type="slidenum">
+              <a:rPr lang="de-DE" smtClean="0"/>
+              <a:t>14</a:t>
             </a:fld>
             <a:endParaRPr lang="de-DE"/>
           </a:p>
@@ -4469,12 +4809,12 @@
           <a:graphicData uri="http://schemas.openxmlformats.org/presentationml/2006/ole">
             <mc:AlternateContent xmlns:mc="http://schemas.openxmlformats.org/markup-compatibility/2006">
               <mc:Choice xmlns:v="urn:schemas-microsoft-com:vml" Requires="v">
-                <p:oleObj spid="_x0000_s1035" name="Dokument" r:id="rId5" imgW="6134100" imgH="2438400" progId="Word.Document.12">
+                <p:oleObj spid="_x0000_s1037" name="Dokument" r:id="rId6" imgW="6134100" imgH="2438400" progId="Word.Document.12">
                   <p:embed/>
                 </p:oleObj>
               </mc:Choice>
               <mc:Fallback>
-                <p:oleObj name="Dokument" r:id="rId5" imgW="6134100" imgH="2438400" progId="Word.Document.12">
+                <p:oleObj name="Dokument" r:id="rId6" imgW="6134100" imgH="2438400" progId="Word.Document.12">
                   <p:embed/>
                   <p:pic>
                     <p:nvPicPr>
@@ -4483,7 +4823,7 @@
                       <p:nvPr/>
                     </p:nvPicPr>
                     <p:blipFill>
-                      <a:blip r:embed="rId6"/>
+                      <a:blip r:embed="rId7"/>
                       <a:stretch>
                         <a:fillRect/>
                       </a:stretch>
@@ -4713,6 +5053,1205 @@
           <a:lstStyle/>
           <a:p>
             <a:r>
+              <a:rPr lang="de-DE" sz="2800" dirty="0">
+                <a:latin typeface="Helvetica"/>
+                <a:cs typeface="Helvetica"/>
+              </a:rPr>
+              <a:t>Bibliotheken &amp; Frameworks</a:t>
+            </a:r>
+          </a:p>
+        </p:txBody>
+      </p:sp>
+      <p:sp>
+        <p:nvSpPr>
+          <p:cNvPr id="13" name="Textfeld 12"/>
+          <p:cNvSpPr txBox="1"/>
+          <p:nvPr/>
+        </p:nvSpPr>
+        <p:spPr>
+          <a:xfrm>
+            <a:off x="250158" y="1746206"/>
+            <a:ext cx="8695409" cy="2677656"/>
+          </a:xfrm>
+          <a:prstGeom prst="rect">
+            <a:avLst/>
+          </a:prstGeom>
+          <a:noFill/>
+        </p:spPr>
+        <p:txBody>
+          <a:bodyPr wrap="square" rtlCol="0">
+            <a:spAutoFit/>
+          </a:bodyPr>
+          <a:lstStyle/>
+          <a:p>
+            <a:r>
+              <a:rPr lang="de-DE" sz="2400" b="1" dirty="0">
+                <a:latin typeface="Helvetica"/>
+                <a:cs typeface="Helvetica"/>
+                <a:sym typeface="Wingdings"/>
+              </a:rPr>
+              <a:t>Java Server Pages</a:t>
+            </a:r>
+          </a:p>
+          <a:p>
+            <a:pPr marL="342900" indent="-342900">
+              <a:buFont typeface="Arial"/>
+              <a:buChar char="•"/>
+            </a:pPr>
+            <a:r>
+              <a:rPr lang="de-DE" sz="2400" dirty="0">
+                <a:latin typeface="Helvetica"/>
+                <a:cs typeface="Helvetica"/>
+                <a:sym typeface="Wingdings"/>
+              </a:rPr>
+              <a:t>Sessions und </a:t>
+            </a:r>
+            <a:r>
+              <a:rPr lang="de-DE" sz="2400" dirty="0" err="1">
+                <a:latin typeface="Helvetica"/>
+                <a:cs typeface="Helvetica"/>
+                <a:sym typeface="Wingdings"/>
+              </a:rPr>
+              <a:t>Beans</a:t>
+            </a:r>
+            <a:r>
+              <a:rPr lang="de-DE" sz="2400" dirty="0">
+                <a:latin typeface="Helvetica"/>
+                <a:cs typeface="Helvetica"/>
+                <a:sym typeface="Wingdings"/>
+              </a:rPr>
+              <a:t> nutzbar</a:t>
+            </a:r>
+          </a:p>
+          <a:p>
+            <a:pPr marL="342900" indent="-342900">
+              <a:buFont typeface="Arial"/>
+              <a:buChar char="•"/>
+            </a:pPr>
+            <a:r>
+              <a:rPr lang="de-DE" sz="2400" dirty="0">
+                <a:latin typeface="Helvetica"/>
+                <a:cs typeface="Helvetica"/>
+                <a:sym typeface="Wingdings"/>
+              </a:rPr>
+              <a:t>Normales </a:t>
+            </a:r>
+            <a:r>
+              <a:rPr lang="de-DE" sz="2400">
+                <a:latin typeface="Helvetica"/>
+                <a:cs typeface="Helvetica"/>
+                <a:sym typeface="Wingdings"/>
+              </a:rPr>
+              <a:t>HTML </a:t>
+            </a:r>
+            <a:r>
+              <a:rPr lang="de-DE" sz="2400" smtClean="0">
+                <a:latin typeface="Helvetica"/>
+                <a:cs typeface="Helvetica"/>
+                <a:sym typeface="Wingdings"/>
+              </a:rPr>
+              <a:t>nutzbar </a:t>
+            </a:r>
+            <a:r>
+              <a:rPr lang="de-DE" sz="2400" dirty="0">
+                <a:latin typeface="Helvetica"/>
+                <a:cs typeface="Helvetica"/>
+                <a:sym typeface="Wingdings"/>
+              </a:rPr>
+              <a:t>(</a:t>
+            </a:r>
+            <a:r>
+              <a:rPr lang="de-DE" sz="2400" dirty="0" smtClean="0">
+                <a:latin typeface="Helvetica"/>
+                <a:cs typeface="Helvetica"/>
+                <a:sym typeface="Wingdings"/>
+              </a:rPr>
+              <a:t>gegenüber </a:t>
+            </a:r>
+            <a:r>
+              <a:rPr lang="de-DE" sz="2400" dirty="0">
+                <a:latin typeface="Helvetica"/>
+                <a:cs typeface="Helvetica"/>
+                <a:sym typeface="Wingdings"/>
+              </a:rPr>
+              <a:t>JSF und </a:t>
+            </a:r>
+            <a:r>
+              <a:rPr lang="de-DE" sz="2400" dirty="0" err="1">
+                <a:latin typeface="Helvetica"/>
+                <a:cs typeface="Helvetica"/>
+                <a:sym typeface="Wingdings"/>
+              </a:rPr>
+              <a:t>Facelets</a:t>
+            </a:r>
+            <a:r>
+              <a:rPr lang="de-DE" sz="2400" dirty="0">
+                <a:latin typeface="Helvetica"/>
+                <a:cs typeface="Helvetica"/>
+                <a:sym typeface="Wingdings"/>
+              </a:rPr>
+              <a:t>)</a:t>
+            </a:r>
+          </a:p>
+          <a:p>
+            <a:endParaRPr lang="de-DE" sz="2400" b="1" dirty="0">
+              <a:latin typeface="Helvetica"/>
+              <a:cs typeface="Helvetica"/>
+              <a:sym typeface="Wingdings"/>
+            </a:endParaRPr>
+          </a:p>
+          <a:p>
+            <a:r>
+              <a:rPr lang="de-DE" sz="2400" b="1" dirty="0">
+                <a:latin typeface="Helvetica"/>
+                <a:cs typeface="Helvetica"/>
+                <a:sym typeface="Wingdings"/>
+              </a:rPr>
+              <a:t>Bootstrap</a:t>
+            </a:r>
+          </a:p>
+          <a:p>
+            <a:pPr marL="342900" indent="-342900">
+              <a:buFont typeface="Arial"/>
+              <a:buChar char="•"/>
+            </a:pPr>
+            <a:r>
+              <a:rPr lang="de-DE" sz="2400" dirty="0">
+                <a:latin typeface="Helvetica"/>
+                <a:cs typeface="Helvetica"/>
+                <a:sym typeface="Wingdings"/>
+              </a:rPr>
+              <a:t>Vorgefertigte CSS Bibliothek </a:t>
+            </a:r>
+            <a:r>
+              <a:rPr lang="de-DE" sz="2400" dirty="0" smtClean="0">
+                <a:latin typeface="Helvetica"/>
+                <a:cs typeface="Helvetica"/>
+                <a:sym typeface="Wingdings"/>
+              </a:rPr>
+              <a:t>für </a:t>
+            </a:r>
+            <a:r>
+              <a:rPr lang="de-DE" sz="2400" dirty="0">
+                <a:latin typeface="Helvetica"/>
+                <a:cs typeface="Helvetica"/>
+                <a:sym typeface="Wingdings"/>
+              </a:rPr>
+              <a:t>Frontend</a:t>
+            </a:r>
+          </a:p>
+          <a:p>
+            <a:pPr marL="342900" indent="-342900">
+              <a:buFont typeface="Arial"/>
+              <a:buChar char="•"/>
+            </a:pPr>
+            <a:r>
+              <a:rPr lang="de-DE" sz="2400" dirty="0">
+                <a:latin typeface="Helvetica"/>
+                <a:cs typeface="Helvetica"/>
+                <a:sym typeface="Wingdings"/>
+              </a:rPr>
+              <a:t>Einsparung von Designentwicklungszeit</a:t>
+            </a:r>
+          </a:p>
+        </p:txBody>
+      </p:sp>
+    </p:spTree>
+    <p:extLst>
+      <p:ext uri="{BB962C8B-B14F-4D97-AF65-F5344CB8AC3E}">
+        <p14:creationId xmlns:p14="http://schemas.microsoft.com/office/powerpoint/2010/main" val="1429548222"/>
+      </p:ext>
+    </p:extLst>
+  </p:cSld>
+  <p:clrMapOvr>
+    <a:masterClrMapping/>
+  </p:clrMapOvr>
+  <p:timing>
+    <p:tnLst>
+      <p:par>
+        <p:cTn xmlns:p14="http://schemas.microsoft.com/office/powerpoint/2010/main" id="1" dur="indefinite" restart="never" nodeType="tmRoot"/>
+      </p:par>
+    </p:tnLst>
+  </p:timing>
+</p:sld>
+</file>
+
+<file path=ppt/slides/slide11.xml><?xml version="1.0" encoding="utf-8"?>
+<p:sld xmlns:a="http://schemas.openxmlformats.org/drawingml/2006/main" xmlns:r="http://schemas.openxmlformats.org/officeDocument/2006/relationships" xmlns:p="http://schemas.openxmlformats.org/presentationml/2006/main">
+  <p:cSld>
+    <p:spTree>
+      <p:nvGrpSpPr>
+        <p:cNvPr id="1" name=""/>
+        <p:cNvGrpSpPr/>
+        <p:nvPr/>
+      </p:nvGrpSpPr>
+      <p:grpSpPr>
+        <a:xfrm>
+          <a:off x="0" y="0"/>
+          <a:ext cx="0" cy="0"/>
+          <a:chOff x="0" y="0"/>
+          <a:chExt cx="0" cy="0"/>
+        </a:xfrm>
+      </p:grpSpPr>
+      <p:sp>
+        <p:nvSpPr>
+          <p:cNvPr id="10" name="Textfeld 9"/>
+          <p:cNvSpPr txBox="1"/>
+          <p:nvPr/>
+        </p:nvSpPr>
+        <p:spPr>
+          <a:xfrm>
+            <a:off x="4561840" y="5252720"/>
+            <a:ext cx="184666" cy="369332"/>
+          </a:xfrm>
+          <a:prstGeom prst="rect">
+            <a:avLst/>
+          </a:prstGeom>
+          <a:noFill/>
+        </p:spPr>
+        <p:txBody>
+          <a:bodyPr wrap="none" rtlCol="0">
+            <a:spAutoFit/>
+          </a:bodyPr>
+          <a:lstStyle/>
+          <a:p>
+            <a:endParaRPr lang="de-DE" dirty="0"/>
+          </a:p>
+        </p:txBody>
+      </p:sp>
+      <p:pic>
+        <p:nvPicPr>
+          <p:cNvPr id="2" name="Bild 1" descr="logoDatenbankMitHSB.png"/>
+          <p:cNvPicPr>
+            <a:picLocks noChangeAspect="1"/>
+          </p:cNvPicPr>
+          <p:nvPr/>
+        </p:nvPicPr>
+        <p:blipFill>
+          <a:blip r:embed="rId3">
+            <a:extLst>
+              <a:ext uri="{28A0092B-C50C-407E-A947-70E740481C1C}">
+                <a14:useLocalDpi xmlns:a14="http://schemas.microsoft.com/office/drawing/2010/main" val="0"/>
+              </a:ext>
+            </a:extLst>
+          </a:blip>
+          <a:stretch>
+            <a:fillRect/>
+          </a:stretch>
+        </p:blipFill>
+        <p:spPr>
+          <a:xfrm>
+            <a:off x="6419279" y="215531"/>
+            <a:ext cx="2526288" cy="757233"/>
+          </a:xfrm>
+          <a:prstGeom prst="rect">
+            <a:avLst/>
+          </a:prstGeom>
+        </p:spPr>
+      </p:pic>
+      <p:sp>
+        <p:nvSpPr>
+          <p:cNvPr id="3" name="Textfeld 2"/>
+          <p:cNvSpPr txBox="1"/>
+          <p:nvPr/>
+        </p:nvSpPr>
+        <p:spPr>
+          <a:xfrm>
+            <a:off x="109137" y="6518200"/>
+            <a:ext cx="5050097" cy="246221"/>
+          </a:xfrm>
+          <a:prstGeom prst="rect">
+            <a:avLst/>
+          </a:prstGeom>
+          <a:noFill/>
+        </p:spPr>
+        <p:txBody>
+          <a:bodyPr wrap="square" rtlCol="0">
+            <a:spAutoFit/>
+          </a:bodyPr>
+          <a:lstStyle/>
+          <a:p>
+            <a:r>
+              <a:rPr lang="de-DE" sz="1000" dirty="0" smtClean="0">
+                <a:latin typeface="Helvetica"/>
+                <a:cs typeface="Helvetica"/>
+              </a:rPr>
+              <a:t>Datenbankbasierte Web-Anwendungen (</a:t>
+            </a:r>
+            <a:r>
+              <a:rPr lang="de-DE" sz="1000" dirty="0" err="1" smtClean="0">
+                <a:latin typeface="Helvetica"/>
+                <a:cs typeface="Helvetica"/>
+              </a:rPr>
+              <a:t>SoSe</a:t>
+            </a:r>
+            <a:r>
+              <a:rPr lang="de-DE" sz="1000" dirty="0" smtClean="0">
+                <a:latin typeface="Helvetica"/>
+                <a:cs typeface="Helvetica"/>
+              </a:rPr>
+              <a:t> 15)			Gruppe 09</a:t>
+            </a:r>
+            <a:endParaRPr lang="de-DE" sz="1000" dirty="0">
+              <a:latin typeface="Helvetica"/>
+              <a:cs typeface="Helvetica"/>
+            </a:endParaRPr>
+          </a:p>
+        </p:txBody>
+      </p:sp>
+      <p:sp>
+        <p:nvSpPr>
+          <p:cNvPr id="8" name="Textfeld 7"/>
+          <p:cNvSpPr txBox="1"/>
+          <p:nvPr/>
+        </p:nvSpPr>
+        <p:spPr>
+          <a:xfrm>
+            <a:off x="8375993" y="6518200"/>
+            <a:ext cx="569574" cy="246221"/>
+          </a:xfrm>
+          <a:prstGeom prst="rect">
+            <a:avLst/>
+          </a:prstGeom>
+          <a:noFill/>
+        </p:spPr>
+        <p:txBody>
+          <a:bodyPr wrap="none" rtlCol="0">
+            <a:spAutoFit/>
+          </a:bodyPr>
+          <a:lstStyle/>
+          <a:p>
+            <a:r>
+              <a:rPr lang="de-DE" sz="1000" dirty="0" smtClean="0">
+                <a:latin typeface="Helvetica"/>
+                <a:cs typeface="Helvetica"/>
+              </a:rPr>
+              <a:t>Folie </a:t>
+            </a:r>
+            <a:fld id="{80772B1C-95EE-FF4C-9138-2FEA01DFD2C9}" type="slidenum">
+              <a:rPr lang="de-DE" sz="1000" smtClean="0">
+                <a:latin typeface="Helvetica"/>
+                <a:cs typeface="Helvetica"/>
+              </a:rPr>
+              <a:t>11</a:t>
+            </a:fld>
+            <a:endParaRPr lang="de-DE" sz="1000" dirty="0">
+              <a:latin typeface="Helvetica"/>
+              <a:cs typeface="Helvetica"/>
+            </a:endParaRPr>
+          </a:p>
+        </p:txBody>
+      </p:sp>
+      <p:sp>
+        <p:nvSpPr>
+          <p:cNvPr id="11" name="Textfeld 10"/>
+          <p:cNvSpPr txBox="1"/>
+          <p:nvPr/>
+        </p:nvSpPr>
+        <p:spPr>
+          <a:xfrm>
+            <a:off x="109136" y="215531"/>
+            <a:ext cx="5788821" cy="523220"/>
+          </a:xfrm>
+          <a:prstGeom prst="rect">
+            <a:avLst/>
+          </a:prstGeom>
+          <a:noFill/>
+        </p:spPr>
+        <p:txBody>
+          <a:bodyPr wrap="square" rtlCol="0">
+            <a:spAutoFit/>
+          </a:bodyPr>
+          <a:lstStyle/>
+          <a:p>
+            <a:r>
+              <a:rPr lang="de-DE" sz="2800" dirty="0" smtClean="0">
+                <a:latin typeface="Helvetica"/>
+                <a:cs typeface="Helvetica"/>
+              </a:rPr>
+              <a:t>Projektarchitektur</a:t>
+            </a:r>
+            <a:endParaRPr lang="de-DE" sz="2800" dirty="0">
+              <a:latin typeface="Helvetica"/>
+              <a:cs typeface="Helvetica"/>
+            </a:endParaRPr>
+          </a:p>
+        </p:txBody>
+      </p:sp>
+      <p:pic>
+        <p:nvPicPr>
+          <p:cNvPr id="5" name="Bild 4" descr="Drei-Schichten-Architektur.png"/>
+          <p:cNvPicPr>
+            <a:picLocks noChangeAspect="1"/>
+          </p:cNvPicPr>
+          <p:nvPr/>
+        </p:nvPicPr>
+        <p:blipFill>
+          <a:blip r:embed="rId4">
+            <a:extLst>
+              <a:ext uri="{28A0092B-C50C-407E-A947-70E740481C1C}">
+                <a14:useLocalDpi xmlns:a14="http://schemas.microsoft.com/office/drawing/2010/main" val="0"/>
+              </a:ext>
+            </a:extLst>
+          </a:blip>
+          <a:stretch>
+            <a:fillRect/>
+          </a:stretch>
+        </p:blipFill>
+        <p:spPr>
+          <a:xfrm>
+            <a:off x="5159234" y="1337488"/>
+            <a:ext cx="2671778" cy="4693423"/>
+          </a:xfrm>
+          <a:prstGeom prst="rect">
+            <a:avLst/>
+          </a:prstGeom>
+        </p:spPr>
+      </p:pic>
+      <p:sp>
+        <p:nvSpPr>
+          <p:cNvPr id="6" name="Textfeld 5"/>
+          <p:cNvSpPr txBox="1"/>
+          <p:nvPr/>
+        </p:nvSpPr>
+        <p:spPr>
+          <a:xfrm>
+            <a:off x="573569" y="3176095"/>
+            <a:ext cx="4172937" cy="523220"/>
+          </a:xfrm>
+          <a:prstGeom prst="rect">
+            <a:avLst/>
+          </a:prstGeom>
+          <a:noFill/>
+        </p:spPr>
+        <p:txBody>
+          <a:bodyPr wrap="none" rtlCol="0">
+            <a:spAutoFit/>
+          </a:bodyPr>
+          <a:lstStyle/>
+          <a:p>
+            <a:r>
+              <a:rPr lang="de-DE" sz="2800" b="1" dirty="0" smtClean="0"/>
+              <a:t>Drei-Schichten-Architektur</a:t>
+            </a:r>
+            <a:endParaRPr lang="de-DE" sz="2800" b="1" dirty="0"/>
+          </a:p>
+        </p:txBody>
+      </p:sp>
+    </p:spTree>
+    <p:extLst>
+      <p:ext uri="{BB962C8B-B14F-4D97-AF65-F5344CB8AC3E}">
+        <p14:creationId xmlns:p14="http://schemas.microsoft.com/office/powerpoint/2010/main" val="442904293"/>
+      </p:ext>
+    </p:extLst>
+  </p:cSld>
+  <p:clrMapOvr>
+    <a:masterClrMapping/>
+  </p:clrMapOvr>
+  <p:timing>
+    <p:tnLst>
+      <p:par>
+        <p:cTn xmlns:p14="http://schemas.microsoft.com/office/powerpoint/2010/main" id="1" dur="indefinite" restart="never" nodeType="tmRoot"/>
+      </p:par>
+    </p:tnLst>
+  </p:timing>
+</p:sld>
+</file>
+
+<file path=ppt/slides/slide12.xml><?xml version="1.0" encoding="utf-8"?>
+<p:sld xmlns:a="http://schemas.openxmlformats.org/drawingml/2006/main" xmlns:r="http://schemas.openxmlformats.org/officeDocument/2006/relationships" xmlns:p="http://schemas.openxmlformats.org/presentationml/2006/main">
+  <p:cSld>
+    <p:spTree>
+      <p:nvGrpSpPr>
+        <p:cNvPr id="1" name=""/>
+        <p:cNvGrpSpPr/>
+        <p:nvPr/>
+      </p:nvGrpSpPr>
+      <p:grpSpPr>
+        <a:xfrm>
+          <a:off x="0" y="0"/>
+          <a:ext cx="0" cy="0"/>
+          <a:chOff x="0" y="0"/>
+          <a:chExt cx="0" cy="0"/>
+        </a:xfrm>
+      </p:grpSpPr>
+      <p:sp>
+        <p:nvSpPr>
+          <p:cNvPr id="10" name="Textfeld 9"/>
+          <p:cNvSpPr txBox="1"/>
+          <p:nvPr/>
+        </p:nvSpPr>
+        <p:spPr>
+          <a:xfrm>
+            <a:off x="4561840" y="5252720"/>
+            <a:ext cx="184666" cy="369332"/>
+          </a:xfrm>
+          <a:prstGeom prst="rect">
+            <a:avLst/>
+          </a:prstGeom>
+          <a:noFill/>
+        </p:spPr>
+        <p:txBody>
+          <a:bodyPr wrap="none" rtlCol="0">
+            <a:spAutoFit/>
+          </a:bodyPr>
+          <a:lstStyle/>
+          <a:p>
+            <a:endParaRPr lang="de-DE" dirty="0"/>
+          </a:p>
+        </p:txBody>
+      </p:sp>
+      <p:pic>
+        <p:nvPicPr>
+          <p:cNvPr id="2" name="Bild 1" descr="logoDatenbankMitHSB.png"/>
+          <p:cNvPicPr>
+            <a:picLocks noChangeAspect="1"/>
+          </p:cNvPicPr>
+          <p:nvPr/>
+        </p:nvPicPr>
+        <p:blipFill>
+          <a:blip r:embed="rId3">
+            <a:extLst>
+              <a:ext uri="{28A0092B-C50C-407E-A947-70E740481C1C}">
+                <a14:useLocalDpi xmlns:a14="http://schemas.microsoft.com/office/drawing/2010/main" val="0"/>
+              </a:ext>
+            </a:extLst>
+          </a:blip>
+          <a:stretch>
+            <a:fillRect/>
+          </a:stretch>
+        </p:blipFill>
+        <p:spPr>
+          <a:xfrm>
+            <a:off x="6419279" y="215531"/>
+            <a:ext cx="2526288" cy="757233"/>
+          </a:xfrm>
+          <a:prstGeom prst="rect">
+            <a:avLst/>
+          </a:prstGeom>
+        </p:spPr>
+      </p:pic>
+      <p:sp>
+        <p:nvSpPr>
+          <p:cNvPr id="3" name="Textfeld 2"/>
+          <p:cNvSpPr txBox="1"/>
+          <p:nvPr/>
+        </p:nvSpPr>
+        <p:spPr>
+          <a:xfrm>
+            <a:off x="109137" y="6518200"/>
+            <a:ext cx="5050097" cy="246221"/>
+          </a:xfrm>
+          <a:prstGeom prst="rect">
+            <a:avLst/>
+          </a:prstGeom>
+          <a:noFill/>
+        </p:spPr>
+        <p:txBody>
+          <a:bodyPr wrap="square" rtlCol="0">
+            <a:spAutoFit/>
+          </a:bodyPr>
+          <a:lstStyle/>
+          <a:p>
+            <a:r>
+              <a:rPr lang="de-DE" sz="1000" dirty="0" smtClean="0">
+                <a:latin typeface="Helvetica"/>
+                <a:cs typeface="Helvetica"/>
+              </a:rPr>
+              <a:t>Datenbankbasierte Web-Anwendungen (</a:t>
+            </a:r>
+            <a:r>
+              <a:rPr lang="de-DE" sz="1000" dirty="0" err="1" smtClean="0">
+                <a:latin typeface="Helvetica"/>
+                <a:cs typeface="Helvetica"/>
+              </a:rPr>
+              <a:t>SoSe</a:t>
+            </a:r>
+            <a:r>
+              <a:rPr lang="de-DE" sz="1000" dirty="0" smtClean="0">
+                <a:latin typeface="Helvetica"/>
+                <a:cs typeface="Helvetica"/>
+              </a:rPr>
+              <a:t> 15)			Gruppe 09</a:t>
+            </a:r>
+            <a:endParaRPr lang="de-DE" sz="1000" dirty="0">
+              <a:latin typeface="Helvetica"/>
+              <a:cs typeface="Helvetica"/>
+            </a:endParaRPr>
+          </a:p>
+        </p:txBody>
+      </p:sp>
+      <p:sp>
+        <p:nvSpPr>
+          <p:cNvPr id="8" name="Textfeld 7"/>
+          <p:cNvSpPr txBox="1"/>
+          <p:nvPr/>
+        </p:nvSpPr>
+        <p:spPr>
+          <a:xfrm>
+            <a:off x="8375993" y="6518200"/>
+            <a:ext cx="569574" cy="246221"/>
+          </a:xfrm>
+          <a:prstGeom prst="rect">
+            <a:avLst/>
+          </a:prstGeom>
+          <a:noFill/>
+        </p:spPr>
+        <p:txBody>
+          <a:bodyPr wrap="none" rtlCol="0">
+            <a:spAutoFit/>
+          </a:bodyPr>
+          <a:lstStyle/>
+          <a:p>
+            <a:r>
+              <a:rPr lang="de-DE" sz="1000" dirty="0" smtClean="0">
+                <a:latin typeface="Helvetica"/>
+                <a:cs typeface="Helvetica"/>
+              </a:rPr>
+              <a:t>Folie </a:t>
+            </a:r>
+            <a:fld id="{80772B1C-95EE-FF4C-9138-2FEA01DFD2C9}" type="slidenum">
+              <a:rPr lang="de-DE" sz="1000" smtClean="0">
+                <a:latin typeface="Helvetica"/>
+                <a:cs typeface="Helvetica"/>
+              </a:rPr>
+              <a:t>12</a:t>
+            </a:fld>
+            <a:endParaRPr lang="de-DE" sz="1000" dirty="0">
+              <a:latin typeface="Helvetica"/>
+              <a:cs typeface="Helvetica"/>
+            </a:endParaRPr>
+          </a:p>
+        </p:txBody>
+      </p:sp>
+      <p:sp>
+        <p:nvSpPr>
+          <p:cNvPr id="11" name="Textfeld 10"/>
+          <p:cNvSpPr txBox="1"/>
+          <p:nvPr/>
+        </p:nvSpPr>
+        <p:spPr>
+          <a:xfrm>
+            <a:off x="109136" y="215531"/>
+            <a:ext cx="5788821" cy="523220"/>
+          </a:xfrm>
+          <a:prstGeom prst="rect">
+            <a:avLst/>
+          </a:prstGeom>
+          <a:noFill/>
+        </p:spPr>
+        <p:txBody>
+          <a:bodyPr wrap="square" rtlCol="0">
+            <a:spAutoFit/>
+          </a:bodyPr>
+          <a:lstStyle/>
+          <a:p>
+            <a:r>
+              <a:rPr lang="de-DE" sz="2800" dirty="0" smtClean="0">
+                <a:latin typeface="Helvetica"/>
+                <a:cs typeface="Helvetica"/>
+              </a:rPr>
+              <a:t>Projektarchitektur</a:t>
+            </a:r>
+            <a:endParaRPr lang="de-DE" sz="2800" dirty="0">
+              <a:latin typeface="Helvetica"/>
+              <a:cs typeface="Helvetica"/>
+            </a:endParaRPr>
+          </a:p>
+        </p:txBody>
+      </p:sp>
+      <p:sp>
+        <p:nvSpPr>
+          <p:cNvPr id="12" name="Textfeld 11"/>
+          <p:cNvSpPr txBox="1"/>
+          <p:nvPr/>
+        </p:nvSpPr>
+        <p:spPr>
+          <a:xfrm>
+            <a:off x="573569" y="3176095"/>
+            <a:ext cx="2454518" cy="523220"/>
+          </a:xfrm>
+          <a:prstGeom prst="rect">
+            <a:avLst/>
+          </a:prstGeom>
+          <a:noFill/>
+        </p:spPr>
+        <p:txBody>
+          <a:bodyPr wrap="none" rtlCol="0">
+            <a:spAutoFit/>
+          </a:bodyPr>
+          <a:lstStyle/>
+          <a:p>
+            <a:r>
+              <a:rPr lang="de-DE" sz="2800" b="1" dirty="0" smtClean="0"/>
+              <a:t>Ordnerstruktur</a:t>
+            </a:r>
+            <a:endParaRPr lang="de-DE" sz="2800" b="1" dirty="0"/>
+          </a:p>
+        </p:txBody>
+      </p:sp>
+      <p:pic>
+        <p:nvPicPr>
+          <p:cNvPr id="6" name="Bild 5" descr="Ordnerstruktur.jpg"/>
+          <p:cNvPicPr>
+            <a:picLocks noChangeAspect="1"/>
+          </p:cNvPicPr>
+          <p:nvPr/>
+        </p:nvPicPr>
+        <p:blipFill>
+          <a:blip r:embed="rId4">
+            <a:extLst>
+              <a:ext uri="{28A0092B-C50C-407E-A947-70E740481C1C}">
+                <a14:useLocalDpi xmlns:a14="http://schemas.microsoft.com/office/drawing/2010/main" val="0"/>
+              </a:ext>
+            </a:extLst>
+          </a:blip>
+          <a:stretch>
+            <a:fillRect/>
+          </a:stretch>
+        </p:blipFill>
+        <p:spPr>
+          <a:xfrm>
+            <a:off x="3972548" y="1310856"/>
+            <a:ext cx="3553561" cy="4776918"/>
+          </a:xfrm>
+          <a:prstGeom prst="rect">
+            <a:avLst/>
+          </a:prstGeom>
+        </p:spPr>
+      </p:pic>
+    </p:spTree>
+    <p:extLst>
+      <p:ext uri="{BB962C8B-B14F-4D97-AF65-F5344CB8AC3E}">
+        <p14:creationId xmlns:p14="http://schemas.microsoft.com/office/powerpoint/2010/main" val="506646129"/>
+      </p:ext>
+    </p:extLst>
+  </p:cSld>
+  <p:clrMapOvr>
+    <a:masterClrMapping/>
+  </p:clrMapOvr>
+  <p:timing>
+    <p:tnLst>
+      <p:par>
+        <p:cTn xmlns:p14="http://schemas.microsoft.com/office/powerpoint/2010/main" id="1" dur="indefinite" restart="never" nodeType="tmRoot"/>
+      </p:par>
+    </p:tnLst>
+  </p:timing>
+</p:sld>
+</file>
+
+<file path=ppt/slides/slide13.xml><?xml version="1.0" encoding="utf-8"?>
+<p:sld xmlns:a="http://schemas.openxmlformats.org/drawingml/2006/main" xmlns:r="http://schemas.openxmlformats.org/officeDocument/2006/relationships" xmlns:p="http://schemas.openxmlformats.org/presentationml/2006/main">
+  <p:cSld>
+    <p:spTree>
+      <p:nvGrpSpPr>
+        <p:cNvPr id="1" name=""/>
+        <p:cNvGrpSpPr/>
+        <p:nvPr/>
+      </p:nvGrpSpPr>
+      <p:grpSpPr>
+        <a:xfrm>
+          <a:off x="0" y="0"/>
+          <a:ext cx="0" cy="0"/>
+          <a:chOff x="0" y="0"/>
+          <a:chExt cx="0" cy="0"/>
+        </a:xfrm>
+      </p:grpSpPr>
+      <p:sp>
+        <p:nvSpPr>
+          <p:cNvPr id="10" name="Textfeld 9"/>
+          <p:cNvSpPr txBox="1"/>
+          <p:nvPr/>
+        </p:nvSpPr>
+        <p:spPr>
+          <a:xfrm>
+            <a:off x="4561840" y="5252720"/>
+            <a:ext cx="184666" cy="369332"/>
+          </a:xfrm>
+          <a:prstGeom prst="rect">
+            <a:avLst/>
+          </a:prstGeom>
+          <a:noFill/>
+        </p:spPr>
+        <p:txBody>
+          <a:bodyPr wrap="none" rtlCol="0">
+            <a:spAutoFit/>
+          </a:bodyPr>
+          <a:lstStyle/>
+          <a:p>
+            <a:endParaRPr lang="de-DE" dirty="0"/>
+          </a:p>
+        </p:txBody>
+      </p:sp>
+      <p:pic>
+        <p:nvPicPr>
+          <p:cNvPr id="2" name="Bild 1" descr="logoDatenbankMitHSB.png"/>
+          <p:cNvPicPr>
+            <a:picLocks noChangeAspect="1"/>
+          </p:cNvPicPr>
+          <p:nvPr/>
+        </p:nvPicPr>
+        <p:blipFill>
+          <a:blip r:embed="rId3">
+            <a:extLst>
+              <a:ext uri="{28A0092B-C50C-407E-A947-70E740481C1C}">
+                <a14:useLocalDpi xmlns:a14="http://schemas.microsoft.com/office/drawing/2010/main" val="0"/>
+              </a:ext>
+            </a:extLst>
+          </a:blip>
+          <a:stretch>
+            <a:fillRect/>
+          </a:stretch>
+        </p:blipFill>
+        <p:spPr>
+          <a:xfrm>
+            <a:off x="6419279" y="215531"/>
+            <a:ext cx="2526288" cy="757233"/>
+          </a:xfrm>
+          <a:prstGeom prst="rect">
+            <a:avLst/>
+          </a:prstGeom>
+        </p:spPr>
+      </p:pic>
+      <p:sp>
+        <p:nvSpPr>
+          <p:cNvPr id="3" name="Textfeld 2"/>
+          <p:cNvSpPr txBox="1"/>
+          <p:nvPr/>
+        </p:nvSpPr>
+        <p:spPr>
+          <a:xfrm>
+            <a:off x="109137" y="6518200"/>
+            <a:ext cx="5050097" cy="246221"/>
+          </a:xfrm>
+          <a:prstGeom prst="rect">
+            <a:avLst/>
+          </a:prstGeom>
+          <a:noFill/>
+        </p:spPr>
+        <p:txBody>
+          <a:bodyPr wrap="square" rtlCol="0">
+            <a:spAutoFit/>
+          </a:bodyPr>
+          <a:lstStyle/>
+          <a:p>
+            <a:r>
+              <a:rPr lang="de-DE" sz="1000" dirty="0" smtClean="0">
+                <a:latin typeface="Helvetica"/>
+                <a:cs typeface="Helvetica"/>
+              </a:rPr>
+              <a:t>Datenbankbasierte Web-Anwendungen (</a:t>
+            </a:r>
+            <a:r>
+              <a:rPr lang="de-DE" sz="1000" dirty="0" err="1" smtClean="0">
+                <a:latin typeface="Helvetica"/>
+                <a:cs typeface="Helvetica"/>
+              </a:rPr>
+              <a:t>SoSe</a:t>
+            </a:r>
+            <a:r>
+              <a:rPr lang="de-DE" sz="1000" dirty="0" smtClean="0">
+                <a:latin typeface="Helvetica"/>
+                <a:cs typeface="Helvetica"/>
+              </a:rPr>
+              <a:t> 15)			Gruppe 09</a:t>
+            </a:r>
+            <a:endParaRPr lang="de-DE" sz="1000" dirty="0">
+              <a:latin typeface="Helvetica"/>
+              <a:cs typeface="Helvetica"/>
+            </a:endParaRPr>
+          </a:p>
+        </p:txBody>
+      </p:sp>
+      <p:sp>
+        <p:nvSpPr>
+          <p:cNvPr id="8" name="Textfeld 7"/>
+          <p:cNvSpPr txBox="1"/>
+          <p:nvPr/>
+        </p:nvSpPr>
+        <p:spPr>
+          <a:xfrm>
+            <a:off x="8375993" y="6518200"/>
+            <a:ext cx="569574" cy="246221"/>
+          </a:xfrm>
+          <a:prstGeom prst="rect">
+            <a:avLst/>
+          </a:prstGeom>
+          <a:noFill/>
+        </p:spPr>
+        <p:txBody>
+          <a:bodyPr wrap="none" rtlCol="0">
+            <a:spAutoFit/>
+          </a:bodyPr>
+          <a:lstStyle/>
+          <a:p>
+            <a:r>
+              <a:rPr lang="de-DE" sz="1000" dirty="0" smtClean="0">
+                <a:latin typeface="Helvetica"/>
+                <a:cs typeface="Helvetica"/>
+              </a:rPr>
+              <a:t>Folie </a:t>
+            </a:r>
+            <a:fld id="{80772B1C-95EE-FF4C-9138-2FEA01DFD2C9}" type="slidenum">
+              <a:rPr lang="de-DE" sz="1000" smtClean="0">
+                <a:latin typeface="Helvetica"/>
+                <a:cs typeface="Helvetica"/>
+              </a:rPr>
+              <a:t>13</a:t>
+            </a:fld>
+            <a:endParaRPr lang="de-DE" sz="1000" dirty="0">
+              <a:latin typeface="Helvetica"/>
+              <a:cs typeface="Helvetica"/>
+            </a:endParaRPr>
+          </a:p>
+        </p:txBody>
+      </p:sp>
+      <p:sp>
+        <p:nvSpPr>
+          <p:cNvPr id="13" name="Textfeld 12"/>
+          <p:cNvSpPr txBox="1"/>
+          <p:nvPr/>
+        </p:nvSpPr>
+        <p:spPr>
+          <a:xfrm>
+            <a:off x="2898439" y="2735118"/>
+            <a:ext cx="8695409" cy="707886"/>
+          </a:xfrm>
+          <a:prstGeom prst="rect">
+            <a:avLst/>
+          </a:prstGeom>
+          <a:noFill/>
+        </p:spPr>
+        <p:txBody>
+          <a:bodyPr wrap="square" rtlCol="0">
+            <a:spAutoFit/>
+          </a:bodyPr>
+          <a:lstStyle/>
+          <a:p>
+            <a:r>
+              <a:rPr lang="de-DE" sz="4000" dirty="0" smtClean="0">
+                <a:latin typeface="Helvetica"/>
+                <a:cs typeface="Helvetica"/>
+              </a:rPr>
+              <a:t>Live Demo</a:t>
+            </a:r>
+            <a:endParaRPr lang="de-DE" sz="4000" dirty="0" smtClean="0">
+              <a:latin typeface="Helvetica"/>
+              <a:cs typeface="Helvetica"/>
+              <a:sym typeface="Wingdings"/>
+            </a:endParaRPr>
+          </a:p>
+        </p:txBody>
+      </p:sp>
+    </p:spTree>
+    <p:extLst>
+      <p:ext uri="{BB962C8B-B14F-4D97-AF65-F5344CB8AC3E}">
+        <p14:creationId xmlns:p14="http://schemas.microsoft.com/office/powerpoint/2010/main" val="173220904"/>
+      </p:ext>
+    </p:extLst>
+  </p:cSld>
+  <p:clrMapOvr>
+    <a:masterClrMapping/>
+  </p:clrMapOvr>
+  <p:timing>
+    <p:tnLst>
+      <p:par>
+        <p:cTn xmlns:p14="http://schemas.microsoft.com/office/powerpoint/2010/main" id="1" dur="indefinite" restart="never" nodeType="tmRoot"/>
+      </p:par>
+    </p:tnLst>
+  </p:timing>
+</p:sld>
+</file>
+
+<file path=ppt/slides/slide14.xml><?xml version="1.0" encoding="utf-8"?>
+<p:sld xmlns:a="http://schemas.openxmlformats.org/drawingml/2006/main" xmlns:r="http://schemas.openxmlformats.org/officeDocument/2006/relationships" xmlns:p="http://schemas.openxmlformats.org/presentationml/2006/main">
+  <p:cSld>
+    <p:spTree>
+      <p:nvGrpSpPr>
+        <p:cNvPr id="1" name=""/>
+        <p:cNvGrpSpPr/>
+        <p:nvPr/>
+      </p:nvGrpSpPr>
+      <p:grpSpPr>
+        <a:xfrm>
+          <a:off x="0" y="0"/>
+          <a:ext cx="0" cy="0"/>
+          <a:chOff x="0" y="0"/>
+          <a:chExt cx="0" cy="0"/>
+        </a:xfrm>
+      </p:grpSpPr>
+      <p:sp>
+        <p:nvSpPr>
+          <p:cNvPr id="10" name="Textfeld 9"/>
+          <p:cNvSpPr txBox="1"/>
+          <p:nvPr/>
+        </p:nvSpPr>
+        <p:spPr>
+          <a:xfrm>
+            <a:off x="4561840" y="5252720"/>
+            <a:ext cx="184666" cy="369332"/>
+          </a:xfrm>
+          <a:prstGeom prst="rect">
+            <a:avLst/>
+          </a:prstGeom>
+          <a:noFill/>
+        </p:spPr>
+        <p:txBody>
+          <a:bodyPr wrap="none" rtlCol="0">
+            <a:spAutoFit/>
+          </a:bodyPr>
+          <a:lstStyle/>
+          <a:p>
+            <a:endParaRPr lang="de-DE" dirty="0"/>
+          </a:p>
+        </p:txBody>
+      </p:sp>
+      <p:pic>
+        <p:nvPicPr>
+          <p:cNvPr id="2" name="Bild 1" descr="logoDatenbankMitHSB.png"/>
+          <p:cNvPicPr>
+            <a:picLocks noChangeAspect="1"/>
+          </p:cNvPicPr>
+          <p:nvPr/>
+        </p:nvPicPr>
+        <p:blipFill>
+          <a:blip r:embed="rId3">
+            <a:extLst>
+              <a:ext uri="{28A0092B-C50C-407E-A947-70E740481C1C}">
+                <a14:useLocalDpi xmlns:a14="http://schemas.microsoft.com/office/drawing/2010/main" val="0"/>
+              </a:ext>
+            </a:extLst>
+          </a:blip>
+          <a:stretch>
+            <a:fillRect/>
+          </a:stretch>
+        </p:blipFill>
+        <p:spPr>
+          <a:xfrm>
+            <a:off x="6419279" y="215531"/>
+            <a:ext cx="2526288" cy="757233"/>
+          </a:xfrm>
+          <a:prstGeom prst="rect">
+            <a:avLst/>
+          </a:prstGeom>
+        </p:spPr>
+      </p:pic>
+      <p:sp>
+        <p:nvSpPr>
+          <p:cNvPr id="3" name="Textfeld 2"/>
+          <p:cNvSpPr txBox="1"/>
+          <p:nvPr/>
+        </p:nvSpPr>
+        <p:spPr>
+          <a:xfrm>
+            <a:off x="109137" y="6518200"/>
+            <a:ext cx="5050097" cy="246221"/>
+          </a:xfrm>
+          <a:prstGeom prst="rect">
+            <a:avLst/>
+          </a:prstGeom>
+          <a:noFill/>
+        </p:spPr>
+        <p:txBody>
+          <a:bodyPr wrap="square" rtlCol="0">
+            <a:spAutoFit/>
+          </a:bodyPr>
+          <a:lstStyle/>
+          <a:p>
+            <a:r>
+              <a:rPr lang="de-DE" sz="1000" dirty="0" smtClean="0">
+                <a:latin typeface="Helvetica"/>
+                <a:cs typeface="Helvetica"/>
+              </a:rPr>
+              <a:t>Datenbankbasierte Web-Anwendungen (</a:t>
+            </a:r>
+            <a:r>
+              <a:rPr lang="de-DE" sz="1000" dirty="0" err="1" smtClean="0">
+                <a:latin typeface="Helvetica"/>
+                <a:cs typeface="Helvetica"/>
+              </a:rPr>
+              <a:t>SoSe</a:t>
+            </a:r>
+            <a:r>
+              <a:rPr lang="de-DE" sz="1000" dirty="0" smtClean="0">
+                <a:latin typeface="Helvetica"/>
+                <a:cs typeface="Helvetica"/>
+              </a:rPr>
+              <a:t> 15)			Gruppe 09</a:t>
+            </a:r>
+            <a:endParaRPr lang="de-DE" sz="1000" dirty="0">
+              <a:latin typeface="Helvetica"/>
+              <a:cs typeface="Helvetica"/>
+            </a:endParaRPr>
+          </a:p>
+        </p:txBody>
+      </p:sp>
+      <p:sp>
+        <p:nvSpPr>
+          <p:cNvPr id="8" name="Textfeld 7"/>
+          <p:cNvSpPr txBox="1"/>
+          <p:nvPr/>
+        </p:nvSpPr>
+        <p:spPr>
+          <a:xfrm>
+            <a:off x="8375993" y="6518200"/>
+            <a:ext cx="569574" cy="246221"/>
+          </a:xfrm>
+          <a:prstGeom prst="rect">
+            <a:avLst/>
+          </a:prstGeom>
+          <a:noFill/>
+        </p:spPr>
+        <p:txBody>
+          <a:bodyPr wrap="none" rtlCol="0">
+            <a:spAutoFit/>
+          </a:bodyPr>
+          <a:lstStyle/>
+          <a:p>
+            <a:r>
+              <a:rPr lang="de-DE" sz="1000" dirty="0" smtClean="0">
+                <a:latin typeface="Helvetica"/>
+                <a:cs typeface="Helvetica"/>
+              </a:rPr>
+              <a:t>Folie </a:t>
+            </a:r>
+            <a:fld id="{80772B1C-95EE-FF4C-9138-2FEA01DFD2C9}" type="slidenum">
+              <a:rPr lang="de-DE" sz="1000" smtClean="0">
+                <a:latin typeface="Helvetica"/>
+                <a:cs typeface="Helvetica"/>
+              </a:rPr>
+              <a:t>14</a:t>
+            </a:fld>
+            <a:endParaRPr lang="de-DE" sz="1000" dirty="0">
+              <a:latin typeface="Helvetica"/>
+              <a:cs typeface="Helvetica"/>
+            </a:endParaRPr>
+          </a:p>
+        </p:txBody>
+      </p:sp>
+      <p:sp>
+        <p:nvSpPr>
+          <p:cNvPr id="11" name="Textfeld 10"/>
+          <p:cNvSpPr txBox="1"/>
+          <p:nvPr/>
+        </p:nvSpPr>
+        <p:spPr>
+          <a:xfrm>
+            <a:off x="109136" y="215531"/>
+            <a:ext cx="5788821" cy="523220"/>
+          </a:xfrm>
+          <a:prstGeom prst="rect">
+            <a:avLst/>
+          </a:prstGeom>
+          <a:noFill/>
+        </p:spPr>
+        <p:txBody>
+          <a:bodyPr wrap="square" rtlCol="0">
+            <a:spAutoFit/>
+          </a:bodyPr>
+          <a:lstStyle/>
+          <a:p>
+            <a:r>
               <a:rPr lang="de-DE" sz="2800" dirty="0" smtClean="0">
                 <a:latin typeface="Helvetica"/>
                 <a:cs typeface="Helvetica"/>
@@ -6238,10 +7777,6 @@
               </a:rPr>
               <a:t>MySQL Datenbank</a:t>
             </a:r>
-            <a:endParaRPr lang="de-DE" sz="2800" dirty="0">
-              <a:latin typeface="Helvetica"/>
-              <a:cs typeface="Helvetica"/>
-            </a:endParaRPr>
           </a:p>
         </p:txBody>
       </p:sp>
@@ -6488,7 +8023,7 @@
                 <a:latin typeface="Helvetica"/>
                 <a:cs typeface="Helvetica"/>
               </a:rPr>
-              <a:t>Projektarchitektur</a:t>
+              <a:t>Entwicklungsumgebung</a:t>
             </a:r>
             <a:endParaRPr lang="de-DE" sz="2800" dirty="0">
               <a:latin typeface="Helvetica"/>
@@ -6497,46 +8032,16 @@
           </a:p>
         </p:txBody>
       </p:sp>
-      <p:pic>
-        <p:nvPicPr>
-          <p:cNvPr id="5" name="Bild 4" descr="Drei-Schichten-Architektur.png"/>
-          <p:cNvPicPr>
-            <a:picLocks noChangeAspect="1"/>
-          </p:cNvPicPr>
-          <p:nvPr/>
-        </p:nvPicPr>
-        <p:blipFill>
-          <a:blip r:embed="rId4">
-            <a:extLst>
-              <a:ext uri="{28A0092B-C50C-407E-A947-70E740481C1C}">
-                <a14:useLocalDpi xmlns:a14="http://schemas.microsoft.com/office/drawing/2010/main" val="0"/>
-              </a:ext>
-            </a:extLst>
-          </a:blip>
-          <a:stretch>
-            <a:fillRect/>
-          </a:stretch>
-        </p:blipFill>
-        <p:spPr>
-          <a:xfrm>
-            <a:off x="5159234" y="1337488"/>
-            <a:ext cx="2671778" cy="4693423"/>
-          </a:xfrm>
-          <a:prstGeom prst="rect">
-            <a:avLst/>
-          </a:prstGeom>
-        </p:spPr>
-      </p:pic>
-      <p:sp>
-        <p:nvSpPr>
-          <p:cNvPr id="6" name="Textfeld 5"/>
+      <p:sp>
+        <p:nvSpPr>
+          <p:cNvPr id="13" name="Textfeld 12"/>
           <p:cNvSpPr txBox="1"/>
           <p:nvPr/>
         </p:nvSpPr>
         <p:spPr>
           <a:xfrm>
-            <a:off x="573569" y="3176095"/>
-            <a:ext cx="4172937" cy="523220"/>
+            <a:off x="250158" y="1746206"/>
+            <a:ext cx="8695409" cy="3416320"/>
           </a:xfrm>
           <a:prstGeom prst="rect">
             <a:avLst/>
@@ -6544,23 +8049,222 @@
           <a:noFill/>
         </p:spPr>
         <p:txBody>
-          <a:bodyPr wrap="none" rtlCol="0">
+          <a:bodyPr wrap="square" rtlCol="0">
             <a:spAutoFit/>
           </a:bodyPr>
           <a:lstStyle/>
           <a:p>
             <a:r>
-              <a:rPr lang="de-DE" sz="2800" b="1" dirty="0" smtClean="0"/>
-              <a:t>Drei-Schichten-Architektur</a:t>
-            </a:r>
-            <a:endParaRPr lang="de-DE" sz="2800" b="1" dirty="0"/>
+              <a:rPr lang="de-DE" sz="2400" b="1" dirty="0">
+                <a:latin typeface="Helvetica"/>
+                <a:cs typeface="Helvetica"/>
+                <a:sym typeface="Wingdings"/>
+              </a:rPr>
+              <a:t>Versionskontrollsystem: </a:t>
+            </a:r>
+            <a:r>
+              <a:rPr lang="de-DE" sz="2400" b="1" dirty="0" err="1">
+                <a:latin typeface="Helvetica"/>
+                <a:cs typeface="Helvetica"/>
+                <a:sym typeface="Wingdings"/>
+              </a:rPr>
+              <a:t>Github</a:t>
+            </a:r>
+            <a:endParaRPr lang="de-DE" sz="2400" b="1" dirty="0">
+              <a:latin typeface="Helvetica"/>
+              <a:cs typeface="Helvetica"/>
+              <a:sym typeface="Wingdings"/>
+            </a:endParaRPr>
+          </a:p>
+          <a:p>
+            <a:pPr marL="285750" indent="-285750">
+              <a:buFont typeface="Arial"/>
+              <a:buChar char="•"/>
+            </a:pPr>
+            <a:r>
+              <a:rPr lang="de-DE" sz="2400" dirty="0">
+                <a:latin typeface="Helvetica"/>
+                <a:cs typeface="Helvetica"/>
+                <a:sym typeface="Wingdings"/>
+              </a:rPr>
+              <a:t>Bereits vorhandene </a:t>
+            </a:r>
+            <a:r>
+              <a:rPr lang="de-DE" sz="2400" dirty="0" err="1">
+                <a:latin typeface="Helvetica"/>
+                <a:cs typeface="Helvetica"/>
+                <a:sym typeface="Wingdings"/>
+              </a:rPr>
+              <a:t>Github</a:t>
+            </a:r>
+            <a:r>
+              <a:rPr lang="de-DE" sz="2400" dirty="0">
+                <a:latin typeface="Helvetica"/>
+                <a:cs typeface="Helvetica"/>
+                <a:sym typeface="Wingdings"/>
+              </a:rPr>
+              <a:t> Accounts und installierte </a:t>
+            </a:r>
+            <a:r>
+              <a:rPr lang="de-DE" sz="2400" dirty="0" smtClean="0">
+                <a:latin typeface="Helvetica"/>
+                <a:cs typeface="Helvetica"/>
+                <a:sym typeface="Wingdings"/>
+              </a:rPr>
+              <a:t>Software</a:t>
+            </a:r>
+          </a:p>
+          <a:p>
+            <a:pPr marL="285750" indent="-285750">
+              <a:buFont typeface="Arial"/>
+              <a:buChar char="•"/>
+            </a:pPr>
+            <a:endParaRPr lang="de-DE" sz="2400" dirty="0" smtClean="0">
+              <a:latin typeface="Helvetica"/>
+              <a:cs typeface="Helvetica"/>
+              <a:sym typeface="Wingdings"/>
+            </a:endParaRPr>
+          </a:p>
+          <a:p>
+            <a:r>
+              <a:rPr lang="de-DE" sz="2400" b="1" dirty="0">
+                <a:latin typeface="Helvetica"/>
+                <a:cs typeface="Helvetica"/>
+                <a:sym typeface="Wingdings"/>
+              </a:rPr>
+              <a:t>Entwicklungsumgebung: </a:t>
+            </a:r>
+            <a:r>
+              <a:rPr lang="de-DE" sz="2400" b="1" dirty="0" err="1">
+                <a:latin typeface="Helvetica"/>
+                <a:cs typeface="Helvetica"/>
+                <a:sym typeface="Wingdings"/>
+              </a:rPr>
+              <a:t>IntelliJ</a:t>
+            </a:r>
+            <a:endParaRPr lang="de-DE" sz="2400" b="1" dirty="0">
+              <a:latin typeface="Helvetica"/>
+              <a:cs typeface="Helvetica"/>
+              <a:sym typeface="Wingdings"/>
+            </a:endParaRPr>
+          </a:p>
+          <a:p>
+            <a:pPr marL="342900" indent="-342900">
+              <a:buFont typeface="Arial"/>
+              <a:buChar char="•"/>
+            </a:pPr>
+            <a:r>
+              <a:rPr lang="de-DE" sz="2400" dirty="0">
+                <a:latin typeface="Helvetica"/>
+                <a:cs typeface="Helvetica"/>
+                <a:sym typeface="Wingdings"/>
+              </a:rPr>
+              <a:t>Integration von </a:t>
+            </a:r>
+            <a:r>
+              <a:rPr lang="de-DE" sz="2400" dirty="0" err="1">
+                <a:latin typeface="Helvetica"/>
+                <a:cs typeface="Helvetica"/>
+                <a:sym typeface="Wingdings"/>
+              </a:rPr>
+              <a:t>Git</a:t>
+            </a:r>
+            <a:r>
+              <a:rPr lang="de-DE" sz="2400" dirty="0">
+                <a:latin typeface="Helvetica"/>
+                <a:cs typeface="Helvetica"/>
+                <a:sym typeface="Wingdings"/>
+              </a:rPr>
+              <a:t> direkt im Editor</a:t>
+            </a:r>
+          </a:p>
+          <a:p>
+            <a:pPr marL="342900" indent="-342900">
+              <a:buFont typeface="Arial"/>
+              <a:buChar char="•"/>
+            </a:pPr>
+            <a:r>
+              <a:rPr lang="de-DE" sz="2400" dirty="0">
+                <a:latin typeface="Helvetica"/>
+                <a:cs typeface="Helvetica"/>
+                <a:sym typeface="Wingdings"/>
+              </a:rPr>
+              <a:t>Einfache Installation von Bibliotheken und Frameworks</a:t>
+            </a:r>
+          </a:p>
+          <a:p>
+            <a:pPr marL="342900" indent="-342900">
+              <a:buFont typeface="Arial"/>
+              <a:buChar char="•"/>
+            </a:pPr>
+            <a:r>
+              <a:rPr lang="de-DE" sz="2400" dirty="0" err="1">
+                <a:latin typeface="Helvetica"/>
+                <a:cs typeface="Helvetica"/>
+                <a:sym typeface="Wingdings"/>
+              </a:rPr>
+              <a:t>Eclipse</a:t>
+            </a:r>
+            <a:r>
+              <a:rPr lang="de-DE" sz="2400" dirty="0">
+                <a:latin typeface="Helvetica"/>
+                <a:cs typeface="Helvetica"/>
+                <a:sym typeface="Wingdings"/>
+              </a:rPr>
+              <a:t> </a:t>
+            </a:r>
+            <a:r>
+              <a:rPr lang="de-DE" sz="2400" dirty="0" smtClean="0">
+                <a:latin typeface="Helvetica"/>
+                <a:cs typeface="Helvetica"/>
+                <a:sym typeface="Wingdings"/>
+              </a:rPr>
+              <a:t>benötigt </a:t>
+            </a:r>
+            <a:r>
+              <a:rPr lang="de-DE" sz="2400" dirty="0" err="1">
+                <a:latin typeface="Helvetica"/>
+                <a:cs typeface="Helvetica"/>
+                <a:sym typeface="Wingdings"/>
+              </a:rPr>
+              <a:t>Plugins</a:t>
+            </a:r>
+            <a:r>
+              <a:rPr lang="de-DE" sz="2400" dirty="0">
+                <a:latin typeface="Helvetica"/>
+                <a:cs typeface="Helvetica"/>
+                <a:sym typeface="Wingdings"/>
+              </a:rPr>
+              <a:t>, die angeblich </a:t>
+            </a:r>
+            <a:r>
+              <a:rPr lang="de-DE" sz="2400" dirty="0" smtClean="0">
+                <a:latin typeface="Helvetica"/>
+                <a:cs typeface="Helvetica"/>
+                <a:sym typeface="Wingdings"/>
+              </a:rPr>
+              <a:t>umständlich </a:t>
+            </a:r>
+            <a:r>
+              <a:rPr lang="de-DE" sz="2400" dirty="0">
+                <a:latin typeface="Helvetica"/>
+                <a:cs typeface="Helvetica"/>
+                <a:sym typeface="Wingdings"/>
+              </a:rPr>
+              <a:t>funktionieren sollen</a:t>
+            </a:r>
+            <a:endParaRPr lang="de-DE" sz="2400" dirty="0" smtClean="0">
+              <a:latin typeface="Helvetica"/>
+              <a:cs typeface="Helvetica"/>
+              <a:sym typeface="Wingdings"/>
+            </a:endParaRPr>
           </a:p>
         </p:txBody>
       </p:sp>
     </p:spTree>
     <p:extLst>
       <p:ext uri="{BB962C8B-B14F-4D97-AF65-F5344CB8AC3E}">
-        <p14:creationId xmlns:p14="http://schemas.microsoft.com/office/powerpoint/2010/main" val="442904293"/>
+        <p14:creationId xmlns:p14="http://schemas.microsoft.com/office/powerpoint/2010/main" val="756031252"/>
       </p:ext>
     </p:extLst>
   </p:cSld>
@@ -6770,7 +8474,7 @@
                 <a:latin typeface="Helvetica"/>
                 <a:cs typeface="Helvetica"/>
               </a:rPr>
-              <a:t>Projektarchitektur</a:t>
+              <a:t>Entwicklungsumgebung</a:t>
             </a:r>
             <a:endParaRPr lang="de-DE" sz="2800" dirty="0">
               <a:latin typeface="Helvetica"/>
@@ -6781,14 +8485,14 @@
       </p:sp>
       <p:sp>
         <p:nvSpPr>
-          <p:cNvPr id="12" name="Textfeld 11"/>
+          <p:cNvPr id="13" name="Textfeld 12"/>
           <p:cNvSpPr txBox="1"/>
           <p:nvPr/>
         </p:nvSpPr>
         <p:spPr>
           <a:xfrm>
-            <a:off x="573569" y="3176095"/>
-            <a:ext cx="2454518" cy="523220"/>
+            <a:off x="250158" y="1746206"/>
+            <a:ext cx="8695409" cy="4524315"/>
           </a:xfrm>
           <a:prstGeom prst="rect">
             <a:avLst/>
@@ -6796,53 +8500,219 @@
           <a:noFill/>
         </p:spPr>
         <p:txBody>
-          <a:bodyPr wrap="none" rtlCol="0">
+          <a:bodyPr wrap="square" rtlCol="0">
             <a:spAutoFit/>
           </a:bodyPr>
           <a:lstStyle/>
           <a:p>
             <a:r>
-              <a:rPr lang="de-DE" sz="2800" b="1" dirty="0" smtClean="0"/>
-              <a:t>Ordnerstruktur</a:t>
-            </a:r>
-            <a:endParaRPr lang="de-DE" sz="2800" b="1" dirty="0"/>
-          </a:p>
-        </p:txBody>
-      </p:sp>
-      <p:pic>
-        <p:nvPicPr>
-          <p:cNvPr id="6" name="Bild 5" descr="Ordnerstruktur.jpg"/>
-          <p:cNvPicPr>
-            <a:picLocks noChangeAspect="1"/>
-          </p:cNvPicPr>
-          <p:nvPr/>
-        </p:nvPicPr>
-        <p:blipFill>
-          <a:blip r:embed="rId4">
-            <a:extLst>
-              <a:ext uri="{28A0092B-C50C-407E-A947-70E740481C1C}">
-                <a14:useLocalDpi xmlns:a14="http://schemas.microsoft.com/office/drawing/2010/main" val="0"/>
-              </a:ext>
-            </a:extLst>
-          </a:blip>
-          <a:stretch>
-            <a:fillRect/>
-          </a:stretch>
-        </p:blipFill>
-        <p:spPr>
-          <a:xfrm>
-            <a:off x="3972548" y="1310856"/>
-            <a:ext cx="3553561" cy="4776918"/>
-          </a:xfrm>
-          <a:prstGeom prst="rect">
-            <a:avLst/>
-          </a:prstGeom>
-        </p:spPr>
-      </p:pic>
+              <a:rPr lang="de-DE" sz="2400" b="1" dirty="0" err="1">
+                <a:latin typeface="Helvetica"/>
+                <a:cs typeface="Helvetica"/>
+                <a:sym typeface="Wingdings"/>
+              </a:rPr>
+              <a:t>Buildautomatisierungswerkzeug</a:t>
+            </a:r>
+            <a:r>
+              <a:rPr lang="de-DE" sz="2400" b="1" dirty="0">
+                <a:latin typeface="Helvetica"/>
+                <a:cs typeface="Helvetica"/>
+                <a:sym typeface="Wingdings"/>
+              </a:rPr>
+              <a:t>: </a:t>
+            </a:r>
+            <a:r>
+              <a:rPr lang="de-DE" sz="2400" b="1" dirty="0" err="1">
+                <a:latin typeface="Helvetica"/>
+                <a:cs typeface="Helvetica"/>
+                <a:sym typeface="Wingdings"/>
+              </a:rPr>
+              <a:t>Gradle</a:t>
+            </a:r>
+            <a:endParaRPr lang="de-DE" sz="2400" b="1" dirty="0">
+              <a:latin typeface="Helvetica"/>
+              <a:cs typeface="Helvetica"/>
+              <a:sym typeface="Wingdings"/>
+            </a:endParaRPr>
+          </a:p>
+          <a:p>
+            <a:pPr marL="342900" indent="-342900">
+              <a:buFont typeface="Arial"/>
+              <a:buChar char="•"/>
+            </a:pPr>
+            <a:r>
+              <a:rPr lang="de-DE" sz="2400" dirty="0">
+                <a:latin typeface="Helvetica"/>
+                <a:cs typeface="Helvetica"/>
+                <a:sym typeface="Wingdings"/>
+              </a:rPr>
+              <a:t>Einfachere Konfigurations-</a:t>
+            </a:r>
+            <a:r>
+              <a:rPr lang="de-DE" sz="2400" dirty="0" err="1">
+                <a:latin typeface="Helvetica"/>
+                <a:cs typeface="Helvetica"/>
+                <a:sym typeface="Wingdings"/>
+              </a:rPr>
+              <a:t>Datein</a:t>
+            </a:r>
+            <a:endParaRPr lang="de-DE" sz="2400" dirty="0">
+              <a:latin typeface="Helvetica"/>
+              <a:cs typeface="Helvetica"/>
+              <a:sym typeface="Wingdings"/>
+            </a:endParaRPr>
+          </a:p>
+          <a:p>
+            <a:pPr marL="342900" indent="-342900">
+              <a:buFont typeface="Arial"/>
+              <a:buChar char="•"/>
+            </a:pPr>
+            <a:r>
+              <a:rPr lang="de-DE" sz="2400" dirty="0">
+                <a:latin typeface="Helvetica"/>
+                <a:cs typeface="Helvetica"/>
+                <a:sym typeface="Wingdings"/>
+              </a:rPr>
+              <a:t>Direkter Support in </a:t>
+            </a:r>
+            <a:r>
+              <a:rPr lang="de-DE" sz="2400" dirty="0" err="1">
+                <a:latin typeface="Helvetica"/>
+                <a:cs typeface="Helvetica"/>
+                <a:sym typeface="Wingdings"/>
+              </a:rPr>
+              <a:t>IntelliJ</a:t>
+            </a:r>
+            <a:endParaRPr lang="de-DE" sz="2400" dirty="0">
+              <a:latin typeface="Helvetica"/>
+              <a:cs typeface="Helvetica"/>
+              <a:sym typeface="Wingdings"/>
+            </a:endParaRPr>
+          </a:p>
+          <a:p>
+            <a:pPr marL="342900" indent="-342900">
+              <a:buFont typeface="Arial"/>
+              <a:buChar char="•"/>
+            </a:pPr>
+            <a:r>
+              <a:rPr lang="de-DE" sz="2400" dirty="0">
+                <a:latin typeface="Helvetica"/>
+                <a:cs typeface="Helvetica"/>
+                <a:sym typeface="Wingdings"/>
+              </a:rPr>
+              <a:t>Einfache Automatisierung</a:t>
+            </a:r>
+          </a:p>
+          <a:p>
+            <a:endParaRPr lang="de-DE" sz="2400" b="1" dirty="0">
+              <a:latin typeface="Helvetica"/>
+              <a:cs typeface="Helvetica"/>
+              <a:sym typeface="Wingdings"/>
+            </a:endParaRPr>
+          </a:p>
+          <a:p>
+            <a:r>
+              <a:rPr lang="de-DE" sz="2400" b="1" dirty="0">
+                <a:latin typeface="Helvetica"/>
+                <a:cs typeface="Helvetica"/>
+                <a:sym typeface="Wingdings"/>
+              </a:rPr>
+              <a:t>Komponententest-Framework: Keins</a:t>
+            </a:r>
+          </a:p>
+          <a:p>
+            <a:pPr marL="342900" indent="-342900">
+              <a:buFont typeface="Arial"/>
+              <a:buChar char="•"/>
+            </a:pPr>
+            <a:r>
+              <a:rPr lang="de-DE" sz="2400" dirty="0">
+                <a:latin typeface="Helvetica"/>
+                <a:cs typeface="Helvetica"/>
+                <a:sym typeface="Wingdings"/>
+              </a:rPr>
+              <a:t>Aufsetzen der Entwicklungsumgebung war komplizierter als erwartet</a:t>
+            </a:r>
+          </a:p>
+          <a:p>
+            <a:pPr marL="342900" indent="-342900">
+              <a:buFont typeface="Arial"/>
+              <a:buChar char="•"/>
+            </a:pPr>
+            <a:r>
+              <a:rPr lang="de-DE" sz="2400" dirty="0" smtClean="0">
+                <a:latin typeface="Helvetica"/>
+                <a:cs typeface="Helvetica"/>
+                <a:sym typeface="Wingdings"/>
+              </a:rPr>
+              <a:t>Hätte </a:t>
+            </a:r>
+            <a:r>
+              <a:rPr lang="de-DE" sz="2400" dirty="0">
+                <a:latin typeface="Helvetica"/>
+                <a:cs typeface="Helvetica"/>
+                <a:sym typeface="Wingdings"/>
+              </a:rPr>
+              <a:t>zu viel Eigenaufwand erfordert, da keiner Erfahrung </a:t>
+            </a:r>
+            <a:r>
+              <a:rPr lang="de-DE" sz="2400" dirty="0" err="1">
+                <a:latin typeface="Helvetica"/>
+                <a:cs typeface="Helvetica"/>
+                <a:sym typeface="Wingdings"/>
+              </a:rPr>
+              <a:t>bzw</a:t>
+            </a:r>
+            <a:r>
+              <a:rPr lang="de-DE" sz="2400" dirty="0">
+                <a:latin typeface="Helvetica"/>
+                <a:cs typeface="Helvetica"/>
+                <a:sym typeface="Wingdings"/>
+              </a:rPr>
+              <a:t> Modul dazu hat</a:t>
+            </a:r>
+          </a:p>
+          <a:p>
+            <a:pPr marL="342900" indent="-342900">
+              <a:buFont typeface="Arial"/>
+              <a:buChar char="•"/>
+            </a:pPr>
+            <a:r>
+              <a:rPr lang="de-DE" sz="2400" dirty="0">
+                <a:latin typeface="Helvetica"/>
+                <a:cs typeface="Helvetica"/>
+                <a:sym typeface="Wingdings"/>
+              </a:rPr>
+              <a:t>Nicht direkt </a:t>
+            </a:r>
+            <a:r>
+              <a:rPr lang="de-DE" sz="2400" dirty="0" smtClean="0">
+                <a:latin typeface="Helvetica"/>
+                <a:cs typeface="Helvetica"/>
+                <a:sym typeface="Wingdings"/>
+              </a:rPr>
+              <a:t>notenrelevant</a:t>
+            </a:r>
+            <a:r>
+              <a:rPr lang="de-DE" sz="2400" dirty="0">
+                <a:latin typeface="Helvetica"/>
+                <a:cs typeface="Helvetica"/>
+                <a:sym typeface="Wingdings"/>
+              </a:rPr>
+              <a:t>, Zeit ist besser verwendet das Projekt fertigzustellen</a:t>
+            </a:r>
+            <a:endParaRPr lang="de-DE" sz="2400" dirty="0" smtClean="0">
+              <a:latin typeface="Helvetica"/>
+              <a:cs typeface="Helvetica"/>
+              <a:sym typeface="Wingdings"/>
+            </a:endParaRPr>
+          </a:p>
+        </p:txBody>
+      </p:sp>
     </p:spTree>
     <p:extLst>
       <p:ext uri="{BB962C8B-B14F-4D97-AF65-F5344CB8AC3E}">
-        <p14:creationId xmlns:p14="http://schemas.microsoft.com/office/powerpoint/2010/main" val="506646129"/>
+        <p14:creationId xmlns:p14="http://schemas.microsoft.com/office/powerpoint/2010/main" val="3408992707"/>
       </p:ext>
     </p:extLst>
   </p:cSld>
@@ -7027,14 +8897,14 @@
       </p:sp>
       <p:sp>
         <p:nvSpPr>
-          <p:cNvPr id="13" name="Textfeld 12"/>
+          <p:cNvPr id="11" name="Textfeld 10"/>
           <p:cNvSpPr txBox="1"/>
           <p:nvPr/>
         </p:nvSpPr>
         <p:spPr>
           <a:xfrm>
-            <a:off x="2898439" y="2735118"/>
-            <a:ext cx="8695409" cy="707886"/>
+            <a:off x="109136" y="215531"/>
+            <a:ext cx="5788821" cy="523220"/>
           </a:xfrm>
           <a:prstGeom prst="rect">
             <a:avLst/>
@@ -7048,24 +8918,193 @@
           <a:lstStyle/>
           <a:p>
             <a:r>
-              <a:rPr lang="de-DE" sz="4000" dirty="0" smtClean="0">
-                <a:latin typeface="Helvetica"/>
-                <a:cs typeface="Helvetica"/>
-              </a:rPr>
-              <a:t>Live Demo</a:t>
-            </a:r>
-            <a:endParaRPr lang="de-DE" sz="4000" dirty="0" smtClean="0">
+              <a:rPr lang="de-DE" sz="2800" dirty="0">
+                <a:latin typeface="Helvetica"/>
+                <a:cs typeface="Helvetica"/>
+              </a:rPr>
+              <a:t>Bibliotheken &amp; Frameworks</a:t>
+            </a:r>
+          </a:p>
+        </p:txBody>
+      </p:sp>
+      <p:sp>
+        <p:nvSpPr>
+          <p:cNvPr id="13" name="Textfeld 12"/>
+          <p:cNvSpPr txBox="1"/>
+          <p:nvPr/>
+        </p:nvSpPr>
+        <p:spPr>
+          <a:xfrm>
+            <a:off x="250158" y="1746206"/>
+            <a:ext cx="8695409" cy="3046988"/>
+          </a:xfrm>
+          <a:prstGeom prst="rect">
+            <a:avLst/>
+          </a:prstGeom>
+          <a:noFill/>
+        </p:spPr>
+        <p:txBody>
+          <a:bodyPr wrap="square" rtlCol="0">
+            <a:spAutoFit/>
+          </a:bodyPr>
+          <a:lstStyle/>
+          <a:p>
+            <a:r>
+              <a:rPr lang="de-DE" sz="2400" b="1" dirty="0" err="1">
+                <a:latin typeface="Helvetica"/>
+                <a:cs typeface="Helvetica"/>
+                <a:sym typeface="Wingdings"/>
+              </a:rPr>
+              <a:t>Hibernate</a:t>
+            </a:r>
+            <a:r>
+              <a:rPr lang="de-DE" sz="2400" b="1" dirty="0">
+                <a:latin typeface="Helvetica"/>
+                <a:cs typeface="Helvetica"/>
+                <a:sym typeface="Wingdings"/>
+              </a:rPr>
+              <a:t> und JPA</a:t>
+            </a:r>
+          </a:p>
+          <a:p>
+            <a:pPr marL="342900" indent="-342900">
+              <a:buFont typeface="Arial"/>
+              <a:buChar char="•"/>
+            </a:pPr>
+            <a:r>
+              <a:rPr lang="de-DE" sz="2400" dirty="0">
+                <a:latin typeface="Helvetica"/>
+                <a:cs typeface="Helvetica"/>
+                <a:sym typeface="Wingdings"/>
+              </a:rPr>
+              <a:t>Automatische Erstellung von Java Objekten aus Abfragen (Kein Objektbauen aus </a:t>
+            </a:r>
+            <a:r>
+              <a:rPr lang="de-DE" sz="2400" dirty="0" err="1">
+                <a:latin typeface="Helvetica"/>
+                <a:cs typeface="Helvetica"/>
+                <a:sym typeface="Wingdings"/>
+              </a:rPr>
+              <a:t>Resultsets</a:t>
+            </a:r>
+            <a:r>
+              <a:rPr lang="de-DE" sz="2400" dirty="0">
+                <a:latin typeface="Helvetica"/>
+                <a:cs typeface="Helvetica"/>
+                <a:sym typeface="Wingdings"/>
+              </a:rPr>
+              <a:t>)</a:t>
+            </a:r>
+          </a:p>
+          <a:p>
+            <a:pPr marL="342900" indent="-342900">
+              <a:buFont typeface="Arial"/>
+              <a:buChar char="•"/>
+            </a:pPr>
+            <a:r>
+              <a:rPr lang="de-DE" sz="2400" dirty="0" err="1">
+                <a:latin typeface="Helvetica"/>
+                <a:cs typeface="Helvetica"/>
+                <a:sym typeface="Wingdings"/>
+              </a:rPr>
+              <a:t>Annotations</a:t>
+            </a:r>
+            <a:r>
+              <a:rPr lang="de-DE" sz="2400" dirty="0">
+                <a:latin typeface="Helvetica"/>
+                <a:cs typeface="Helvetica"/>
+                <a:sym typeface="Wingdings"/>
+              </a:rPr>
+              <a:t> bei Mapping anstatt XML-</a:t>
+            </a:r>
+            <a:r>
+              <a:rPr lang="de-DE" sz="2400" dirty="0" smtClean="0">
+                <a:latin typeface="Helvetica"/>
+                <a:cs typeface="Helvetica"/>
+                <a:sym typeface="Wingdings"/>
+              </a:rPr>
+              <a:t>Dateien</a:t>
+            </a:r>
+            <a:endParaRPr lang="de-DE" sz="2400" dirty="0">
               <a:latin typeface="Helvetica"/>
               <a:cs typeface="Helvetica"/>
               <a:sym typeface="Wingdings"/>
             </a:endParaRPr>
           </a:p>
+          <a:p>
+            <a:pPr marL="342900" indent="-342900">
+              <a:buFont typeface="Arial"/>
+              <a:buChar char="•"/>
+            </a:pPr>
+            <a:r>
+              <a:rPr lang="de-DE" sz="2400" dirty="0" smtClean="0">
+                <a:latin typeface="Helvetica"/>
+                <a:cs typeface="Helvetica"/>
+                <a:sym typeface="Wingdings"/>
+              </a:rPr>
+              <a:t>Abkopplung </a:t>
+            </a:r>
+            <a:r>
+              <a:rPr lang="de-DE" sz="2400" dirty="0">
+                <a:latin typeface="Helvetica"/>
+                <a:cs typeface="Helvetica"/>
+                <a:sym typeface="Wingdings"/>
+              </a:rPr>
+              <a:t>vom Datenbankdenken, da arbeiten mit </a:t>
+            </a:r>
+            <a:r>
+              <a:rPr lang="de-DE" sz="2400" dirty="0" smtClean="0">
+                <a:latin typeface="Helvetica"/>
+                <a:cs typeface="Helvetica"/>
+                <a:sym typeface="Wingdings"/>
+              </a:rPr>
+              <a:t>Standard </a:t>
+            </a:r>
+            <a:r>
+              <a:rPr lang="de-DE" sz="2400" dirty="0">
+                <a:latin typeface="Helvetica"/>
+                <a:cs typeface="Helvetica"/>
+                <a:sym typeface="Wingdings"/>
+              </a:rPr>
+              <a:t>Java Objekten</a:t>
+            </a:r>
+          </a:p>
+          <a:p>
+            <a:pPr marL="342900" indent="-342900">
+              <a:buFont typeface="Arial"/>
+              <a:buChar char="•"/>
+            </a:pPr>
+            <a:r>
+              <a:rPr lang="de-DE" sz="2400" dirty="0">
+                <a:latin typeface="Helvetica"/>
+                <a:cs typeface="Helvetica"/>
+                <a:sym typeface="Wingdings"/>
+              </a:rPr>
+              <a:t>Lernen neuer Datenbankzugriffe, aber </a:t>
+            </a:r>
+            <a:r>
+              <a:rPr lang="de-DE" sz="2400" dirty="0" smtClean="0">
+                <a:latin typeface="Helvetica"/>
+                <a:cs typeface="Helvetica"/>
+                <a:sym typeface="Wingdings"/>
+              </a:rPr>
+              <a:t>Möglichkeit </a:t>
+            </a:r>
+            <a:r>
+              <a:rPr lang="de-DE" sz="2400" dirty="0">
+                <a:latin typeface="Helvetica"/>
+                <a:cs typeface="Helvetica"/>
+                <a:sym typeface="Wingdings"/>
+              </a:rPr>
+              <a:t>Datenbank auszutauschen</a:t>
+            </a:r>
+          </a:p>
         </p:txBody>
       </p:sp>
     </p:spTree>
     <p:extLst>
       <p:ext uri="{BB962C8B-B14F-4D97-AF65-F5344CB8AC3E}">
-        <p14:creationId xmlns:p14="http://schemas.microsoft.com/office/powerpoint/2010/main" val="173220904"/>
+        <p14:creationId xmlns:p14="http://schemas.microsoft.com/office/powerpoint/2010/main" val="2557611841"/>
       </p:ext>
     </p:extLst>
   </p:cSld>

--- a/Doku/Dokumentation/Präsentation/Präsentation1.pptx
+++ b/Doku/Dokumentation/Präsentation/Präsentation1.pptx
@@ -208,7 +208,7 @@
           <a:p>
             <a:fld id="{3C5C1F87-A553-D54A-8D92-982D0D8B1973}" type="datetime1">
               <a:rPr lang="de-DE" smtClean="0"/>
-              <a:t>02.08.15</a:t>
+              <a:t>03.08.15</a:t>
             </a:fld>
             <a:endParaRPr lang="de-DE"/>
           </a:p>
@@ -374,7 +374,7 @@
           <a:p>
             <a:fld id="{5EBEB032-4C8F-D14A-8C9D-7EF290BC175F}" type="datetime1">
               <a:rPr lang="de-DE" smtClean="0"/>
-              <a:t>02.08.15</a:t>
+              <a:t>03.08.15</a:t>
             </a:fld>
             <a:endParaRPr lang="de-DE"/>
           </a:p>
@@ -1916,7 +1916,7 @@
           <a:p>
             <a:fld id="{1C409EFA-92D1-2F45-84E5-8C09624895D8}" type="datetime1">
               <a:rPr lang="de-DE" smtClean="0"/>
-              <a:t>02.08.15</a:t>
+              <a:t>03.08.15</a:t>
             </a:fld>
             <a:endParaRPr lang="de-DE"/>
           </a:p>
@@ -2086,7 +2086,7 @@
           <a:p>
             <a:fld id="{CC9C6B11-0577-8246-A3BA-B300B0F499A5}" type="datetime1">
               <a:rPr lang="de-DE" smtClean="0"/>
-              <a:t>02.08.15</a:t>
+              <a:t>03.08.15</a:t>
             </a:fld>
             <a:endParaRPr lang="de-DE"/>
           </a:p>
@@ -2266,7 +2266,7 @@
           <a:p>
             <a:fld id="{6902ABF9-E8A2-8E4D-B50D-9137CB1F6782}" type="datetime1">
               <a:rPr lang="de-DE" smtClean="0"/>
-              <a:t>02.08.15</a:t>
+              <a:t>03.08.15</a:t>
             </a:fld>
             <a:endParaRPr lang="de-DE"/>
           </a:p>
@@ -2436,7 +2436,7 @@
           <a:p>
             <a:fld id="{A2C708EA-969E-8C41-86B2-F6AEDE275753}" type="datetime1">
               <a:rPr lang="de-DE" smtClean="0"/>
-              <a:t>02.08.15</a:t>
+              <a:t>03.08.15</a:t>
             </a:fld>
             <a:endParaRPr lang="de-DE"/>
           </a:p>
@@ -2682,7 +2682,7 @@
           <a:p>
             <a:fld id="{AEAE3140-3677-294F-BB1A-0172ED5847FC}" type="datetime1">
               <a:rPr lang="de-DE" smtClean="0"/>
-              <a:t>02.08.15</a:t>
+              <a:t>03.08.15</a:t>
             </a:fld>
             <a:endParaRPr lang="de-DE"/>
           </a:p>
@@ -2970,7 +2970,7 @@
           <a:p>
             <a:fld id="{1ACAACC3-F3C9-824E-B495-1FDE64EF99BD}" type="datetime1">
               <a:rPr lang="de-DE" smtClean="0"/>
-              <a:t>02.08.15</a:t>
+              <a:t>03.08.15</a:t>
             </a:fld>
             <a:endParaRPr lang="de-DE"/>
           </a:p>
@@ -3392,7 +3392,7 @@
           <a:p>
             <a:fld id="{71DB1126-796D-D447-B9E8-151D005B0148}" type="datetime1">
               <a:rPr lang="de-DE" smtClean="0"/>
-              <a:t>02.08.15</a:t>
+              <a:t>03.08.15</a:t>
             </a:fld>
             <a:endParaRPr lang="de-DE"/>
           </a:p>
@@ -3510,7 +3510,7 @@
           <a:p>
             <a:fld id="{4CF1641E-36A7-7A48-BECA-119086F567EF}" type="datetime1">
               <a:rPr lang="de-DE" smtClean="0"/>
-              <a:t>02.08.15</a:t>
+              <a:t>03.08.15</a:t>
             </a:fld>
             <a:endParaRPr lang="de-DE"/>
           </a:p>
@@ -3605,7 +3605,7 @@
           <a:p>
             <a:fld id="{35F65FC4-9A5E-7749-B2FE-88A153ECB593}" type="datetime1">
               <a:rPr lang="de-DE" smtClean="0"/>
-              <a:t>02.08.15</a:t>
+              <a:t>03.08.15</a:t>
             </a:fld>
             <a:endParaRPr lang="de-DE"/>
           </a:p>
@@ -3882,7 +3882,7 @@
           <a:p>
             <a:fld id="{B03973DD-0E77-DA46-B1C6-B169DCECB667}" type="datetime1">
               <a:rPr lang="de-DE" smtClean="0"/>
-              <a:t>02.08.15</a:t>
+              <a:t>03.08.15</a:t>
             </a:fld>
             <a:endParaRPr lang="de-DE"/>
           </a:p>
@@ -4135,7 +4135,7 @@
           <a:p>
             <a:fld id="{FDA4983A-5DE4-D64A-9ECF-D3D9C6C15267}" type="datetime1">
               <a:rPr lang="de-DE" smtClean="0"/>
-              <a:t>02.08.15</a:t>
+              <a:t>03.08.15</a:t>
             </a:fld>
             <a:endParaRPr lang="de-DE"/>
           </a:p>
@@ -4351,7 +4351,7 @@
           <a:p>
             <a:fld id="{999BCF29-3F8F-2D4D-85F8-AC23766BD627}" type="datetime1">
               <a:rPr lang="de-DE" smtClean="0"/>
-              <a:t>02.08.15</a:t>
+              <a:t>03.08.15</a:t>
             </a:fld>
             <a:endParaRPr lang="de-DE"/>
           </a:p>
@@ -4809,7 +4809,7 @@
           <a:graphicData uri="http://schemas.openxmlformats.org/presentationml/2006/ole">
             <mc:AlternateContent xmlns:mc="http://schemas.openxmlformats.org/markup-compatibility/2006">
               <mc:Choice xmlns:v="urn:schemas-microsoft-com:vml" Requires="v">
-                <p:oleObj spid="_x0000_s1037" name="Dokument" r:id="rId6" imgW="6134100" imgH="2438400" progId="Word.Document.12">
+                <p:oleObj spid="_x0000_s1039" name="Dokument" r:id="rId6" imgW="6134100" imgH="2438400" progId="Word.Document.12">
                   <p:embed/>
                 </p:oleObj>
               </mc:Choice>
@@ -8492,7 +8492,7 @@
         <p:spPr>
           <a:xfrm>
             <a:off x="250158" y="1746206"/>
-            <a:ext cx="8695409" cy="4524315"/>
+            <a:ext cx="8695409" cy="3785652"/>
           </a:xfrm>
           <a:prstGeom prst="rect">
             <a:avLst/>
@@ -8549,12 +8549,12 @@
               <a:t>Einfachere Konfigurations-</a:t>
             </a:r>
             <a:r>
-              <a:rPr lang="de-DE" sz="2400" dirty="0" err="1">
+              <a:rPr lang="de-DE" sz="2400" dirty="0" smtClean="0">
                 <a:latin typeface="Helvetica"/>
                 <a:cs typeface="Helvetica"/>
                 <a:sym typeface="Wingdings"/>
               </a:rPr>
-              <a:t>Datein</a:t>
+              <a:t>Dateien</a:t>
             </a:r>
             <a:endParaRPr lang="de-DE" sz="2400" dirty="0">
               <a:latin typeface="Helvetica"/>
@@ -8669,39 +8669,25 @@
                 <a:cs typeface="Helvetica"/>
                 <a:sym typeface="Wingdings"/>
               </a:rPr>
-              <a:t> Modul dazu hat</a:t>
-            </a:r>
-          </a:p>
-          <a:p>
-            <a:pPr marL="342900" indent="-342900">
-              <a:buFont typeface="Arial"/>
-              <a:buChar char="•"/>
-            </a:pPr>
-            <a:r>
-              <a:rPr lang="de-DE" sz="2400" dirty="0">
+              <a:t> Modul </a:t>
+            </a:r>
+            <a:r>
+              <a:rPr lang="de-DE" sz="2400">
                 <a:latin typeface="Helvetica"/>
                 <a:cs typeface="Helvetica"/>
                 <a:sym typeface="Wingdings"/>
               </a:rPr>
-              <a:t>Nicht direkt </a:t>
-            </a:r>
-            <a:r>
-              <a:rPr lang="de-DE" sz="2400" dirty="0" smtClean="0">
+              <a:t>dazu </a:t>
+            </a:r>
+            <a:r>
+              <a:rPr lang="de-DE" sz="2400" smtClean="0">
                 <a:latin typeface="Helvetica"/>
                 <a:cs typeface="Helvetica"/>
                 <a:sym typeface="Wingdings"/>
               </a:rPr>
-              <a:t>notenrelevant</a:t>
-            </a:r>
-            <a:r>
-              <a:rPr lang="de-DE" sz="2400" dirty="0">
-                <a:latin typeface="Helvetica"/>
-                <a:cs typeface="Helvetica"/>
-                <a:sym typeface="Wingdings"/>
-              </a:rPr>
-              <a:t>, Zeit ist besser verwendet das Projekt fertigzustellen</a:t>
-            </a:r>
-            <a:endParaRPr lang="de-DE" sz="2400" dirty="0" smtClean="0">
+              <a:t>hat</a:t>
+            </a:r>
+            <a:endParaRPr lang="de-DE" sz="2400" dirty="0">
               <a:latin typeface="Helvetica"/>
               <a:cs typeface="Helvetica"/>
               <a:sym typeface="Wingdings"/>
